--- a/Heart Disease Diagnosis System.pptx
+++ b/Heart Disease Diagnosis System.pptx
@@ -228,7 +228,7 @@
           <a:p>
             <a:fld id="{721E46CD-5AFE-4992-B916-65D93ABB4AEE}" type="datetimeFigureOut">
               <a:rPr lang="en-US" smtClean="0"/>
-              <a:t>4/5/2019</a:t>
+              <a:t>6/12/2021</a:t>
             </a:fld>
             <a:endParaRPr lang="en-US" dirty="0"/>
           </a:p>
@@ -292,38 +292,37 @@
           <a:p>
             <a:pPr lvl="0"/>
             <a:r>
-              <a:rPr lang="en-US" smtClean="0"/>
+              <a:rPr lang="en-US"/>
               <a:t>Click to edit Master text styles</a:t>
             </a:r>
           </a:p>
           <a:p>
             <a:pPr lvl="1"/>
             <a:r>
-              <a:rPr lang="en-US" smtClean="0"/>
+              <a:rPr lang="en-US"/>
               <a:t>Second level</a:t>
             </a:r>
           </a:p>
           <a:p>
             <a:pPr lvl="2"/>
             <a:r>
-              <a:rPr lang="en-US" smtClean="0"/>
+              <a:rPr lang="en-US"/>
               <a:t>Third level</a:t>
             </a:r>
           </a:p>
           <a:p>
             <a:pPr lvl="3"/>
             <a:r>
-              <a:rPr lang="en-US" smtClean="0"/>
+              <a:rPr lang="en-US"/>
               <a:t>Fourth level</a:t>
             </a:r>
           </a:p>
           <a:p>
             <a:pPr lvl="4"/>
             <a:r>
-              <a:rPr lang="en-US" smtClean="0"/>
+              <a:rPr lang="en-US"/>
               <a:t>Fifth level</a:t>
             </a:r>
-            <a:endParaRPr lang="en-US"/>
           </a:p>
         </p:txBody>
       </p:sp>
@@ -546,10 +545,9 @@
           <a:lstStyle/>
           <a:p>
             <a:r>
-              <a:rPr lang="en-US" dirty="0" smtClean="0"/>
+              <a:rPr lang="en-US" dirty="0"/>
               <a:t>Date missing</a:t>
             </a:r>
-            <a:endParaRPr lang="en-US" dirty="0"/>
           </a:p>
         </p:txBody>
       </p:sp>
@@ -715,7 +713,7 @@
           </a:lstStyle>
           <a:p>
             <a:r>
-              <a:rPr lang="en-US" smtClean="0"/>
+              <a:rPr lang="en-US"/>
               <a:t>Click to edit Master title style</a:t>
             </a:r>
             <a:endParaRPr lang="en-US" dirty="0"/>
@@ -780,7 +778,7 @@
           </a:lstStyle>
           <a:p>
             <a:r>
-              <a:rPr lang="en-US" smtClean="0"/>
+              <a:rPr lang="en-US"/>
               <a:t>Click to edit Master subtitle style</a:t>
             </a:r>
             <a:endParaRPr lang="en-US" dirty="0"/>
@@ -804,7 +802,7 @@
           <a:p>
             <a:fld id="{76FDD46B-B7A0-4B55-A512-D57122A47F5E}" type="datetimeFigureOut">
               <a:rPr lang="en-US" smtClean="0"/>
-              <a:t>4/5/2019</a:t>
+              <a:t>6/12/2021</a:t>
             </a:fld>
             <a:endParaRPr lang="en-US" dirty="0"/>
           </a:p>
@@ -898,7 +896,7 @@
           <a:lstStyle/>
           <a:p>
             <a:r>
-              <a:rPr lang="en-US" smtClean="0"/>
+              <a:rPr lang="en-US"/>
               <a:t>Click to edit Master title style</a:t>
             </a:r>
             <a:endParaRPr lang="en-US" dirty="0"/>
@@ -922,35 +920,35 @@
           <a:p>
             <a:pPr lvl="0"/>
             <a:r>
-              <a:rPr lang="en-US" smtClean="0"/>
+              <a:rPr lang="en-US"/>
               <a:t>Click to edit Master text styles</a:t>
             </a:r>
           </a:p>
           <a:p>
             <a:pPr lvl="1"/>
             <a:r>
-              <a:rPr lang="en-US" smtClean="0"/>
+              <a:rPr lang="en-US"/>
               <a:t>Second level</a:t>
             </a:r>
           </a:p>
           <a:p>
             <a:pPr lvl="2"/>
             <a:r>
-              <a:rPr lang="en-US" smtClean="0"/>
+              <a:rPr lang="en-US"/>
               <a:t>Third level</a:t>
             </a:r>
           </a:p>
           <a:p>
             <a:pPr lvl="3"/>
             <a:r>
-              <a:rPr lang="en-US" smtClean="0"/>
+              <a:rPr lang="en-US"/>
               <a:t>Fourth level</a:t>
             </a:r>
           </a:p>
           <a:p>
             <a:pPr lvl="4"/>
             <a:r>
-              <a:rPr lang="en-US" smtClean="0"/>
+              <a:rPr lang="en-US"/>
               <a:t>Fifth level</a:t>
             </a:r>
             <a:endParaRPr lang="en-US" dirty="0"/>
@@ -974,7 +972,7 @@
           <a:p>
             <a:fld id="{76FDD46B-B7A0-4B55-A512-D57122A47F5E}" type="datetimeFigureOut">
               <a:rPr lang="en-US" smtClean="0"/>
-              <a:t>4/5/2019</a:t>
+              <a:t>6/12/2021</a:t>
             </a:fld>
             <a:endParaRPr lang="en-US" dirty="0"/>
           </a:p>
@@ -1073,7 +1071,7 @@
           <a:lstStyle/>
           <a:p>
             <a:r>
-              <a:rPr lang="en-US" smtClean="0"/>
+              <a:rPr lang="en-US"/>
               <a:t>Click to edit Master title style</a:t>
             </a:r>
             <a:endParaRPr lang="en-US" dirty="0"/>
@@ -1102,35 +1100,35 @@
           <a:p>
             <a:pPr lvl="0"/>
             <a:r>
-              <a:rPr lang="en-US" smtClean="0"/>
+              <a:rPr lang="en-US"/>
               <a:t>Click to edit Master text styles</a:t>
             </a:r>
           </a:p>
           <a:p>
             <a:pPr lvl="1"/>
             <a:r>
-              <a:rPr lang="en-US" smtClean="0"/>
+              <a:rPr lang="en-US"/>
               <a:t>Second level</a:t>
             </a:r>
           </a:p>
           <a:p>
             <a:pPr lvl="2"/>
             <a:r>
-              <a:rPr lang="en-US" smtClean="0"/>
+              <a:rPr lang="en-US"/>
               <a:t>Third level</a:t>
             </a:r>
           </a:p>
           <a:p>
             <a:pPr lvl="3"/>
             <a:r>
-              <a:rPr lang="en-US" smtClean="0"/>
+              <a:rPr lang="en-US"/>
               <a:t>Fourth level</a:t>
             </a:r>
           </a:p>
           <a:p>
             <a:pPr lvl="4"/>
             <a:r>
-              <a:rPr lang="en-US" smtClean="0"/>
+              <a:rPr lang="en-US"/>
               <a:t>Fifth level</a:t>
             </a:r>
             <a:endParaRPr lang="en-US" dirty="0"/>
@@ -1154,7 +1152,7 @@
           <a:p>
             <a:fld id="{76FDD46B-B7A0-4B55-A512-D57122A47F5E}" type="datetimeFigureOut">
               <a:rPr lang="en-US" smtClean="0"/>
-              <a:t>4/5/2019</a:t>
+              <a:t>6/12/2021</a:t>
             </a:fld>
             <a:endParaRPr lang="en-US" dirty="0"/>
           </a:p>
@@ -1248,7 +1246,7 @@
           <a:lstStyle/>
           <a:p>
             <a:r>
-              <a:rPr lang="en-US" smtClean="0"/>
+              <a:rPr lang="en-US"/>
               <a:t>Click to edit Master title style</a:t>
             </a:r>
             <a:endParaRPr lang="en-US" dirty="0"/>
@@ -1272,35 +1270,35 @@
           <a:p>
             <a:pPr lvl="0"/>
             <a:r>
-              <a:rPr lang="en-US" smtClean="0"/>
+              <a:rPr lang="en-US"/>
               <a:t>Click to edit Master text styles</a:t>
             </a:r>
           </a:p>
           <a:p>
             <a:pPr lvl="1"/>
             <a:r>
-              <a:rPr lang="en-US" smtClean="0"/>
+              <a:rPr lang="en-US"/>
               <a:t>Second level</a:t>
             </a:r>
           </a:p>
           <a:p>
             <a:pPr lvl="2"/>
             <a:r>
-              <a:rPr lang="en-US" smtClean="0"/>
+              <a:rPr lang="en-US"/>
               <a:t>Third level</a:t>
             </a:r>
           </a:p>
           <a:p>
             <a:pPr lvl="3"/>
             <a:r>
-              <a:rPr lang="en-US" smtClean="0"/>
+              <a:rPr lang="en-US"/>
               <a:t>Fourth level</a:t>
             </a:r>
           </a:p>
           <a:p>
             <a:pPr lvl="4"/>
             <a:r>
-              <a:rPr lang="en-US" smtClean="0"/>
+              <a:rPr lang="en-US"/>
               <a:t>Fifth level</a:t>
             </a:r>
             <a:endParaRPr lang="en-US" dirty="0"/>
@@ -1324,7 +1322,7 @@
           <a:p>
             <a:fld id="{76FDD46B-B7A0-4B55-A512-D57122A47F5E}" type="datetimeFigureOut">
               <a:rPr lang="en-US" smtClean="0"/>
-              <a:t>4/5/2019</a:t>
+              <a:t>6/12/2021</a:t>
             </a:fld>
             <a:endParaRPr lang="en-US" dirty="0"/>
           </a:p>
@@ -1427,7 +1425,7 @@
           </a:lstStyle>
           <a:p>
             <a:r>
-              <a:rPr lang="en-US" smtClean="0"/>
+              <a:rPr lang="en-US"/>
               <a:t>Click to edit Master title style</a:t>
             </a:r>
             <a:endParaRPr lang="en-US" dirty="0"/>
@@ -1545,7 +1543,7 @@
           <a:p>
             <a:pPr lvl="0"/>
             <a:r>
-              <a:rPr lang="en-US" smtClean="0"/>
+              <a:rPr lang="en-US"/>
               <a:t>Click to edit Master text styles</a:t>
             </a:r>
           </a:p>
@@ -1568,7 +1566,7 @@
           <a:p>
             <a:fld id="{76FDD46B-B7A0-4B55-A512-D57122A47F5E}" type="datetimeFigureOut">
               <a:rPr lang="en-US" smtClean="0"/>
-              <a:t>4/5/2019</a:t>
+              <a:t>6/12/2021</a:t>
             </a:fld>
             <a:endParaRPr lang="en-US" dirty="0"/>
           </a:p>
@@ -1662,7 +1660,7 @@
           <a:lstStyle/>
           <a:p>
             <a:r>
-              <a:rPr lang="en-US" smtClean="0"/>
+              <a:rPr lang="en-US"/>
               <a:t>Click to edit Master title style</a:t>
             </a:r>
             <a:endParaRPr lang="en-US" dirty="0"/>
@@ -1691,35 +1689,35 @@
           <a:p>
             <a:pPr lvl="0"/>
             <a:r>
-              <a:rPr lang="en-US" smtClean="0"/>
+              <a:rPr lang="en-US"/>
               <a:t>Click to edit Master text styles</a:t>
             </a:r>
           </a:p>
           <a:p>
             <a:pPr lvl="1"/>
             <a:r>
-              <a:rPr lang="en-US" smtClean="0"/>
+              <a:rPr lang="en-US"/>
               <a:t>Second level</a:t>
             </a:r>
           </a:p>
           <a:p>
             <a:pPr lvl="2"/>
             <a:r>
-              <a:rPr lang="en-US" smtClean="0"/>
+              <a:rPr lang="en-US"/>
               <a:t>Third level</a:t>
             </a:r>
           </a:p>
           <a:p>
             <a:pPr lvl="3"/>
             <a:r>
-              <a:rPr lang="en-US" smtClean="0"/>
+              <a:rPr lang="en-US"/>
               <a:t>Fourth level</a:t>
             </a:r>
           </a:p>
           <a:p>
             <a:pPr lvl="4"/>
             <a:r>
-              <a:rPr lang="en-US" smtClean="0"/>
+              <a:rPr lang="en-US"/>
               <a:t>Fifth level</a:t>
             </a:r>
             <a:endParaRPr lang="en-US" dirty="0"/>
@@ -1748,35 +1746,35 @@
           <a:p>
             <a:pPr lvl="0"/>
             <a:r>
-              <a:rPr lang="en-US" smtClean="0"/>
+              <a:rPr lang="en-US"/>
               <a:t>Click to edit Master text styles</a:t>
             </a:r>
           </a:p>
           <a:p>
             <a:pPr lvl="1"/>
             <a:r>
-              <a:rPr lang="en-US" smtClean="0"/>
+              <a:rPr lang="en-US"/>
               <a:t>Second level</a:t>
             </a:r>
           </a:p>
           <a:p>
             <a:pPr lvl="2"/>
             <a:r>
-              <a:rPr lang="en-US" smtClean="0"/>
+              <a:rPr lang="en-US"/>
               <a:t>Third level</a:t>
             </a:r>
           </a:p>
           <a:p>
             <a:pPr lvl="3"/>
             <a:r>
-              <a:rPr lang="en-US" smtClean="0"/>
+              <a:rPr lang="en-US"/>
               <a:t>Fourth level</a:t>
             </a:r>
           </a:p>
           <a:p>
             <a:pPr lvl="4"/>
             <a:r>
-              <a:rPr lang="en-US" smtClean="0"/>
+              <a:rPr lang="en-US"/>
               <a:t>Fifth level</a:t>
             </a:r>
             <a:endParaRPr lang="en-US" dirty="0"/>
@@ -1800,7 +1798,7 @@
           <a:p>
             <a:fld id="{76FDD46B-B7A0-4B55-A512-D57122A47F5E}" type="datetimeFigureOut">
               <a:rPr lang="en-US" smtClean="0"/>
-              <a:t>4/5/2019</a:t>
+              <a:t>6/12/2021</a:t>
             </a:fld>
             <a:endParaRPr lang="en-US" dirty="0"/>
           </a:p>
@@ -1899,7 +1897,7 @@
           <a:lstStyle/>
           <a:p>
             <a:r>
-              <a:rPr lang="en-US" smtClean="0"/>
+              <a:rPr lang="en-US"/>
               <a:t>Click to edit Master title style</a:t>
             </a:r>
             <a:endParaRPr lang="en-US" dirty="0"/>
@@ -1965,7 +1963,7 @@
           <a:p>
             <a:pPr lvl="0"/>
             <a:r>
-              <a:rPr lang="en-US" smtClean="0"/>
+              <a:rPr lang="en-US"/>
               <a:t>Click to edit Master text styles</a:t>
             </a:r>
           </a:p>
@@ -1993,35 +1991,35 @@
           <a:p>
             <a:pPr lvl="0"/>
             <a:r>
-              <a:rPr lang="en-US" smtClean="0"/>
+              <a:rPr lang="en-US"/>
               <a:t>Click to edit Master text styles</a:t>
             </a:r>
           </a:p>
           <a:p>
             <a:pPr lvl="1"/>
             <a:r>
-              <a:rPr lang="en-US" smtClean="0"/>
+              <a:rPr lang="en-US"/>
               <a:t>Second level</a:t>
             </a:r>
           </a:p>
           <a:p>
             <a:pPr lvl="2"/>
             <a:r>
-              <a:rPr lang="en-US" smtClean="0"/>
+              <a:rPr lang="en-US"/>
               <a:t>Third level</a:t>
             </a:r>
           </a:p>
           <a:p>
             <a:pPr lvl="3"/>
             <a:r>
-              <a:rPr lang="en-US" smtClean="0"/>
+              <a:rPr lang="en-US"/>
               <a:t>Fourth level</a:t>
             </a:r>
           </a:p>
           <a:p>
             <a:pPr lvl="4"/>
             <a:r>
-              <a:rPr lang="en-US" smtClean="0"/>
+              <a:rPr lang="en-US"/>
               <a:t>Fifth level</a:t>
             </a:r>
             <a:endParaRPr lang="en-US" dirty="0"/>
@@ -2087,7 +2085,7 @@
           <a:p>
             <a:pPr lvl="0"/>
             <a:r>
-              <a:rPr lang="en-US" smtClean="0"/>
+              <a:rPr lang="en-US"/>
               <a:t>Click to edit Master text styles</a:t>
             </a:r>
           </a:p>
@@ -2115,35 +2113,35 @@
           <a:p>
             <a:pPr lvl="0"/>
             <a:r>
-              <a:rPr lang="en-US" smtClean="0"/>
+              <a:rPr lang="en-US"/>
               <a:t>Click to edit Master text styles</a:t>
             </a:r>
           </a:p>
           <a:p>
             <a:pPr lvl="1"/>
             <a:r>
-              <a:rPr lang="en-US" smtClean="0"/>
+              <a:rPr lang="en-US"/>
               <a:t>Second level</a:t>
             </a:r>
           </a:p>
           <a:p>
             <a:pPr lvl="2"/>
             <a:r>
-              <a:rPr lang="en-US" smtClean="0"/>
+              <a:rPr lang="en-US"/>
               <a:t>Third level</a:t>
             </a:r>
           </a:p>
           <a:p>
             <a:pPr lvl="3"/>
             <a:r>
-              <a:rPr lang="en-US" smtClean="0"/>
+              <a:rPr lang="en-US"/>
               <a:t>Fourth level</a:t>
             </a:r>
           </a:p>
           <a:p>
             <a:pPr lvl="4"/>
             <a:r>
-              <a:rPr lang="en-US" smtClean="0"/>
+              <a:rPr lang="en-US"/>
               <a:t>Fifth level</a:t>
             </a:r>
             <a:endParaRPr lang="en-US" dirty="0"/>
@@ -2167,7 +2165,7 @@
           <a:p>
             <a:fld id="{76FDD46B-B7A0-4B55-A512-D57122A47F5E}" type="datetimeFigureOut">
               <a:rPr lang="en-US" smtClean="0"/>
-              <a:t>4/5/2019</a:t>
+              <a:t>6/12/2021</a:t>
             </a:fld>
             <a:endParaRPr lang="en-US" dirty="0"/>
           </a:p>
@@ -2261,7 +2259,7 @@
           <a:lstStyle/>
           <a:p>
             <a:r>
-              <a:rPr lang="en-US" smtClean="0"/>
+              <a:rPr lang="en-US"/>
               <a:t>Click to edit Master title style</a:t>
             </a:r>
             <a:endParaRPr lang="en-US" dirty="0"/>
@@ -2285,7 +2283,7 @@
           <a:p>
             <a:fld id="{76FDD46B-B7A0-4B55-A512-D57122A47F5E}" type="datetimeFigureOut">
               <a:rPr lang="en-US" smtClean="0"/>
-              <a:t>4/5/2019</a:t>
+              <a:t>6/12/2021</a:t>
             </a:fld>
             <a:endParaRPr lang="en-US" dirty="0"/>
           </a:p>
@@ -2380,7 +2378,7 @@
           <a:p>
             <a:fld id="{76FDD46B-B7A0-4B55-A512-D57122A47F5E}" type="datetimeFigureOut">
               <a:rPr lang="en-US" smtClean="0"/>
-              <a:t>4/5/2019</a:t>
+              <a:t>6/12/2021</a:t>
             </a:fld>
             <a:endParaRPr lang="en-US" dirty="0"/>
           </a:p>
@@ -2483,7 +2481,7 @@
           </a:lstStyle>
           <a:p>
             <a:r>
-              <a:rPr lang="en-US" smtClean="0"/>
+              <a:rPr lang="en-US"/>
               <a:t>Click to edit Master title style</a:t>
             </a:r>
             <a:endParaRPr lang="en-US" dirty="0"/>
@@ -2540,35 +2538,35 @@
           <a:p>
             <a:pPr lvl="0"/>
             <a:r>
-              <a:rPr lang="en-US" smtClean="0"/>
+              <a:rPr lang="en-US"/>
               <a:t>Click to edit Master text styles</a:t>
             </a:r>
           </a:p>
           <a:p>
             <a:pPr lvl="1"/>
             <a:r>
-              <a:rPr lang="en-US" smtClean="0"/>
+              <a:rPr lang="en-US"/>
               <a:t>Second level</a:t>
             </a:r>
           </a:p>
           <a:p>
             <a:pPr lvl="2"/>
             <a:r>
-              <a:rPr lang="en-US" smtClean="0"/>
+              <a:rPr lang="en-US"/>
               <a:t>Third level</a:t>
             </a:r>
           </a:p>
           <a:p>
             <a:pPr lvl="3"/>
             <a:r>
-              <a:rPr lang="en-US" smtClean="0"/>
+              <a:rPr lang="en-US"/>
               <a:t>Fourth level</a:t>
             </a:r>
           </a:p>
           <a:p>
             <a:pPr lvl="4"/>
             <a:r>
-              <a:rPr lang="en-US" smtClean="0"/>
+              <a:rPr lang="en-US"/>
               <a:t>Fifth level</a:t>
             </a:r>
             <a:endParaRPr lang="en-US" dirty="0"/>
@@ -2634,7 +2632,7 @@
           <a:p>
             <a:pPr lvl="0"/>
             <a:r>
-              <a:rPr lang="en-US" smtClean="0"/>
+              <a:rPr lang="en-US"/>
               <a:t>Click to edit Master text styles</a:t>
             </a:r>
           </a:p>
@@ -2657,7 +2655,7 @@
           <a:p>
             <a:fld id="{76FDD46B-B7A0-4B55-A512-D57122A47F5E}" type="datetimeFigureOut">
               <a:rPr lang="en-US" smtClean="0"/>
-              <a:t>4/5/2019</a:t>
+              <a:t>6/12/2021</a:t>
             </a:fld>
             <a:endParaRPr lang="en-US" dirty="0"/>
           </a:p>
@@ -2760,7 +2758,7 @@
           </a:lstStyle>
           <a:p>
             <a:r>
-              <a:rPr lang="en-US" smtClean="0"/>
+              <a:rPr lang="en-US"/>
               <a:t>Click to edit Master title style</a:t>
             </a:r>
             <a:endParaRPr lang="en-US" dirty="0"/>
@@ -2825,10 +2823,9 @@
           </a:lstStyle>
           <a:p>
             <a:r>
-              <a:rPr lang="en-US" dirty="0" smtClean="0"/>
+              <a:rPr lang="en-US" dirty="0"/>
               <a:t>Click icon to add picture</a:t>
             </a:r>
-            <a:endParaRPr lang="en-US" dirty="0"/>
           </a:p>
         </p:txBody>
       </p:sp>
@@ -2891,7 +2888,7 @@
           <a:p>
             <a:pPr lvl="0"/>
             <a:r>
-              <a:rPr lang="en-US" smtClean="0"/>
+              <a:rPr lang="en-US"/>
               <a:t>Click to edit Master text styles</a:t>
             </a:r>
           </a:p>
@@ -2914,7 +2911,7 @@
           <a:p>
             <a:fld id="{76FDD46B-B7A0-4B55-A512-D57122A47F5E}" type="datetimeFigureOut">
               <a:rPr lang="en-US" smtClean="0"/>
-              <a:t>4/5/2019</a:t>
+              <a:t>6/12/2021</a:t>
             </a:fld>
             <a:endParaRPr lang="en-US" dirty="0"/>
           </a:p>
@@ -3023,7 +3020,7 @@
           <a:lstStyle/>
           <a:p>
             <a:r>
-              <a:rPr lang="en-US" smtClean="0"/>
+              <a:rPr lang="en-US"/>
               <a:t>Click to edit Master title style</a:t>
             </a:r>
             <a:endParaRPr lang="en-US" dirty="0"/>
@@ -3057,35 +3054,35 @@
           <a:p>
             <a:pPr lvl="0"/>
             <a:r>
-              <a:rPr lang="en-US" smtClean="0"/>
+              <a:rPr lang="en-US"/>
               <a:t>Click to edit Master text styles</a:t>
             </a:r>
           </a:p>
           <a:p>
             <a:pPr lvl="1"/>
             <a:r>
-              <a:rPr lang="en-US" smtClean="0"/>
+              <a:rPr lang="en-US"/>
               <a:t>Second level</a:t>
             </a:r>
           </a:p>
           <a:p>
             <a:pPr lvl="2"/>
             <a:r>
-              <a:rPr lang="en-US" smtClean="0"/>
+              <a:rPr lang="en-US"/>
               <a:t>Third level</a:t>
             </a:r>
           </a:p>
           <a:p>
             <a:pPr lvl="3"/>
             <a:r>
-              <a:rPr lang="en-US" smtClean="0"/>
+              <a:rPr lang="en-US"/>
               <a:t>Fourth level</a:t>
             </a:r>
           </a:p>
           <a:p>
             <a:pPr lvl="4"/>
             <a:r>
-              <a:rPr lang="en-US" smtClean="0"/>
+              <a:rPr lang="en-US"/>
               <a:t>Fifth level</a:t>
             </a:r>
             <a:endParaRPr lang="en-US" dirty="0"/>
@@ -3127,7 +3124,7 @@
           <a:p>
             <a:fld id="{76FDD46B-B7A0-4B55-A512-D57122A47F5E}" type="datetimeFigureOut">
               <a:rPr lang="en-US" smtClean="0"/>
-              <a:t>4/5/2019</a:t>
+              <a:t>6/12/2021</a:t>
             </a:fld>
             <a:endParaRPr lang="en-US" dirty="0"/>
           </a:p>
@@ -3553,52 +3550,12 @@
           <a:lstStyle/>
           <a:p>
             <a:r>
-              <a:rPr lang="en-US" b="1" spc="225" dirty="0" smtClean="0">
-                <a:latin typeface="Bookman Old Style" panose="02050604050505020204" pitchFamily="18" charset="0"/>
-                <a:ea typeface="Adobe Heiti Std R" panose="020B0400000000000000" pitchFamily="34" charset="-128"/>
-                <a:cs typeface="Times New Roman" panose="02020603050405020304" pitchFamily="18" charset="0"/>
-              </a:rPr>
-              <a:t>Heart Disease </a:t>
-            </a:r>
-            <a:r>
-              <a:rPr lang="en-US" b="1" spc="225" dirty="0" smtClean="0">
-                <a:latin typeface="Bookman Old Style" panose="02050604050505020204" pitchFamily="18" charset="0"/>
-                <a:ea typeface="Adobe Heiti Std R" panose="020B0400000000000000" pitchFamily="34" charset="-128"/>
-                <a:cs typeface="Times New Roman" panose="02020603050405020304" pitchFamily="18" charset="0"/>
-              </a:rPr>
-              <a:t>Diagnosis</a:t>
-            </a:r>
-            <a:r>
-              <a:rPr lang="en-US" b="1" spc="225" dirty="0" smtClean="0">
-                <a:latin typeface="Bookman Old Style" panose="02050604050505020204" pitchFamily="18" charset="0"/>
-                <a:ea typeface="Adobe Heiti Std R" panose="020B0400000000000000" pitchFamily="34" charset="-128"/>
-                <a:cs typeface="Times New Roman" panose="02020603050405020304" pitchFamily="18" charset="0"/>
-              </a:rPr>
-              <a:t> </a:t>
-            </a:r>
-            <a:r>
-              <a:rPr lang="en-US" b="1" spc="225" dirty="0" smtClean="0">
-                <a:latin typeface="Bookman Old Style" panose="02050604050505020204" pitchFamily="18" charset="0"/>
-                <a:ea typeface="Adobe Heiti Std R" panose="020B0400000000000000" pitchFamily="34" charset="-128"/>
-                <a:cs typeface="Times New Roman" panose="02020603050405020304" pitchFamily="18" charset="0"/>
-              </a:rPr>
-              <a:t>System </a:t>
-            </a:r>
-            <a:r>
               <a:rPr lang="en-US" b="1" spc="225" dirty="0">
                 <a:latin typeface="Bookman Old Style" panose="02050604050505020204" pitchFamily="18" charset="0"/>
                 <a:ea typeface="Adobe Heiti Std R" panose="020B0400000000000000" pitchFamily="34" charset="-128"/>
                 <a:cs typeface="Times New Roman" panose="02020603050405020304" pitchFamily="18" charset="0"/>
               </a:rPr>
-              <a:t>using </a:t>
-            </a:r>
-            <a:r>
-              <a:rPr lang="en-US" b="1" spc="225" dirty="0" smtClean="0">
-                <a:latin typeface="Bookman Old Style" panose="02050604050505020204" pitchFamily="18" charset="0"/>
-                <a:ea typeface="Adobe Heiti Std R" panose="020B0400000000000000" pitchFamily="34" charset="-128"/>
-                <a:cs typeface="Times New Roman" panose="02020603050405020304" pitchFamily="18" charset="0"/>
-              </a:rPr>
-              <a:t>Random Forest.</a:t>
+              <a:t>Heart Disease Diagnosis System using Random Forest.</a:t>
             </a:r>
             <a:endParaRPr lang="en-US" b="1" spc="225" dirty="0">
               <a:latin typeface="Bookman Old Style" panose="02050604050505020204" pitchFamily="18" charset="0"/>
@@ -3630,7 +3587,7 @@
           <a:lstStyle/>
           <a:p>
             <a:pPr algn="ctr"/>
-            <a:endParaRPr lang="en-US" dirty="0" smtClean="0">
+            <a:endParaRPr lang="en-US" dirty="0">
               <a:latin typeface="Times New Roman" panose="02020603050405020304" pitchFamily="18" charset="0"/>
               <a:cs typeface="Times New Roman" panose="02020603050405020304" pitchFamily="18" charset="0"/>
             </a:endParaRPr>
@@ -3652,11 +3609,25 @@
               <a:t>Dated : </a:t>
             </a:r>
             <a:r>
-              <a:rPr lang="en-US" dirty="0" smtClean="0">
-                <a:latin typeface="Times New Roman" panose="02020603050405020304" pitchFamily="18" charset="0"/>
-                <a:cs typeface="Times New Roman" panose="02020603050405020304" pitchFamily="18" charset="0"/>
-              </a:rPr>
-              <a:t>27th Mar, 2019</a:t>
+              <a:rPr lang="en-US">
+                <a:latin typeface="Times New Roman" panose="02020603050405020304" pitchFamily="18" charset="0"/>
+                <a:cs typeface="Times New Roman" panose="02020603050405020304" pitchFamily="18" charset="0"/>
+              </a:rPr>
+              <a:t>10</a:t>
+            </a:r>
+            <a:r>
+              <a:rPr lang="en-US" baseline="30000">
+                <a:latin typeface="Times New Roman" panose="02020603050405020304" pitchFamily="18" charset="0"/>
+                <a:cs typeface="Times New Roman" panose="02020603050405020304" pitchFamily="18" charset="0"/>
+              </a:rPr>
+              <a:t>th</a:t>
+            </a:r>
+            <a:r>
+              <a:rPr lang="en-US">
+                <a:latin typeface="Times New Roman" panose="02020603050405020304" pitchFamily="18" charset="0"/>
+                <a:cs typeface="Times New Roman" panose="02020603050405020304" pitchFamily="18" charset="0"/>
+              </a:rPr>
+              <a:t> June 2021</a:t>
             </a:r>
             <a:endParaRPr lang="en-US" dirty="0">
               <a:latin typeface="Times New Roman" panose="02020603050405020304" pitchFamily="18" charset="0"/>
@@ -3680,8 +3651,8 @@
         </p:nvSpPr>
         <p:spPr>
           <a:xfrm>
-            <a:off x="3047290" y="2276874"/>
-            <a:ext cx="3262496" cy="923330"/>
+            <a:off x="4137364" y="2276874"/>
+            <a:ext cx="1082349" cy="646331"/>
           </a:xfrm>
           <a:prstGeom prst="rect">
             <a:avLst/>
@@ -3696,7 +3667,7 @@
           <a:p>
             <a:pPr algn="ctr"/>
             <a:r>
-              <a:rPr lang="en-IN" dirty="0" smtClean="0">
+              <a:rPr lang="en-IN" dirty="0">
                 <a:latin typeface="Times New Roman" panose="02020603050405020304" pitchFamily="18" charset="0"/>
                 <a:cs typeface="Times New Roman" panose="02020603050405020304" pitchFamily="18" charset="0"/>
               </a:rPr>
@@ -3706,37 +3677,13 @@
           <a:p>
             <a:pPr algn="ctr"/>
             <a:r>
-              <a:rPr lang="en-US" b="1" dirty="0" smtClean="0">
-                <a:latin typeface="Times New Roman" panose="02020603050405020304" pitchFamily="18" charset="0"/>
-                <a:cs typeface="Times New Roman" panose="02020603050405020304" pitchFamily="18" charset="0"/>
-              </a:rPr>
-              <a:t>Mohammed Saaduddin Ahmed</a:t>
-            </a:r>
-          </a:p>
-          <a:p>
-            <a:pPr algn="ctr"/>
-            <a:r>
-              <a:rPr lang="en-US" dirty="0" smtClean="0">
-                <a:latin typeface="Times New Roman" panose="02020603050405020304" pitchFamily="18" charset="0"/>
-                <a:cs typeface="Times New Roman" panose="02020603050405020304" pitchFamily="18" charset="0"/>
-              </a:rPr>
-              <a:t>(</a:t>
-            </a:r>
-            <a:r>
-              <a:rPr lang="en-US" dirty="0" smtClean="0">
-                <a:latin typeface="Times New Roman" panose="02020603050405020304" pitchFamily="18" charset="0"/>
-                <a:cs typeface="Times New Roman" panose="02020603050405020304" pitchFamily="18" charset="0"/>
-              </a:rPr>
-              <a:t>mohammedsaadua@gmail.com</a:t>
-            </a:r>
-            <a:r>
-              <a:rPr lang="en-US" dirty="0" smtClean="0">
-                <a:latin typeface="Times New Roman" panose="02020603050405020304" pitchFamily="18" charset="0"/>
-                <a:cs typeface="Times New Roman" panose="02020603050405020304" pitchFamily="18" charset="0"/>
-              </a:rPr>
-              <a:t>)</a:t>
-            </a:r>
-            <a:endParaRPr lang="en-IN" dirty="0" smtClean="0">
+              <a:rPr lang="en-US" b="1" dirty="0">
+                <a:latin typeface="Times New Roman" panose="02020603050405020304" pitchFamily="18" charset="0"/>
+                <a:cs typeface="Times New Roman" panose="02020603050405020304" pitchFamily="18" charset="0"/>
+              </a:rPr>
+              <a:t>SACHIN</a:t>
+            </a:r>
+            <a:endParaRPr lang="en-IN" dirty="0">
               <a:latin typeface="Times New Roman" panose="02020603050405020304" pitchFamily="18" charset="0"/>
               <a:cs typeface="Times New Roman" panose="02020603050405020304" pitchFamily="18" charset="0"/>
             </a:endParaRPr>
@@ -3783,13 +3730,6 @@
   <p:clrMapOvr>
     <a:masterClrMapping/>
   </p:clrMapOvr>
-  <p:timing>
-    <p:tnLst>
-      <p:par>
-        <p:cTn id="1" dur="indefinite" restart="never" nodeType="tmRoot"/>
-      </p:par>
-    </p:tnLst>
-  </p:timing>
 </p:sld>
 </file>
 
@@ -3890,16 +3830,12 @@
           <a:lstStyle/>
           <a:p>
             <a:r>
-              <a:rPr lang="en-IN" sz="2400" b="1" dirty="0" smtClean="0">
+              <a:rPr lang="en-IN" sz="2400" b="1" dirty="0">
                 <a:latin typeface="Times New Roman" panose="02020603050405020304" pitchFamily="18" charset="0"/>
                 <a:cs typeface="Times New Roman" panose="02020603050405020304" pitchFamily="18" charset="0"/>
               </a:rPr>
               <a:t>VALIDATION TECHNIQUE :</a:t>
             </a:r>
-            <a:endParaRPr lang="en-IN" sz="2400" b="1" dirty="0">
-              <a:latin typeface="Times New Roman" panose="02020603050405020304" pitchFamily="18" charset="0"/>
-              <a:cs typeface="Times New Roman" panose="02020603050405020304" pitchFamily="18" charset="0"/>
-            </a:endParaRPr>
           </a:p>
         </p:txBody>
       </p:sp>
@@ -3913,13 +3849,6 @@
   <p:clrMapOvr>
     <a:masterClrMapping/>
   </p:clrMapOvr>
-  <p:timing>
-    <p:tnLst>
-      <p:par>
-        <p:cTn id="1" dur="indefinite" restart="never" nodeType="tmRoot"/>
-      </p:par>
-    </p:tnLst>
-  </p:timing>
 </p:sld>
 </file>
 
@@ -3964,18 +3893,11 @@
           <a:p>
             <a:pPr algn="ctr"/>
             <a:r>
-              <a:rPr lang="en-IN" sz="2400" b="1" dirty="0" smtClean="0">
-                <a:latin typeface="Times New Roman" panose="02020603050405020304" pitchFamily="18" charset="0"/>
-                <a:cs typeface="Times New Roman" panose="02020603050405020304" pitchFamily="18" charset="0"/>
-              </a:rPr>
-              <a:t>10-FOLD </a:t>
-            </a:r>
-            <a:r>
               <a:rPr lang="en-IN" sz="2400" b="1" dirty="0">
                 <a:latin typeface="Times New Roman" panose="02020603050405020304" pitchFamily="18" charset="0"/>
                 <a:cs typeface="Times New Roman" panose="02020603050405020304" pitchFamily="18" charset="0"/>
               </a:rPr>
-              <a:t>CROSS VALIDATION:</a:t>
+              <a:t>10-FOLD CROSS VALIDATION:</a:t>
             </a:r>
           </a:p>
         </p:txBody>
@@ -4011,145 +3933,71 @@
                 <a:latin typeface="Times New Roman" panose="02020603050405020304" pitchFamily="18" charset="0"/>
                 <a:cs typeface="Times New Roman" panose="02020603050405020304" pitchFamily="18" charset="0"/>
               </a:rPr>
-              <a:t>Data </a:t>
-            </a:r>
-            <a:r>
-              <a:rPr lang="en-IN" sz="1800" dirty="0" smtClean="0">
-                <a:latin typeface="Times New Roman" panose="02020603050405020304" pitchFamily="18" charset="0"/>
-                <a:cs typeface="Times New Roman" panose="02020603050405020304" pitchFamily="18" charset="0"/>
-              </a:rPr>
-              <a:t>points of 303 instances </a:t>
+              <a:t>Data points of 303 instances are randomly assigned to 10 sets (approximately 30 instance in each dataset) </a:t>
+            </a:r>
+            <a:r>
+              <a:rPr lang="en-IN" sz="1800" i="1" dirty="0">
+                <a:latin typeface="Times New Roman" panose="02020603050405020304" pitchFamily="18" charset="0"/>
+                <a:cs typeface="Times New Roman" panose="02020603050405020304" pitchFamily="18" charset="0"/>
+              </a:rPr>
+              <a:t>d</a:t>
+            </a:r>
+            <a:r>
+              <a:rPr lang="en-IN" sz="1800" baseline="-25000" dirty="0">
+                <a:latin typeface="Times New Roman" panose="02020603050405020304" pitchFamily="18" charset="0"/>
+                <a:cs typeface="Times New Roman" panose="02020603050405020304" pitchFamily="18" charset="0"/>
+              </a:rPr>
+              <a:t>0</a:t>
             </a:r>
             <a:r>
               <a:rPr lang="en-IN" sz="1800" dirty="0">
                 <a:latin typeface="Times New Roman" panose="02020603050405020304" pitchFamily="18" charset="0"/>
                 <a:cs typeface="Times New Roman" panose="02020603050405020304" pitchFamily="18" charset="0"/>
               </a:rPr>
-              <a:t>are randomly assigned to </a:t>
-            </a:r>
-            <a:r>
-              <a:rPr lang="en-IN" sz="1800" dirty="0" smtClean="0">
-                <a:latin typeface="Times New Roman" panose="02020603050405020304" pitchFamily="18" charset="0"/>
-                <a:cs typeface="Times New Roman" panose="02020603050405020304" pitchFamily="18" charset="0"/>
-              </a:rPr>
-              <a:t>10 </a:t>
+              <a:t>, </a:t>
+            </a:r>
+            <a:r>
+              <a:rPr lang="en-IN" sz="1800" i="1" dirty="0">
+                <a:latin typeface="Times New Roman" panose="02020603050405020304" pitchFamily="18" charset="0"/>
+                <a:cs typeface="Times New Roman" panose="02020603050405020304" pitchFamily="18" charset="0"/>
+              </a:rPr>
+              <a:t>d</a:t>
+            </a:r>
+            <a:r>
+              <a:rPr lang="en-IN" sz="1800" baseline="-25000" dirty="0">
+                <a:latin typeface="Times New Roman" panose="02020603050405020304" pitchFamily="18" charset="0"/>
+                <a:cs typeface="Times New Roman" panose="02020603050405020304" pitchFamily="18" charset="0"/>
+              </a:rPr>
+              <a:t>1</a:t>
             </a:r>
             <a:r>
               <a:rPr lang="en-IN" sz="1800" dirty="0">
                 <a:latin typeface="Times New Roman" panose="02020603050405020304" pitchFamily="18" charset="0"/>
                 <a:cs typeface="Times New Roman" panose="02020603050405020304" pitchFamily="18" charset="0"/>
               </a:rPr>
-              <a:t>sets </a:t>
-            </a:r>
-            <a:r>
-              <a:rPr lang="en-IN" sz="1800" dirty="0" smtClean="0">
-                <a:latin typeface="Times New Roman" panose="02020603050405020304" pitchFamily="18" charset="0"/>
-                <a:cs typeface="Times New Roman" panose="02020603050405020304" pitchFamily="18" charset="0"/>
-              </a:rPr>
-              <a:t>(approximately 30 instance in each dataset) </a:t>
-            </a:r>
-            <a:r>
-              <a:rPr lang="en-IN" sz="1800" i="1" dirty="0" smtClean="0">
-                <a:latin typeface="Times New Roman" panose="02020603050405020304" pitchFamily="18" charset="0"/>
-                <a:cs typeface="Times New Roman" panose="02020603050405020304" pitchFamily="18" charset="0"/>
-              </a:rPr>
-              <a:t>d</a:t>
-            </a:r>
-            <a:r>
-              <a:rPr lang="en-IN" sz="1800" baseline="-25000" dirty="0" smtClean="0">
-                <a:latin typeface="Times New Roman" panose="02020603050405020304" pitchFamily="18" charset="0"/>
-                <a:cs typeface="Times New Roman" panose="02020603050405020304" pitchFamily="18" charset="0"/>
-              </a:rPr>
-              <a:t>0</a:t>
+              <a:t>,…,</a:t>
+            </a:r>
+            <a:r>
+              <a:rPr lang="en-IN" sz="1800" i="1" dirty="0">
+                <a:latin typeface="Times New Roman" panose="02020603050405020304" pitchFamily="18" charset="0"/>
+                <a:cs typeface="Times New Roman" panose="02020603050405020304" pitchFamily="18" charset="0"/>
+              </a:rPr>
+              <a:t> d</a:t>
+            </a:r>
+            <a:r>
+              <a:rPr lang="en-IN" sz="1800" baseline="-25000" dirty="0">
+                <a:latin typeface="Times New Roman" panose="02020603050405020304" pitchFamily="18" charset="0"/>
+                <a:cs typeface="Times New Roman" panose="02020603050405020304" pitchFamily="18" charset="0"/>
+              </a:rPr>
+              <a:t>9</a:t>
             </a:r>
             <a:r>
               <a:rPr lang="en-IN" sz="1800" dirty="0">
                 <a:latin typeface="Times New Roman" panose="02020603050405020304" pitchFamily="18" charset="0"/>
                 <a:cs typeface="Times New Roman" panose="02020603050405020304" pitchFamily="18" charset="0"/>
               </a:rPr>
-              <a:t>, </a:t>
-            </a:r>
-            <a:r>
-              <a:rPr lang="en-IN" sz="1800" i="1" dirty="0">
-                <a:latin typeface="Times New Roman" panose="02020603050405020304" pitchFamily="18" charset="0"/>
-                <a:cs typeface="Times New Roman" panose="02020603050405020304" pitchFamily="18" charset="0"/>
-              </a:rPr>
-              <a:t>d</a:t>
-            </a:r>
-            <a:r>
-              <a:rPr lang="en-IN" sz="1800" baseline="-25000" dirty="0">
-                <a:latin typeface="Times New Roman" panose="02020603050405020304" pitchFamily="18" charset="0"/>
-                <a:cs typeface="Times New Roman" panose="02020603050405020304" pitchFamily="18" charset="0"/>
-              </a:rPr>
-              <a:t>1</a:t>
-            </a:r>
-            <a:r>
-              <a:rPr lang="en-IN" sz="1800" dirty="0">
-                <a:latin typeface="Times New Roman" panose="02020603050405020304" pitchFamily="18" charset="0"/>
-                <a:cs typeface="Times New Roman" panose="02020603050405020304" pitchFamily="18" charset="0"/>
-              </a:rPr>
-              <a:t>,…,</a:t>
-            </a:r>
-            <a:r>
-              <a:rPr lang="en-IN" sz="1800" i="1" dirty="0">
-                <a:latin typeface="Times New Roman" panose="02020603050405020304" pitchFamily="18" charset="0"/>
-                <a:cs typeface="Times New Roman" panose="02020603050405020304" pitchFamily="18" charset="0"/>
-              </a:rPr>
-              <a:t> </a:t>
-            </a:r>
-            <a:r>
-              <a:rPr lang="en-IN" sz="1800" i="1" dirty="0" smtClean="0">
-                <a:latin typeface="Times New Roman" panose="02020603050405020304" pitchFamily="18" charset="0"/>
-                <a:cs typeface="Times New Roman" panose="02020603050405020304" pitchFamily="18" charset="0"/>
-              </a:rPr>
-              <a:t>d</a:t>
-            </a:r>
-            <a:r>
-              <a:rPr lang="en-IN" sz="1800" baseline="-25000" dirty="0">
-                <a:latin typeface="Times New Roman" panose="02020603050405020304" pitchFamily="18" charset="0"/>
-                <a:cs typeface="Times New Roman" panose="02020603050405020304" pitchFamily="18" charset="0"/>
-              </a:rPr>
-              <a:t>9</a:t>
-            </a:r>
-            <a:r>
-              <a:rPr lang="en-IN" sz="1800" dirty="0" smtClean="0">
-                <a:latin typeface="Times New Roman" panose="02020603050405020304" pitchFamily="18" charset="0"/>
-                <a:cs typeface="Times New Roman" panose="02020603050405020304" pitchFamily="18" charset="0"/>
-              </a:rPr>
-              <a:t> </a:t>
-            </a:r>
-            <a:r>
-              <a:rPr lang="en-IN" sz="1800" dirty="0">
-                <a:latin typeface="Times New Roman" panose="02020603050405020304" pitchFamily="18" charset="0"/>
-                <a:cs typeface="Times New Roman" panose="02020603050405020304" pitchFamily="18" charset="0"/>
-              </a:rPr>
-              <a:t>so that all the </a:t>
-            </a:r>
-            <a:r>
-              <a:rPr lang="en-IN" sz="1800" dirty="0" smtClean="0">
-                <a:latin typeface="Times New Roman" panose="02020603050405020304" pitchFamily="18" charset="0"/>
-                <a:cs typeface="Times New Roman" panose="02020603050405020304" pitchFamily="18" charset="0"/>
-              </a:rPr>
-              <a:t>10 </a:t>
-            </a:r>
-            <a:r>
-              <a:rPr lang="en-IN" sz="1800" dirty="0">
-                <a:latin typeface="Times New Roman" panose="02020603050405020304" pitchFamily="18" charset="0"/>
-                <a:cs typeface="Times New Roman" panose="02020603050405020304" pitchFamily="18" charset="0"/>
-              </a:rPr>
-              <a:t>sets are equal in </a:t>
-            </a:r>
-            <a:r>
-              <a:rPr lang="en-IN" sz="1800" dirty="0" smtClean="0">
-                <a:latin typeface="Times New Roman" panose="02020603050405020304" pitchFamily="18" charset="0"/>
-                <a:cs typeface="Times New Roman" panose="02020603050405020304" pitchFamily="18" charset="0"/>
-              </a:rPr>
-              <a:t>size. </a:t>
-            </a:r>
-            <a:endParaRPr lang="en-IN" sz="1800" dirty="0">
-              <a:latin typeface="Times New Roman" panose="02020603050405020304" pitchFamily="18" charset="0"/>
-              <a:cs typeface="Times New Roman" panose="02020603050405020304" pitchFamily="18" charset="0"/>
-            </a:endParaRPr>
+              <a:t> so that all the 10 sets are equal in size. </a:t>
+            </a:r>
           </a:p>
           <a:p>
             <a:pPr algn="just">
@@ -4206,7 +4054,7 @@
               <a:t>,…, </a:t>
             </a:r>
             <a:r>
-              <a:rPr lang="en-IN" sz="1800" i="1" dirty="0" smtClean="0">
+              <a:rPr lang="en-IN" sz="1800" i="1" dirty="0">
                 <a:latin typeface="Times New Roman" panose="02020603050405020304" pitchFamily="18" charset="0"/>
                 <a:cs typeface="Times New Roman" panose="02020603050405020304" pitchFamily="18" charset="0"/>
               </a:rPr>
@@ -4217,34 +4065,125 @@
                 <a:latin typeface="Times New Roman" panose="02020603050405020304" pitchFamily="18" charset="0"/>
                 <a:cs typeface="Times New Roman" panose="02020603050405020304" pitchFamily="18" charset="0"/>
               </a:rPr>
+              <a:t>8 </a:t>
+            </a:r>
+            <a:r>
+              <a:rPr lang="en-IN" sz="1800" dirty="0">
+                <a:latin typeface="Times New Roman" panose="02020603050405020304" pitchFamily="18" charset="0"/>
+                <a:cs typeface="Times New Roman" panose="02020603050405020304" pitchFamily="18" charset="0"/>
+              </a:rPr>
+              <a:t>and test on</a:t>
+            </a:r>
+            <a:r>
+              <a:rPr lang="en-IN" sz="1800" i="1" dirty="0">
+                <a:latin typeface="Times New Roman" panose="02020603050405020304" pitchFamily="18" charset="0"/>
+                <a:cs typeface="Times New Roman" panose="02020603050405020304" pitchFamily="18" charset="0"/>
+              </a:rPr>
+              <a:t> d</a:t>
+            </a:r>
+            <a:r>
+              <a:rPr lang="en-IN" sz="1800" baseline="-25000" dirty="0">
+                <a:latin typeface="Times New Roman" panose="02020603050405020304" pitchFamily="18" charset="0"/>
+                <a:cs typeface="Times New Roman" panose="02020603050405020304" pitchFamily="18" charset="0"/>
+              </a:rPr>
+              <a:t>9</a:t>
+            </a:r>
+            <a:r>
+              <a:rPr lang="en-IN" sz="1800" dirty="0">
+                <a:latin typeface="Times New Roman" panose="02020603050405020304" pitchFamily="18" charset="0"/>
+                <a:cs typeface="Times New Roman" panose="02020603050405020304" pitchFamily="18" charset="0"/>
+              </a:rPr>
+              <a:t>, train on </a:t>
+            </a:r>
+            <a:r>
+              <a:rPr lang="en-IN" sz="1800" i="1" dirty="0">
+                <a:latin typeface="Times New Roman" panose="02020603050405020304" pitchFamily="18" charset="0"/>
+                <a:cs typeface="Times New Roman" panose="02020603050405020304" pitchFamily="18" charset="0"/>
+              </a:rPr>
+              <a:t> d</a:t>
+            </a:r>
+            <a:r>
+              <a:rPr lang="en-IN" sz="1800" baseline="-25000" dirty="0">
+                <a:latin typeface="Times New Roman" panose="02020603050405020304" pitchFamily="18" charset="0"/>
+                <a:cs typeface="Times New Roman" panose="02020603050405020304" pitchFamily="18" charset="0"/>
+              </a:rPr>
+              <a:t>0</a:t>
+            </a:r>
+            <a:r>
+              <a:rPr lang="en-IN" sz="1800" dirty="0">
+                <a:latin typeface="Times New Roman" panose="02020603050405020304" pitchFamily="18" charset="0"/>
+                <a:cs typeface="Times New Roman" panose="02020603050405020304" pitchFamily="18" charset="0"/>
+              </a:rPr>
+              <a:t>,</a:t>
+            </a:r>
+            <a:r>
+              <a:rPr lang="en-IN" sz="1800" i="1" dirty="0">
+                <a:latin typeface="Times New Roman" panose="02020603050405020304" pitchFamily="18" charset="0"/>
+                <a:cs typeface="Times New Roman" panose="02020603050405020304" pitchFamily="18" charset="0"/>
+              </a:rPr>
+              <a:t> d</a:t>
+            </a:r>
+            <a:r>
+              <a:rPr lang="en-IN" sz="1800" baseline="-25000" dirty="0">
+                <a:latin typeface="Times New Roman" panose="02020603050405020304" pitchFamily="18" charset="0"/>
+                <a:cs typeface="Times New Roman" panose="02020603050405020304" pitchFamily="18" charset="0"/>
+              </a:rPr>
+              <a:t>1</a:t>
+            </a:r>
+            <a:r>
+              <a:rPr lang="en-IN" sz="1800" dirty="0">
+                <a:latin typeface="Times New Roman" panose="02020603050405020304" pitchFamily="18" charset="0"/>
+                <a:cs typeface="Times New Roman" panose="02020603050405020304" pitchFamily="18" charset="0"/>
+              </a:rPr>
+              <a:t>,..., </a:t>
+            </a:r>
+            <a:r>
+              <a:rPr lang="en-IN" sz="1800" i="1" dirty="0">
+                <a:latin typeface="Times New Roman" panose="02020603050405020304" pitchFamily="18" charset="0"/>
+                <a:cs typeface="Times New Roman" panose="02020603050405020304" pitchFamily="18" charset="0"/>
+              </a:rPr>
+              <a:t>d</a:t>
+            </a:r>
+            <a:r>
+              <a:rPr lang="en-IN" sz="1800" baseline="-25000" dirty="0">
+                <a:latin typeface="Times New Roman" panose="02020603050405020304" pitchFamily="18" charset="0"/>
+                <a:cs typeface="Times New Roman" panose="02020603050405020304" pitchFamily="18" charset="0"/>
+              </a:rPr>
+              <a:t>9 </a:t>
+            </a:r>
+            <a:r>
+              <a:rPr lang="en-IN" sz="1800" dirty="0">
+                <a:latin typeface="Times New Roman" panose="02020603050405020304" pitchFamily="18" charset="0"/>
+                <a:cs typeface="Times New Roman" panose="02020603050405020304" pitchFamily="18" charset="0"/>
+              </a:rPr>
+              <a:t>(except </a:t>
+            </a:r>
+            <a:r>
+              <a:rPr lang="en-IN" sz="1800" i="1" dirty="0">
+                <a:latin typeface="Times New Roman" panose="02020603050405020304" pitchFamily="18" charset="0"/>
+                <a:cs typeface="Times New Roman" panose="02020603050405020304" pitchFamily="18" charset="0"/>
+              </a:rPr>
+              <a:t>d</a:t>
+            </a:r>
+            <a:r>
+              <a:rPr lang="en-IN" sz="1800" baseline="-25000" dirty="0">
+                <a:latin typeface="Times New Roman" panose="02020603050405020304" pitchFamily="18" charset="0"/>
+                <a:cs typeface="Times New Roman" panose="02020603050405020304" pitchFamily="18" charset="0"/>
+              </a:rPr>
               <a:t>8</a:t>
             </a:r>
             <a:r>
-              <a:rPr lang="en-IN" sz="1800" baseline="-25000" dirty="0" smtClean="0">
-                <a:latin typeface="Times New Roman" panose="02020603050405020304" pitchFamily="18" charset="0"/>
-                <a:cs typeface="Times New Roman" panose="02020603050405020304" pitchFamily="18" charset="0"/>
-              </a:rPr>
-              <a:t> </a:t>
-            </a:r>
-            <a:r>
               <a:rPr lang="en-IN" sz="1800" dirty="0">
                 <a:latin typeface="Times New Roman" panose="02020603050405020304" pitchFamily="18" charset="0"/>
                 <a:cs typeface="Times New Roman" panose="02020603050405020304" pitchFamily="18" charset="0"/>
               </a:rPr>
-              <a:t>and test on</a:t>
+              <a:t>) and test on </a:t>
             </a:r>
             <a:r>
               <a:rPr lang="en-IN" sz="1800" i="1" dirty="0">
                 <a:latin typeface="Times New Roman" panose="02020603050405020304" pitchFamily="18" charset="0"/>
                 <a:cs typeface="Times New Roman" panose="02020603050405020304" pitchFamily="18" charset="0"/>
               </a:rPr>
-              <a:t> </a:t>
-            </a:r>
-            <a:r>
-              <a:rPr lang="en-IN" sz="1800" i="1" dirty="0" smtClean="0">
-                <a:latin typeface="Times New Roman" panose="02020603050405020304" pitchFamily="18" charset="0"/>
-                <a:cs typeface="Times New Roman" panose="02020603050405020304" pitchFamily="18" charset="0"/>
-              </a:rPr>
               <a:t>d</a:t>
             </a:r>
             <a:r>
@@ -4252,140 +4191,7 @@
                 <a:latin typeface="Times New Roman" panose="02020603050405020304" pitchFamily="18" charset="0"/>
                 <a:cs typeface="Times New Roman" panose="02020603050405020304" pitchFamily="18" charset="0"/>
               </a:rPr>
-              <a:t>9</a:t>
-            </a:r>
-            <a:r>
-              <a:rPr lang="en-IN" sz="1800" dirty="0" smtClean="0">
-                <a:latin typeface="Times New Roman" panose="02020603050405020304" pitchFamily="18" charset="0"/>
-                <a:cs typeface="Times New Roman" panose="02020603050405020304" pitchFamily="18" charset="0"/>
-              </a:rPr>
-              <a:t>, </a:t>
-            </a:r>
-            <a:r>
-              <a:rPr lang="en-IN" sz="1800" dirty="0">
-                <a:latin typeface="Times New Roman" panose="02020603050405020304" pitchFamily="18" charset="0"/>
-                <a:cs typeface="Times New Roman" panose="02020603050405020304" pitchFamily="18" charset="0"/>
-              </a:rPr>
-              <a:t>train on </a:t>
-            </a:r>
-            <a:r>
-              <a:rPr lang="en-IN" sz="1800" i="1" dirty="0">
-                <a:latin typeface="Times New Roman" panose="02020603050405020304" pitchFamily="18" charset="0"/>
-                <a:cs typeface="Times New Roman" panose="02020603050405020304" pitchFamily="18" charset="0"/>
-              </a:rPr>
-              <a:t> d</a:t>
-            </a:r>
-            <a:r>
-              <a:rPr lang="en-IN" sz="1800" baseline="-25000" dirty="0">
-                <a:latin typeface="Times New Roman" panose="02020603050405020304" pitchFamily="18" charset="0"/>
-                <a:cs typeface="Times New Roman" panose="02020603050405020304" pitchFamily="18" charset="0"/>
-              </a:rPr>
-              <a:t>0</a:t>
-            </a:r>
-            <a:r>
-              <a:rPr lang="en-IN" sz="1800" dirty="0">
-                <a:latin typeface="Times New Roman" panose="02020603050405020304" pitchFamily="18" charset="0"/>
-                <a:cs typeface="Times New Roman" panose="02020603050405020304" pitchFamily="18" charset="0"/>
-              </a:rPr>
-              <a:t>,</a:t>
-            </a:r>
-            <a:r>
-              <a:rPr lang="en-IN" sz="1800" i="1" dirty="0">
-                <a:latin typeface="Times New Roman" panose="02020603050405020304" pitchFamily="18" charset="0"/>
-                <a:cs typeface="Times New Roman" panose="02020603050405020304" pitchFamily="18" charset="0"/>
-              </a:rPr>
-              <a:t> d</a:t>
-            </a:r>
-            <a:r>
-              <a:rPr lang="en-IN" sz="1800" baseline="-25000" dirty="0">
-                <a:latin typeface="Times New Roman" panose="02020603050405020304" pitchFamily="18" charset="0"/>
-                <a:cs typeface="Times New Roman" panose="02020603050405020304" pitchFamily="18" charset="0"/>
-              </a:rPr>
-              <a:t>1</a:t>
-            </a:r>
-            <a:r>
-              <a:rPr lang="en-IN" sz="1800" dirty="0">
-                <a:latin typeface="Times New Roman" panose="02020603050405020304" pitchFamily="18" charset="0"/>
-                <a:cs typeface="Times New Roman" panose="02020603050405020304" pitchFamily="18" charset="0"/>
-              </a:rPr>
-              <a:t>,..., </a:t>
-            </a:r>
-            <a:r>
-              <a:rPr lang="en-IN" sz="1800" i="1" dirty="0" smtClean="0">
-                <a:latin typeface="Times New Roman" panose="02020603050405020304" pitchFamily="18" charset="0"/>
-                <a:cs typeface="Times New Roman" panose="02020603050405020304" pitchFamily="18" charset="0"/>
-              </a:rPr>
-              <a:t>d</a:t>
-            </a:r>
-            <a:r>
-              <a:rPr lang="en-IN" sz="1800" baseline="-25000" dirty="0">
-                <a:latin typeface="Times New Roman" panose="02020603050405020304" pitchFamily="18" charset="0"/>
-                <a:cs typeface="Times New Roman" panose="02020603050405020304" pitchFamily="18" charset="0"/>
-              </a:rPr>
-              <a:t>9</a:t>
-            </a:r>
-            <a:r>
-              <a:rPr lang="en-IN" sz="1800" baseline="-25000" dirty="0" smtClean="0">
-                <a:latin typeface="Times New Roman" panose="02020603050405020304" pitchFamily="18" charset="0"/>
-                <a:cs typeface="Times New Roman" panose="02020603050405020304" pitchFamily="18" charset="0"/>
-              </a:rPr>
-              <a:t> </a:t>
-            </a:r>
-            <a:r>
-              <a:rPr lang="en-IN" sz="1800" dirty="0" smtClean="0">
-                <a:latin typeface="Times New Roman" panose="02020603050405020304" pitchFamily="18" charset="0"/>
-                <a:cs typeface="Times New Roman" panose="02020603050405020304" pitchFamily="18" charset="0"/>
-              </a:rPr>
-              <a:t>(except </a:t>
-            </a:r>
-            <a:r>
-              <a:rPr lang="en-IN" sz="1800" i="1" dirty="0" smtClean="0">
-                <a:latin typeface="Times New Roman" panose="02020603050405020304" pitchFamily="18" charset="0"/>
-                <a:cs typeface="Times New Roman" panose="02020603050405020304" pitchFamily="18" charset="0"/>
-              </a:rPr>
-              <a:t>d</a:t>
-            </a:r>
-            <a:r>
-              <a:rPr lang="en-IN" sz="1800" baseline="-25000" dirty="0">
-                <a:latin typeface="Times New Roman" panose="02020603050405020304" pitchFamily="18" charset="0"/>
-                <a:cs typeface="Times New Roman" panose="02020603050405020304" pitchFamily="18" charset="0"/>
-              </a:rPr>
-              <a:t>8</a:t>
-            </a:r>
-            <a:r>
-              <a:rPr lang="en-IN" sz="1800" dirty="0" smtClean="0">
-                <a:latin typeface="Times New Roman" panose="02020603050405020304" pitchFamily="18" charset="0"/>
-                <a:cs typeface="Times New Roman" panose="02020603050405020304" pitchFamily="18" charset="0"/>
-              </a:rPr>
-              <a:t>) </a:t>
-            </a:r>
-            <a:r>
-              <a:rPr lang="en-IN" sz="1800" dirty="0">
-                <a:latin typeface="Times New Roman" panose="02020603050405020304" pitchFamily="18" charset="0"/>
-                <a:cs typeface="Times New Roman" panose="02020603050405020304" pitchFamily="18" charset="0"/>
-              </a:rPr>
-              <a:t>and test on </a:t>
-            </a:r>
-            <a:r>
-              <a:rPr lang="en-IN" sz="1800" i="1" dirty="0" smtClean="0">
-                <a:latin typeface="Times New Roman" panose="02020603050405020304" pitchFamily="18" charset="0"/>
-                <a:cs typeface="Times New Roman" panose="02020603050405020304" pitchFamily="18" charset="0"/>
-              </a:rPr>
-              <a:t>d</a:t>
-            </a:r>
-            <a:r>
-              <a:rPr lang="en-IN" sz="1800" baseline="-25000" dirty="0">
-                <a:latin typeface="Times New Roman" panose="02020603050405020304" pitchFamily="18" charset="0"/>
-                <a:cs typeface="Times New Roman" panose="02020603050405020304" pitchFamily="18" charset="0"/>
-              </a:rPr>
-              <a:t>8</a:t>
-            </a:r>
-            <a:r>
-              <a:rPr lang="en-IN" sz="1800" baseline="-25000" dirty="0" smtClean="0">
-                <a:latin typeface="Times New Roman" panose="02020603050405020304" pitchFamily="18" charset="0"/>
-                <a:cs typeface="Times New Roman" panose="02020603050405020304" pitchFamily="18" charset="0"/>
-              </a:rPr>
-              <a:t> </a:t>
+              <a:t>8 </a:t>
             </a:r>
             <a:r>
               <a:rPr lang="en-IN" sz="1800" dirty="0">
@@ -4463,16 +4269,12 @@
                     <a:p>
                       <a:pPr algn="ctr"/>
                       <a:r>
-                        <a:rPr lang="en-IN" sz="1800" b="1" dirty="0" smtClean="0">
+                        <a:rPr lang="en-IN" sz="1800" b="1" dirty="0">
                           <a:latin typeface="Times New Roman" panose="02020603050405020304" pitchFamily="18" charset="0"/>
                           <a:cs typeface="Times New Roman" panose="02020603050405020304" pitchFamily="18" charset="0"/>
                         </a:rPr>
                         <a:t>Iteration No.</a:t>
                       </a:r>
-                      <a:endParaRPr lang="en-IN" sz="1800" b="1" dirty="0">
-                        <a:latin typeface="Times New Roman" panose="02020603050405020304" pitchFamily="18" charset="0"/>
-                        <a:cs typeface="Times New Roman" panose="02020603050405020304" pitchFamily="18" charset="0"/>
-                      </a:endParaRPr>
                     </a:p>
                   </a:txBody>
                   <a:tcPr/>
@@ -4484,16 +4286,12 @@
                     <a:p>
                       <a:pPr algn="ctr"/>
                       <a:r>
-                        <a:rPr lang="en-IN" sz="1800" b="1" dirty="0" smtClean="0">
+                        <a:rPr lang="en-IN" sz="1800" b="1" dirty="0">
                           <a:latin typeface="Times New Roman" panose="02020603050405020304" pitchFamily="18" charset="0"/>
                           <a:cs typeface="Times New Roman" panose="02020603050405020304" pitchFamily="18" charset="0"/>
                         </a:rPr>
                         <a:t>Training Set</a:t>
                       </a:r>
-                      <a:endParaRPr lang="en-IN" sz="1800" b="1" dirty="0">
-                        <a:latin typeface="Times New Roman" panose="02020603050405020304" pitchFamily="18" charset="0"/>
-                        <a:cs typeface="Times New Roman" panose="02020603050405020304" pitchFamily="18" charset="0"/>
-                      </a:endParaRPr>
                     </a:p>
                   </a:txBody>
                   <a:tcPr/>
@@ -4505,14 +4303,14 @@
                     <a:p>
                       <a:pPr algn="ctr"/>
                       <a:r>
-                        <a:rPr lang="en-IN" sz="1800" b="1" dirty="0" smtClean="0">
+                        <a:rPr lang="en-IN" sz="1800" b="1" dirty="0">
                           <a:latin typeface="Times New Roman" panose="02020603050405020304" pitchFamily="18" charset="0"/>
                           <a:cs typeface="Times New Roman" panose="02020603050405020304" pitchFamily="18" charset="0"/>
                         </a:rPr>
                         <a:t>Testing</a:t>
                       </a:r>
                       <a:r>
-                        <a:rPr lang="en-IN" sz="1800" b="1" baseline="0" dirty="0" smtClean="0">
+                        <a:rPr lang="en-IN" sz="1800" b="1" baseline="0" dirty="0">
                           <a:latin typeface="Times New Roman" panose="02020603050405020304" pitchFamily="18" charset="0"/>
                           <a:cs typeface="Times New Roman" panose="02020603050405020304" pitchFamily="18" charset="0"/>
                         </a:rPr>
@@ -4556,7 +4354,7 @@
                         <a:defRPr/>
                       </a:pPr>
                       <a:r>
-                        <a:rPr lang="en-IN" sz="1800" baseline="0" dirty="0" smtClean="0"/>
+                        <a:rPr lang="en-IN" sz="1800" baseline="0" dirty="0"/>
                         <a:t>1.</a:t>
                       </a:r>
                     </a:p>
@@ -4586,75 +4384,75 @@
                         <a:defRPr/>
                       </a:pPr>
                       <a:r>
-                        <a:rPr lang="en-IN" i="0" dirty="0" smtClean="0"/>
+                        <a:rPr lang="en-IN" i="0" dirty="0"/>
                         <a:t>d</a:t>
                       </a:r>
                       <a:r>
-                        <a:rPr lang="en-IN" i="0" baseline="-25000" dirty="0" smtClean="0"/>
+                        <a:rPr lang="en-IN" i="0" baseline="-25000" dirty="0"/>
                         <a:t>1</a:t>
                       </a:r>
                       <a:r>
-                        <a:rPr lang="en-IN" i="0" dirty="0" smtClean="0"/>
+                        <a:rPr lang="en-IN" i="0" dirty="0"/>
                         <a:t>,d</a:t>
                       </a:r>
                       <a:r>
-                        <a:rPr lang="en-IN" i="0" baseline="-25000" dirty="0" smtClean="0"/>
+                        <a:rPr lang="en-IN" i="0" baseline="-25000" dirty="0"/>
                         <a:t>2</a:t>
                       </a:r>
                       <a:r>
-                        <a:rPr lang="en-IN" i="0" dirty="0" smtClean="0"/>
+                        <a:rPr lang="en-IN" i="0" dirty="0"/>
                         <a:t>,d</a:t>
                       </a:r>
                       <a:r>
-                        <a:rPr lang="en-IN" i="0" baseline="-25000" dirty="0" smtClean="0"/>
+                        <a:rPr lang="en-IN" i="0" baseline="-25000" dirty="0"/>
                         <a:t>3</a:t>
                       </a:r>
                       <a:r>
-                        <a:rPr lang="en-IN" i="0" dirty="0" smtClean="0"/>
+                        <a:rPr lang="en-IN" i="0" dirty="0"/>
                         <a:t>,d</a:t>
                       </a:r>
                       <a:r>
-                        <a:rPr lang="en-IN" i="0" baseline="-25000" dirty="0" smtClean="0"/>
+                        <a:rPr lang="en-IN" i="0" baseline="-25000" dirty="0"/>
                         <a:t>4</a:t>
                       </a:r>
                       <a:r>
-                        <a:rPr lang="en-IN" i="0" dirty="0" smtClean="0"/>
+                        <a:rPr lang="en-IN" i="0" dirty="0"/>
                         <a:t>,d</a:t>
                       </a:r>
                       <a:r>
-                        <a:rPr lang="en-IN" i="0" baseline="-25000" dirty="0" smtClean="0"/>
+                        <a:rPr lang="en-IN" i="0" baseline="-25000" dirty="0"/>
                         <a:t>5</a:t>
                       </a:r>
                       <a:r>
-                        <a:rPr lang="en-IN" i="0" dirty="0" smtClean="0"/>
+                        <a:rPr lang="en-IN" i="0" dirty="0"/>
                         <a:t>,d</a:t>
                       </a:r>
                       <a:r>
-                        <a:rPr lang="en-IN" i="0" baseline="-25000" dirty="0" smtClean="0"/>
+                        <a:rPr lang="en-IN" i="0" baseline="-25000" dirty="0"/>
                         <a:t>6</a:t>
                       </a:r>
                       <a:r>
-                        <a:rPr lang="en-IN" i="0" dirty="0" smtClean="0"/>
+                        <a:rPr lang="en-IN" i="0" dirty="0"/>
                         <a:t>,d</a:t>
                       </a:r>
                       <a:r>
-                        <a:rPr lang="en-IN" i="0" baseline="-25000" dirty="0" smtClean="0"/>
+                        <a:rPr lang="en-IN" i="0" baseline="-25000" dirty="0"/>
                         <a:t>7</a:t>
                       </a:r>
                       <a:r>
-                        <a:rPr lang="en-IN" i="0" dirty="0" smtClean="0"/>
+                        <a:rPr lang="en-IN" i="0" dirty="0"/>
                         <a:t>,d</a:t>
                       </a:r>
                       <a:r>
-                        <a:rPr lang="en-IN" i="0" baseline="-25000" dirty="0" smtClean="0"/>
+                        <a:rPr lang="en-IN" i="0" baseline="-25000" dirty="0"/>
                         <a:t>8</a:t>
                       </a:r>
                       <a:r>
-                        <a:rPr lang="en-IN" i="0" dirty="0" smtClean="0"/>
+                        <a:rPr lang="en-IN" i="0" dirty="0"/>
                         <a:t>,d</a:t>
                       </a:r>
                       <a:r>
-                        <a:rPr lang="en-IN" i="0" baseline="-25000" dirty="0" smtClean="0"/>
+                        <a:rPr lang="en-IN" i="0" baseline="-25000" dirty="0"/>
                         <a:t>9</a:t>
                       </a:r>
                     </a:p>
@@ -4668,14 +4466,13 @@
                     <a:p>
                       <a:pPr algn="ctr"/>
                       <a:r>
-                        <a:rPr lang="en-IN" i="0" dirty="0" smtClean="0"/>
+                        <a:rPr lang="en-IN" i="0" dirty="0"/>
                         <a:t>d</a:t>
                       </a:r>
                       <a:r>
-                        <a:rPr lang="en-IN" i="0" baseline="-25000" dirty="0" smtClean="0"/>
+                        <a:rPr lang="en-IN" i="0" baseline="-25000" dirty="0"/>
                         <a:t>0</a:t>
                       </a:r>
-                      <a:endParaRPr lang="en-IN" i="0" baseline="-25000" dirty="0"/>
                     </a:p>
                   </a:txBody>
                   <a:tcPr/>
@@ -4710,7 +4507,7 @@
                         <a:defRPr/>
                       </a:pPr>
                       <a:r>
-                        <a:rPr lang="en-IN" baseline="0" dirty="0" smtClean="0"/>
+                        <a:rPr lang="en-IN" baseline="0" dirty="0"/>
                         <a:t>2.</a:t>
                       </a:r>
                     </a:p>
@@ -4740,75 +4537,75 @@
                         <a:defRPr/>
                       </a:pPr>
                       <a:r>
-                        <a:rPr lang="en-IN" i="0" dirty="0" smtClean="0"/>
+                        <a:rPr lang="en-IN" i="0" dirty="0"/>
                         <a:t>d</a:t>
                       </a:r>
                       <a:r>
-                        <a:rPr lang="en-IN" i="0" baseline="-25000" dirty="0" smtClean="0"/>
+                        <a:rPr lang="en-IN" i="0" baseline="-25000" dirty="0"/>
                         <a:t>0</a:t>
                       </a:r>
                       <a:r>
-                        <a:rPr lang="en-IN" i="0" dirty="0" smtClean="0"/>
+                        <a:rPr lang="en-IN" i="0" dirty="0"/>
                         <a:t>,d</a:t>
                       </a:r>
                       <a:r>
-                        <a:rPr lang="en-IN" i="0" baseline="-25000" dirty="0" smtClean="0"/>
+                        <a:rPr lang="en-IN" i="0" baseline="-25000" dirty="0"/>
                         <a:t>2</a:t>
                       </a:r>
                       <a:r>
-                        <a:rPr lang="en-IN" i="0" dirty="0" smtClean="0"/>
+                        <a:rPr lang="en-IN" i="0" dirty="0"/>
                         <a:t>,d</a:t>
                       </a:r>
                       <a:r>
-                        <a:rPr lang="en-IN" i="0" baseline="-25000" dirty="0" smtClean="0"/>
+                        <a:rPr lang="en-IN" i="0" baseline="-25000" dirty="0"/>
                         <a:t>3</a:t>
                       </a:r>
                       <a:r>
-                        <a:rPr lang="en-IN" i="0" dirty="0" smtClean="0"/>
+                        <a:rPr lang="en-IN" i="0" dirty="0"/>
                         <a:t>,d</a:t>
                       </a:r>
                       <a:r>
-                        <a:rPr lang="en-IN" i="0" baseline="-25000" dirty="0" smtClean="0"/>
+                        <a:rPr lang="en-IN" i="0" baseline="-25000" dirty="0"/>
                         <a:t>4</a:t>
                       </a:r>
                       <a:r>
-                        <a:rPr lang="en-IN" i="0" dirty="0" smtClean="0"/>
+                        <a:rPr lang="en-IN" i="0" dirty="0"/>
                         <a:t>,d</a:t>
                       </a:r>
                       <a:r>
-                        <a:rPr lang="en-IN" i="0" baseline="-25000" dirty="0" smtClean="0"/>
+                        <a:rPr lang="en-IN" i="0" baseline="-25000" dirty="0"/>
                         <a:t>5</a:t>
                       </a:r>
                       <a:r>
-                        <a:rPr lang="en-IN" i="0" dirty="0" smtClean="0"/>
+                        <a:rPr lang="en-IN" i="0" dirty="0"/>
                         <a:t>,d</a:t>
                       </a:r>
                       <a:r>
-                        <a:rPr lang="en-IN" i="0" baseline="-25000" dirty="0" smtClean="0"/>
+                        <a:rPr lang="en-IN" i="0" baseline="-25000" dirty="0"/>
                         <a:t>6</a:t>
                       </a:r>
                       <a:r>
-                        <a:rPr lang="en-IN" i="0" dirty="0" smtClean="0"/>
+                        <a:rPr lang="en-IN" i="0" dirty="0"/>
                         <a:t>,d</a:t>
                       </a:r>
                       <a:r>
-                        <a:rPr lang="en-IN" i="0" baseline="-25000" dirty="0" smtClean="0"/>
+                        <a:rPr lang="en-IN" i="0" baseline="-25000" dirty="0"/>
                         <a:t>7</a:t>
                       </a:r>
                       <a:r>
-                        <a:rPr lang="en-IN" i="0" dirty="0" smtClean="0"/>
+                        <a:rPr lang="en-IN" i="0" dirty="0"/>
                         <a:t>,d</a:t>
                       </a:r>
                       <a:r>
-                        <a:rPr lang="en-IN" i="0" baseline="-25000" dirty="0" smtClean="0"/>
+                        <a:rPr lang="en-IN" i="0" baseline="-25000" dirty="0"/>
                         <a:t>8</a:t>
                       </a:r>
                       <a:r>
-                        <a:rPr lang="en-IN" i="0" dirty="0" smtClean="0"/>
+                        <a:rPr lang="en-IN" i="0" dirty="0"/>
                         <a:t>,d</a:t>
                       </a:r>
                       <a:r>
-                        <a:rPr lang="en-IN" i="0" baseline="-25000" dirty="0" smtClean="0"/>
+                        <a:rPr lang="en-IN" i="0" baseline="-25000" dirty="0"/>
                         <a:t>9</a:t>
                       </a:r>
                     </a:p>
@@ -4822,14 +4619,13 @@
                     <a:p>
                       <a:pPr algn="ctr"/>
                       <a:r>
-                        <a:rPr lang="en-IN" i="0" dirty="0" smtClean="0"/>
+                        <a:rPr lang="en-IN" i="0" dirty="0"/>
                         <a:t>d</a:t>
                       </a:r>
                       <a:r>
-                        <a:rPr lang="en-IN" i="0" baseline="-25000" dirty="0" smtClean="0"/>
+                        <a:rPr lang="en-IN" i="0" baseline="-25000" dirty="0"/>
                         <a:t>1</a:t>
                       </a:r>
-                      <a:endParaRPr lang="en-IN" i="0" baseline="-25000" dirty="0"/>
                     </a:p>
                   </a:txBody>
                   <a:tcPr/>
@@ -4864,7 +4660,7 @@
                         <a:defRPr/>
                       </a:pPr>
                       <a:r>
-                        <a:rPr lang="en-IN" baseline="0" dirty="0" smtClean="0"/>
+                        <a:rPr lang="en-IN" baseline="0" dirty="0"/>
                         <a:t>3.</a:t>
                       </a:r>
                     </a:p>
@@ -4894,75 +4690,75 @@
                         <a:defRPr/>
                       </a:pPr>
                       <a:r>
-                        <a:rPr lang="en-IN" i="0" dirty="0" smtClean="0"/>
+                        <a:rPr lang="en-IN" i="0" dirty="0"/>
                         <a:t>d</a:t>
                       </a:r>
                       <a:r>
-                        <a:rPr lang="en-IN" i="0" baseline="-25000" dirty="0" smtClean="0"/>
+                        <a:rPr lang="en-IN" i="0" baseline="-25000" dirty="0"/>
                         <a:t>0</a:t>
                       </a:r>
                       <a:r>
-                        <a:rPr lang="en-IN" i="0" dirty="0" smtClean="0"/>
+                        <a:rPr lang="en-IN" i="0" dirty="0"/>
                         <a:t>,d</a:t>
                       </a:r>
                       <a:r>
-                        <a:rPr lang="en-IN" i="0" baseline="-25000" dirty="0" smtClean="0"/>
+                        <a:rPr lang="en-IN" i="0" baseline="-25000" dirty="0"/>
                         <a:t>1</a:t>
                       </a:r>
                       <a:r>
-                        <a:rPr lang="en-IN" i="0" dirty="0" smtClean="0"/>
+                        <a:rPr lang="en-IN" i="0" dirty="0"/>
                         <a:t>,d</a:t>
                       </a:r>
                       <a:r>
-                        <a:rPr lang="en-IN" i="0" baseline="-25000" dirty="0" smtClean="0"/>
+                        <a:rPr lang="en-IN" i="0" baseline="-25000" dirty="0"/>
                         <a:t>3</a:t>
                       </a:r>
                       <a:r>
-                        <a:rPr lang="en-IN" i="0" dirty="0" smtClean="0"/>
+                        <a:rPr lang="en-IN" i="0" dirty="0"/>
                         <a:t>,d</a:t>
                       </a:r>
                       <a:r>
-                        <a:rPr lang="en-IN" i="0" baseline="-25000" dirty="0" smtClean="0"/>
+                        <a:rPr lang="en-IN" i="0" baseline="-25000" dirty="0"/>
                         <a:t>4</a:t>
                       </a:r>
                       <a:r>
-                        <a:rPr lang="en-IN" i="0" dirty="0" smtClean="0"/>
+                        <a:rPr lang="en-IN" i="0" dirty="0"/>
                         <a:t>,d</a:t>
                       </a:r>
                       <a:r>
-                        <a:rPr lang="en-IN" i="0" baseline="-25000" dirty="0" smtClean="0"/>
+                        <a:rPr lang="en-IN" i="0" baseline="-25000" dirty="0"/>
                         <a:t>5</a:t>
                       </a:r>
                       <a:r>
-                        <a:rPr lang="en-IN" i="0" dirty="0" smtClean="0"/>
+                        <a:rPr lang="en-IN" i="0" dirty="0"/>
                         <a:t>,d</a:t>
                       </a:r>
                       <a:r>
-                        <a:rPr lang="en-IN" i="0" baseline="-25000" dirty="0" smtClean="0"/>
+                        <a:rPr lang="en-IN" i="0" baseline="-25000" dirty="0"/>
                         <a:t>6</a:t>
                       </a:r>
                       <a:r>
-                        <a:rPr lang="en-IN" i="0" dirty="0" smtClean="0"/>
+                        <a:rPr lang="en-IN" i="0" dirty="0"/>
                         <a:t>,d</a:t>
                       </a:r>
                       <a:r>
-                        <a:rPr lang="en-IN" i="0" baseline="-25000" dirty="0" smtClean="0"/>
+                        <a:rPr lang="en-IN" i="0" baseline="-25000" dirty="0"/>
                         <a:t>7</a:t>
                       </a:r>
                       <a:r>
-                        <a:rPr lang="en-IN" i="0" dirty="0" smtClean="0"/>
+                        <a:rPr lang="en-IN" i="0" dirty="0"/>
                         <a:t>,d</a:t>
                       </a:r>
                       <a:r>
-                        <a:rPr lang="en-IN" i="0" baseline="-25000" dirty="0" smtClean="0"/>
+                        <a:rPr lang="en-IN" i="0" baseline="-25000" dirty="0"/>
                         <a:t>8</a:t>
                       </a:r>
                       <a:r>
-                        <a:rPr lang="en-IN" i="0" dirty="0" smtClean="0"/>
+                        <a:rPr lang="en-IN" i="0" dirty="0"/>
                         <a:t>,d</a:t>
                       </a:r>
                       <a:r>
-                        <a:rPr lang="en-IN" i="0" baseline="-25000" dirty="0" smtClean="0"/>
+                        <a:rPr lang="en-IN" i="0" baseline="-25000" dirty="0"/>
                         <a:t>9</a:t>
                       </a:r>
                     </a:p>
@@ -4976,14 +4772,13 @@
                     <a:p>
                       <a:pPr algn="ctr"/>
                       <a:r>
-                        <a:rPr lang="en-IN" i="0" dirty="0" smtClean="0"/>
+                        <a:rPr lang="en-IN" i="0" dirty="0"/>
                         <a:t>d</a:t>
                       </a:r>
                       <a:r>
-                        <a:rPr lang="en-IN" i="0" baseline="-25000" dirty="0" smtClean="0"/>
+                        <a:rPr lang="en-IN" i="0" baseline="-25000" dirty="0"/>
                         <a:t>2</a:t>
                       </a:r>
-                      <a:endParaRPr lang="en-IN" i="0" baseline="-25000" dirty="0"/>
                     </a:p>
                   </a:txBody>
                   <a:tcPr/>
@@ -5018,7 +4813,7 @@
                         <a:defRPr/>
                       </a:pPr>
                       <a:r>
-                        <a:rPr lang="en-IN" baseline="0" dirty="0" smtClean="0"/>
+                        <a:rPr lang="en-IN" baseline="0" dirty="0"/>
                         <a:t>4.</a:t>
                       </a:r>
                     </a:p>
@@ -5048,75 +4843,75 @@
                         <a:defRPr/>
                       </a:pPr>
                       <a:r>
-                        <a:rPr lang="en-IN" i="0" dirty="0" smtClean="0"/>
+                        <a:rPr lang="en-IN" i="0" dirty="0"/>
                         <a:t>d</a:t>
                       </a:r>
                       <a:r>
-                        <a:rPr lang="en-IN" i="0" baseline="-25000" dirty="0" smtClean="0"/>
+                        <a:rPr lang="en-IN" i="0" baseline="-25000" dirty="0"/>
                         <a:t>0</a:t>
                       </a:r>
                       <a:r>
-                        <a:rPr lang="en-IN" i="0" dirty="0" smtClean="0"/>
+                        <a:rPr lang="en-IN" i="0" dirty="0"/>
                         <a:t>,d</a:t>
                       </a:r>
                       <a:r>
-                        <a:rPr lang="en-IN" i="0" baseline="-25000" dirty="0" smtClean="0"/>
+                        <a:rPr lang="en-IN" i="0" baseline="-25000" dirty="0"/>
                         <a:t>1</a:t>
                       </a:r>
                       <a:r>
-                        <a:rPr lang="en-IN" i="0" dirty="0" smtClean="0"/>
+                        <a:rPr lang="en-IN" i="0" dirty="0"/>
                         <a:t>,d</a:t>
                       </a:r>
                       <a:r>
-                        <a:rPr lang="en-IN" i="0" baseline="-25000" dirty="0" smtClean="0"/>
+                        <a:rPr lang="en-IN" i="0" baseline="-25000" dirty="0"/>
                         <a:t>2</a:t>
                       </a:r>
                       <a:r>
-                        <a:rPr lang="en-IN" i="0" dirty="0" smtClean="0"/>
+                        <a:rPr lang="en-IN" i="0" dirty="0"/>
                         <a:t>,d</a:t>
                       </a:r>
                       <a:r>
-                        <a:rPr lang="en-IN" i="0" baseline="-25000" dirty="0" smtClean="0"/>
+                        <a:rPr lang="en-IN" i="0" baseline="-25000" dirty="0"/>
                         <a:t>4</a:t>
                       </a:r>
                       <a:r>
-                        <a:rPr lang="en-IN" i="0" dirty="0" smtClean="0"/>
+                        <a:rPr lang="en-IN" i="0" dirty="0"/>
                         <a:t>,d</a:t>
                       </a:r>
                       <a:r>
-                        <a:rPr lang="en-IN" i="0" baseline="-25000" dirty="0" smtClean="0"/>
+                        <a:rPr lang="en-IN" i="0" baseline="-25000" dirty="0"/>
                         <a:t>5</a:t>
                       </a:r>
                       <a:r>
-                        <a:rPr lang="en-IN" i="0" dirty="0" smtClean="0"/>
+                        <a:rPr lang="en-IN" i="0" dirty="0"/>
                         <a:t>,d</a:t>
                       </a:r>
                       <a:r>
-                        <a:rPr lang="en-IN" i="0" baseline="-25000" dirty="0" smtClean="0"/>
+                        <a:rPr lang="en-IN" i="0" baseline="-25000" dirty="0"/>
                         <a:t>6</a:t>
                       </a:r>
                       <a:r>
-                        <a:rPr lang="en-IN" i="0" dirty="0" smtClean="0"/>
+                        <a:rPr lang="en-IN" i="0" dirty="0"/>
                         <a:t>,d</a:t>
                       </a:r>
                       <a:r>
-                        <a:rPr lang="en-IN" i="0" baseline="-25000" dirty="0" smtClean="0"/>
+                        <a:rPr lang="en-IN" i="0" baseline="-25000" dirty="0"/>
                         <a:t>7</a:t>
                       </a:r>
                       <a:r>
-                        <a:rPr lang="en-IN" i="0" dirty="0" smtClean="0"/>
+                        <a:rPr lang="en-IN" i="0" dirty="0"/>
                         <a:t>,d</a:t>
                       </a:r>
                       <a:r>
-                        <a:rPr lang="en-IN" i="0" baseline="-25000" dirty="0" smtClean="0"/>
+                        <a:rPr lang="en-IN" i="0" baseline="-25000" dirty="0"/>
                         <a:t>8</a:t>
                       </a:r>
                       <a:r>
-                        <a:rPr lang="en-IN" i="0" dirty="0" smtClean="0"/>
+                        <a:rPr lang="en-IN" i="0" dirty="0"/>
                         <a:t>,d</a:t>
                       </a:r>
                       <a:r>
-                        <a:rPr lang="en-IN" i="0" baseline="-25000" dirty="0" smtClean="0"/>
+                        <a:rPr lang="en-IN" i="0" baseline="-25000" dirty="0"/>
                         <a:t>9</a:t>
                       </a:r>
                     </a:p>
@@ -5130,14 +4925,13 @@
                     <a:p>
                       <a:pPr algn="ctr"/>
                       <a:r>
-                        <a:rPr lang="en-IN" i="0" dirty="0" smtClean="0"/>
+                        <a:rPr lang="en-IN" i="0" dirty="0"/>
                         <a:t>d</a:t>
                       </a:r>
                       <a:r>
-                        <a:rPr lang="en-IN" i="0" baseline="-25000" dirty="0" smtClean="0"/>
+                        <a:rPr lang="en-IN" i="0" baseline="-25000" dirty="0"/>
                         <a:t>3</a:t>
                       </a:r>
-                      <a:endParaRPr lang="en-IN" i="0" baseline="-25000" dirty="0"/>
                     </a:p>
                   </a:txBody>
                   <a:tcPr/>
@@ -5172,7 +4966,7 @@
                         <a:defRPr/>
                       </a:pPr>
                       <a:r>
-                        <a:rPr lang="en-IN" baseline="0" dirty="0" smtClean="0"/>
+                        <a:rPr lang="en-IN" baseline="0" dirty="0"/>
                         <a:t>5.</a:t>
                       </a:r>
                     </a:p>
@@ -5202,75 +4996,75 @@
                         <a:defRPr/>
                       </a:pPr>
                       <a:r>
-                        <a:rPr lang="en-IN" i="0" dirty="0" smtClean="0"/>
+                        <a:rPr lang="en-IN" i="0" dirty="0"/>
                         <a:t>d</a:t>
                       </a:r>
                       <a:r>
-                        <a:rPr lang="en-IN" i="0" baseline="-25000" dirty="0" smtClean="0"/>
+                        <a:rPr lang="en-IN" i="0" baseline="-25000" dirty="0"/>
                         <a:t>0</a:t>
                       </a:r>
                       <a:r>
-                        <a:rPr lang="en-IN" i="0" dirty="0" smtClean="0"/>
+                        <a:rPr lang="en-IN" i="0" dirty="0"/>
                         <a:t>,d</a:t>
                       </a:r>
                       <a:r>
-                        <a:rPr lang="en-IN" i="0" baseline="-25000" dirty="0" smtClean="0"/>
+                        <a:rPr lang="en-IN" i="0" baseline="-25000" dirty="0"/>
                         <a:t>1</a:t>
                       </a:r>
                       <a:r>
-                        <a:rPr lang="en-IN" i="0" dirty="0" smtClean="0"/>
+                        <a:rPr lang="en-IN" i="0" dirty="0"/>
                         <a:t>,d</a:t>
                       </a:r>
                       <a:r>
-                        <a:rPr lang="en-IN" i="0" baseline="-25000" dirty="0" smtClean="0"/>
+                        <a:rPr lang="en-IN" i="0" baseline="-25000" dirty="0"/>
                         <a:t>2</a:t>
                       </a:r>
                       <a:r>
-                        <a:rPr lang="en-IN" i="0" dirty="0" smtClean="0"/>
+                        <a:rPr lang="en-IN" i="0" dirty="0"/>
                         <a:t>,d</a:t>
                       </a:r>
                       <a:r>
-                        <a:rPr lang="en-IN" i="0" baseline="-25000" dirty="0" smtClean="0"/>
+                        <a:rPr lang="en-IN" i="0" baseline="-25000" dirty="0"/>
                         <a:t>3</a:t>
                       </a:r>
                       <a:r>
-                        <a:rPr lang="en-IN" i="0" dirty="0" smtClean="0"/>
+                        <a:rPr lang="en-IN" i="0" dirty="0"/>
                         <a:t>,d</a:t>
                       </a:r>
                       <a:r>
-                        <a:rPr lang="en-IN" i="0" baseline="-25000" dirty="0" smtClean="0"/>
+                        <a:rPr lang="en-IN" i="0" baseline="-25000" dirty="0"/>
                         <a:t>5</a:t>
                       </a:r>
                       <a:r>
-                        <a:rPr lang="en-IN" i="0" dirty="0" smtClean="0"/>
+                        <a:rPr lang="en-IN" i="0" dirty="0"/>
                         <a:t>,d</a:t>
                       </a:r>
                       <a:r>
-                        <a:rPr lang="en-IN" i="0" baseline="-25000" dirty="0" smtClean="0"/>
+                        <a:rPr lang="en-IN" i="0" baseline="-25000" dirty="0"/>
                         <a:t>6</a:t>
                       </a:r>
                       <a:r>
-                        <a:rPr lang="en-IN" i="0" dirty="0" smtClean="0"/>
+                        <a:rPr lang="en-IN" i="0" dirty="0"/>
                         <a:t>,d</a:t>
                       </a:r>
                       <a:r>
-                        <a:rPr lang="en-IN" i="0" baseline="-25000" dirty="0" smtClean="0"/>
+                        <a:rPr lang="en-IN" i="0" baseline="-25000" dirty="0"/>
                         <a:t>7</a:t>
                       </a:r>
                       <a:r>
-                        <a:rPr lang="en-IN" i="0" dirty="0" smtClean="0"/>
+                        <a:rPr lang="en-IN" i="0" dirty="0"/>
                         <a:t>,d</a:t>
                       </a:r>
                       <a:r>
-                        <a:rPr lang="en-IN" i="0" baseline="-25000" dirty="0" smtClean="0"/>
+                        <a:rPr lang="en-IN" i="0" baseline="-25000" dirty="0"/>
                         <a:t>8</a:t>
                       </a:r>
                       <a:r>
-                        <a:rPr lang="en-IN" i="0" dirty="0" smtClean="0"/>
+                        <a:rPr lang="en-IN" i="0" dirty="0"/>
                         <a:t>,d</a:t>
                       </a:r>
                       <a:r>
-                        <a:rPr lang="en-IN" i="0" baseline="-25000" dirty="0" smtClean="0"/>
+                        <a:rPr lang="en-IN" i="0" baseline="-25000" dirty="0"/>
                         <a:t>9</a:t>
                       </a:r>
                     </a:p>
@@ -5284,14 +5078,13 @@
                     <a:p>
                       <a:pPr algn="ctr"/>
                       <a:r>
-                        <a:rPr lang="en-IN" i="0" dirty="0" smtClean="0"/>
+                        <a:rPr lang="en-IN" i="0" dirty="0"/>
                         <a:t>d</a:t>
                       </a:r>
                       <a:r>
-                        <a:rPr lang="en-IN" i="0" baseline="-25000" dirty="0" smtClean="0"/>
+                        <a:rPr lang="en-IN" i="0" baseline="-25000" dirty="0"/>
                         <a:t>4</a:t>
                       </a:r>
-                      <a:endParaRPr lang="en-IN" i="0" baseline="-25000" dirty="0"/>
                     </a:p>
                   </a:txBody>
                   <a:tcPr/>
@@ -5326,7 +5119,7 @@
                         <a:defRPr/>
                       </a:pPr>
                       <a:r>
-                        <a:rPr lang="en-IN" baseline="0" dirty="0" smtClean="0"/>
+                        <a:rPr lang="en-IN" baseline="0" dirty="0"/>
                         <a:t>6.</a:t>
                       </a:r>
                     </a:p>
@@ -5356,75 +5149,75 @@
                         <a:defRPr/>
                       </a:pPr>
                       <a:r>
-                        <a:rPr lang="en-IN" i="0" dirty="0" smtClean="0"/>
+                        <a:rPr lang="en-IN" i="0" dirty="0"/>
                         <a:t>d</a:t>
                       </a:r>
                       <a:r>
-                        <a:rPr lang="en-IN" i="0" baseline="-25000" dirty="0" smtClean="0"/>
+                        <a:rPr lang="en-IN" i="0" baseline="-25000" dirty="0"/>
                         <a:t>0</a:t>
                       </a:r>
                       <a:r>
-                        <a:rPr lang="en-IN" i="0" dirty="0" smtClean="0"/>
+                        <a:rPr lang="en-IN" i="0" dirty="0"/>
                         <a:t>,d</a:t>
                       </a:r>
                       <a:r>
-                        <a:rPr lang="en-IN" i="0" baseline="-25000" dirty="0" smtClean="0"/>
+                        <a:rPr lang="en-IN" i="0" baseline="-25000" dirty="0"/>
                         <a:t>1</a:t>
                       </a:r>
                       <a:r>
-                        <a:rPr lang="en-IN" i="0" dirty="0" smtClean="0"/>
+                        <a:rPr lang="en-IN" i="0" dirty="0"/>
                         <a:t>,d</a:t>
                       </a:r>
                       <a:r>
-                        <a:rPr lang="en-IN" i="0" baseline="-25000" dirty="0" smtClean="0"/>
+                        <a:rPr lang="en-IN" i="0" baseline="-25000" dirty="0"/>
                         <a:t>2</a:t>
                       </a:r>
                       <a:r>
-                        <a:rPr lang="en-IN" i="0" dirty="0" smtClean="0"/>
+                        <a:rPr lang="en-IN" i="0" dirty="0"/>
                         <a:t>,d</a:t>
                       </a:r>
                       <a:r>
-                        <a:rPr lang="en-IN" i="0" baseline="-25000" dirty="0" smtClean="0"/>
+                        <a:rPr lang="en-IN" i="0" baseline="-25000" dirty="0"/>
                         <a:t>3</a:t>
                       </a:r>
                       <a:r>
-                        <a:rPr lang="en-IN" i="0" dirty="0" smtClean="0"/>
+                        <a:rPr lang="en-IN" i="0" dirty="0"/>
                         <a:t>,d</a:t>
                       </a:r>
                       <a:r>
-                        <a:rPr lang="en-IN" i="0" baseline="-25000" dirty="0" smtClean="0"/>
+                        <a:rPr lang="en-IN" i="0" baseline="-25000" dirty="0"/>
                         <a:t>4</a:t>
                       </a:r>
                       <a:r>
-                        <a:rPr lang="en-IN" i="0" dirty="0" smtClean="0"/>
+                        <a:rPr lang="en-IN" i="0" dirty="0"/>
                         <a:t>,d</a:t>
                       </a:r>
                       <a:r>
-                        <a:rPr lang="en-IN" i="0" baseline="-25000" dirty="0" smtClean="0"/>
+                        <a:rPr lang="en-IN" i="0" baseline="-25000" dirty="0"/>
                         <a:t>6</a:t>
                       </a:r>
                       <a:r>
-                        <a:rPr lang="en-IN" i="0" dirty="0" smtClean="0"/>
+                        <a:rPr lang="en-IN" i="0" dirty="0"/>
                         <a:t>,d</a:t>
                       </a:r>
                       <a:r>
-                        <a:rPr lang="en-IN" i="0" baseline="-25000" dirty="0" smtClean="0"/>
+                        <a:rPr lang="en-IN" i="0" baseline="-25000" dirty="0"/>
                         <a:t>7</a:t>
                       </a:r>
                       <a:r>
-                        <a:rPr lang="en-IN" i="0" dirty="0" smtClean="0"/>
+                        <a:rPr lang="en-IN" i="0" dirty="0"/>
                         <a:t>,d</a:t>
                       </a:r>
                       <a:r>
-                        <a:rPr lang="en-IN" i="0" baseline="-25000" dirty="0" smtClean="0"/>
+                        <a:rPr lang="en-IN" i="0" baseline="-25000" dirty="0"/>
                         <a:t>8</a:t>
                       </a:r>
                       <a:r>
-                        <a:rPr lang="en-IN" i="0" dirty="0" smtClean="0"/>
+                        <a:rPr lang="en-IN" i="0" dirty="0"/>
                         <a:t>,d</a:t>
                       </a:r>
                       <a:r>
-                        <a:rPr lang="en-IN" i="0" baseline="-25000" dirty="0" smtClean="0"/>
+                        <a:rPr lang="en-IN" i="0" baseline="-25000" dirty="0"/>
                         <a:t>9</a:t>
                       </a:r>
                     </a:p>
@@ -5438,14 +5231,13 @@
                     <a:p>
                       <a:pPr algn="ctr"/>
                       <a:r>
-                        <a:rPr lang="en-IN" i="0" dirty="0" smtClean="0"/>
+                        <a:rPr lang="en-IN" i="0" dirty="0"/>
                         <a:t>d</a:t>
                       </a:r>
                       <a:r>
-                        <a:rPr lang="en-IN" i="0" baseline="-25000" dirty="0" smtClean="0"/>
+                        <a:rPr lang="en-IN" i="0" baseline="-25000" dirty="0"/>
                         <a:t>5</a:t>
                       </a:r>
-                      <a:endParaRPr lang="en-IN" i="0" baseline="-25000" dirty="0"/>
                     </a:p>
                   </a:txBody>
                   <a:tcPr/>
@@ -5480,7 +5272,7 @@
                         <a:defRPr/>
                       </a:pPr>
                       <a:r>
-                        <a:rPr lang="en-IN" baseline="0" dirty="0" smtClean="0"/>
+                        <a:rPr lang="en-IN" baseline="0" dirty="0"/>
                         <a:t>7.</a:t>
                       </a:r>
                     </a:p>
@@ -5510,75 +5302,75 @@
                         <a:defRPr/>
                       </a:pPr>
                       <a:r>
-                        <a:rPr lang="en-IN" i="0" dirty="0" smtClean="0"/>
+                        <a:rPr lang="en-IN" i="0" dirty="0"/>
                         <a:t>d</a:t>
                       </a:r>
                       <a:r>
-                        <a:rPr lang="en-IN" i="0" baseline="-25000" dirty="0" smtClean="0"/>
+                        <a:rPr lang="en-IN" i="0" baseline="-25000" dirty="0"/>
                         <a:t>0</a:t>
                       </a:r>
                       <a:r>
-                        <a:rPr lang="en-IN" i="0" dirty="0" smtClean="0"/>
+                        <a:rPr lang="en-IN" i="0" dirty="0"/>
                         <a:t>,d</a:t>
                       </a:r>
                       <a:r>
-                        <a:rPr lang="en-IN" i="0" baseline="-25000" dirty="0" smtClean="0"/>
+                        <a:rPr lang="en-IN" i="0" baseline="-25000" dirty="0"/>
                         <a:t>1</a:t>
                       </a:r>
                       <a:r>
-                        <a:rPr lang="en-IN" i="0" dirty="0" smtClean="0"/>
+                        <a:rPr lang="en-IN" i="0" dirty="0"/>
                         <a:t>,d</a:t>
                       </a:r>
                       <a:r>
-                        <a:rPr lang="en-IN" i="0" baseline="-25000" dirty="0" smtClean="0"/>
+                        <a:rPr lang="en-IN" i="0" baseline="-25000" dirty="0"/>
                         <a:t>2</a:t>
                       </a:r>
                       <a:r>
-                        <a:rPr lang="en-IN" i="0" dirty="0" smtClean="0"/>
+                        <a:rPr lang="en-IN" i="0" dirty="0"/>
                         <a:t>,d</a:t>
                       </a:r>
                       <a:r>
-                        <a:rPr lang="en-IN" i="0" baseline="-25000" dirty="0" smtClean="0"/>
+                        <a:rPr lang="en-IN" i="0" baseline="-25000" dirty="0"/>
                         <a:t>3</a:t>
                       </a:r>
                       <a:r>
-                        <a:rPr lang="en-IN" i="0" dirty="0" smtClean="0"/>
+                        <a:rPr lang="en-IN" i="0" dirty="0"/>
                         <a:t>,d</a:t>
                       </a:r>
                       <a:r>
-                        <a:rPr lang="en-IN" i="0" baseline="-25000" dirty="0" smtClean="0"/>
+                        <a:rPr lang="en-IN" i="0" baseline="-25000" dirty="0"/>
                         <a:t>4</a:t>
                       </a:r>
                       <a:r>
-                        <a:rPr lang="en-IN" i="0" dirty="0" smtClean="0"/>
+                        <a:rPr lang="en-IN" i="0" dirty="0"/>
                         <a:t>,d</a:t>
                       </a:r>
                       <a:r>
-                        <a:rPr lang="en-IN" i="0" baseline="-25000" dirty="0" smtClean="0"/>
+                        <a:rPr lang="en-IN" i="0" baseline="-25000" dirty="0"/>
                         <a:t>5</a:t>
                       </a:r>
                       <a:r>
-                        <a:rPr lang="en-IN" i="0" dirty="0" smtClean="0"/>
+                        <a:rPr lang="en-IN" i="0" dirty="0"/>
                         <a:t>,d</a:t>
                       </a:r>
                       <a:r>
-                        <a:rPr lang="en-IN" i="0" baseline="-25000" dirty="0" smtClean="0"/>
+                        <a:rPr lang="en-IN" i="0" baseline="-25000" dirty="0"/>
                         <a:t>7</a:t>
                       </a:r>
                       <a:r>
-                        <a:rPr lang="en-IN" i="0" dirty="0" smtClean="0"/>
+                        <a:rPr lang="en-IN" i="0" dirty="0"/>
                         <a:t>,d</a:t>
                       </a:r>
                       <a:r>
-                        <a:rPr lang="en-IN" i="0" baseline="-25000" dirty="0" smtClean="0"/>
+                        <a:rPr lang="en-IN" i="0" baseline="-25000" dirty="0"/>
                         <a:t>8</a:t>
                       </a:r>
                       <a:r>
-                        <a:rPr lang="en-IN" i="0" dirty="0" smtClean="0"/>
+                        <a:rPr lang="en-IN" i="0" dirty="0"/>
                         <a:t>,d</a:t>
                       </a:r>
                       <a:r>
-                        <a:rPr lang="en-IN" i="0" baseline="-25000" dirty="0" smtClean="0"/>
+                        <a:rPr lang="en-IN" i="0" baseline="-25000" dirty="0"/>
                         <a:t>9</a:t>
                       </a:r>
                     </a:p>
@@ -5592,14 +5384,13 @@
                     <a:p>
                       <a:pPr algn="ctr"/>
                       <a:r>
-                        <a:rPr lang="en-IN" i="0" dirty="0" smtClean="0"/>
+                        <a:rPr lang="en-IN" i="0" dirty="0"/>
                         <a:t>d</a:t>
                       </a:r>
                       <a:r>
-                        <a:rPr lang="en-IN" i="0" baseline="-25000" dirty="0" smtClean="0"/>
+                        <a:rPr lang="en-IN" i="0" baseline="-25000" dirty="0"/>
                         <a:t>6</a:t>
                       </a:r>
-                      <a:endParaRPr lang="en-IN" i="0" baseline="-25000" dirty="0"/>
                     </a:p>
                   </a:txBody>
                   <a:tcPr/>
@@ -5634,7 +5425,7 @@
                         <a:defRPr/>
                       </a:pPr>
                       <a:r>
-                        <a:rPr lang="en-IN" baseline="0" dirty="0" smtClean="0"/>
+                        <a:rPr lang="en-IN" baseline="0" dirty="0"/>
                         <a:t>8.</a:t>
                       </a:r>
                     </a:p>
@@ -5664,75 +5455,75 @@
                         <a:defRPr/>
                       </a:pPr>
                       <a:r>
-                        <a:rPr lang="en-IN" i="0" dirty="0" smtClean="0"/>
+                        <a:rPr lang="en-IN" i="0" dirty="0"/>
                         <a:t>d</a:t>
                       </a:r>
                       <a:r>
-                        <a:rPr lang="en-IN" i="0" baseline="-25000" dirty="0" smtClean="0"/>
+                        <a:rPr lang="en-IN" i="0" baseline="-25000" dirty="0"/>
                         <a:t>0</a:t>
                       </a:r>
                       <a:r>
-                        <a:rPr lang="en-IN" i="0" dirty="0" smtClean="0"/>
+                        <a:rPr lang="en-IN" i="0" dirty="0"/>
                         <a:t>,d</a:t>
                       </a:r>
                       <a:r>
-                        <a:rPr lang="en-IN" i="0" baseline="-25000" dirty="0" smtClean="0"/>
+                        <a:rPr lang="en-IN" i="0" baseline="-25000" dirty="0"/>
                         <a:t>1</a:t>
                       </a:r>
                       <a:r>
-                        <a:rPr lang="en-IN" i="0" dirty="0" smtClean="0"/>
+                        <a:rPr lang="en-IN" i="0" dirty="0"/>
                         <a:t>,d</a:t>
                       </a:r>
                       <a:r>
-                        <a:rPr lang="en-IN" i="0" baseline="-25000" dirty="0" smtClean="0"/>
+                        <a:rPr lang="en-IN" i="0" baseline="-25000" dirty="0"/>
                         <a:t>2</a:t>
                       </a:r>
                       <a:r>
-                        <a:rPr lang="en-IN" i="0" dirty="0" smtClean="0"/>
+                        <a:rPr lang="en-IN" i="0" dirty="0"/>
                         <a:t>,d</a:t>
                       </a:r>
                       <a:r>
-                        <a:rPr lang="en-IN" i="0" baseline="-25000" dirty="0" smtClean="0"/>
+                        <a:rPr lang="en-IN" i="0" baseline="-25000" dirty="0"/>
                         <a:t>3</a:t>
                       </a:r>
                       <a:r>
-                        <a:rPr lang="en-IN" i="0" dirty="0" smtClean="0"/>
+                        <a:rPr lang="en-IN" i="0" dirty="0"/>
                         <a:t>,d</a:t>
                       </a:r>
                       <a:r>
-                        <a:rPr lang="en-IN" i="0" baseline="-25000" dirty="0" smtClean="0"/>
+                        <a:rPr lang="en-IN" i="0" baseline="-25000" dirty="0"/>
                         <a:t>4</a:t>
                       </a:r>
                       <a:r>
-                        <a:rPr lang="en-IN" i="0" dirty="0" smtClean="0"/>
+                        <a:rPr lang="en-IN" i="0" dirty="0"/>
                         <a:t>,d</a:t>
                       </a:r>
                       <a:r>
-                        <a:rPr lang="en-IN" i="0" baseline="-25000" dirty="0" smtClean="0"/>
+                        <a:rPr lang="en-IN" i="0" baseline="-25000" dirty="0"/>
                         <a:t>5</a:t>
                       </a:r>
                       <a:r>
-                        <a:rPr lang="en-IN" i="0" dirty="0" smtClean="0"/>
+                        <a:rPr lang="en-IN" i="0" dirty="0"/>
                         <a:t>,d</a:t>
                       </a:r>
                       <a:r>
-                        <a:rPr lang="en-IN" i="0" baseline="-25000" dirty="0" smtClean="0"/>
+                        <a:rPr lang="en-IN" i="0" baseline="-25000" dirty="0"/>
                         <a:t>6</a:t>
                       </a:r>
                       <a:r>
-                        <a:rPr lang="en-IN" i="0" dirty="0" smtClean="0"/>
+                        <a:rPr lang="en-IN" i="0" dirty="0"/>
                         <a:t>,d</a:t>
                       </a:r>
                       <a:r>
-                        <a:rPr lang="en-IN" i="0" baseline="-25000" dirty="0" smtClean="0"/>
+                        <a:rPr lang="en-IN" i="0" baseline="-25000" dirty="0"/>
                         <a:t>8</a:t>
                       </a:r>
                       <a:r>
-                        <a:rPr lang="en-IN" i="0" dirty="0" smtClean="0"/>
+                        <a:rPr lang="en-IN" i="0" dirty="0"/>
                         <a:t>,d</a:t>
                       </a:r>
                       <a:r>
-                        <a:rPr lang="en-IN" i="0" baseline="-25000" dirty="0" smtClean="0"/>
+                        <a:rPr lang="en-IN" i="0" baseline="-25000" dirty="0"/>
                         <a:t>9</a:t>
                       </a:r>
                     </a:p>
@@ -5746,14 +5537,13 @@
                     <a:p>
                       <a:pPr algn="ctr"/>
                       <a:r>
-                        <a:rPr lang="en-IN" i="0" dirty="0" smtClean="0"/>
+                        <a:rPr lang="en-IN" i="0" dirty="0"/>
                         <a:t>d</a:t>
                       </a:r>
                       <a:r>
-                        <a:rPr lang="en-IN" i="0" baseline="-25000" dirty="0" smtClean="0"/>
+                        <a:rPr lang="en-IN" i="0" baseline="-25000" dirty="0"/>
                         <a:t>7</a:t>
                       </a:r>
-                      <a:endParaRPr lang="en-IN" i="0" baseline="-25000" dirty="0"/>
                     </a:p>
                   </a:txBody>
                   <a:tcPr/>
@@ -5788,7 +5578,7 @@
                         <a:defRPr/>
                       </a:pPr>
                       <a:r>
-                        <a:rPr lang="en-IN" baseline="0" dirty="0" smtClean="0"/>
+                        <a:rPr lang="en-IN" baseline="0" dirty="0"/>
                         <a:t>9.</a:t>
                       </a:r>
                     </a:p>
@@ -5818,75 +5608,75 @@
                         <a:defRPr/>
                       </a:pPr>
                       <a:r>
-                        <a:rPr lang="en-IN" i="0" dirty="0" smtClean="0"/>
+                        <a:rPr lang="en-IN" i="0" dirty="0"/>
                         <a:t>d</a:t>
                       </a:r>
                       <a:r>
-                        <a:rPr lang="en-IN" i="0" baseline="-25000" dirty="0" smtClean="0"/>
+                        <a:rPr lang="en-IN" i="0" baseline="-25000" dirty="0"/>
                         <a:t>0</a:t>
                       </a:r>
                       <a:r>
-                        <a:rPr lang="en-IN" i="0" dirty="0" smtClean="0"/>
+                        <a:rPr lang="en-IN" i="0" dirty="0"/>
                         <a:t>,d</a:t>
                       </a:r>
                       <a:r>
-                        <a:rPr lang="en-IN" i="0" baseline="-25000" dirty="0" smtClean="0"/>
+                        <a:rPr lang="en-IN" i="0" baseline="-25000" dirty="0"/>
                         <a:t>1</a:t>
                       </a:r>
                       <a:r>
-                        <a:rPr lang="en-IN" i="0" dirty="0" smtClean="0"/>
+                        <a:rPr lang="en-IN" i="0" dirty="0"/>
                         <a:t>,d</a:t>
                       </a:r>
                       <a:r>
-                        <a:rPr lang="en-IN" i="0" baseline="-25000" dirty="0" smtClean="0"/>
+                        <a:rPr lang="en-IN" i="0" baseline="-25000" dirty="0"/>
                         <a:t>2</a:t>
                       </a:r>
                       <a:r>
-                        <a:rPr lang="en-IN" i="0" dirty="0" smtClean="0"/>
+                        <a:rPr lang="en-IN" i="0" dirty="0"/>
                         <a:t>,d</a:t>
                       </a:r>
                       <a:r>
-                        <a:rPr lang="en-IN" i="0" baseline="-25000" dirty="0" smtClean="0"/>
+                        <a:rPr lang="en-IN" i="0" baseline="-25000" dirty="0"/>
                         <a:t>3</a:t>
                       </a:r>
                       <a:r>
-                        <a:rPr lang="en-IN" i="0" dirty="0" smtClean="0"/>
+                        <a:rPr lang="en-IN" i="0" dirty="0"/>
                         <a:t>,d</a:t>
                       </a:r>
                       <a:r>
-                        <a:rPr lang="en-IN" i="0" baseline="-25000" dirty="0" smtClean="0"/>
+                        <a:rPr lang="en-IN" i="0" baseline="-25000" dirty="0"/>
                         <a:t>4</a:t>
                       </a:r>
                       <a:r>
-                        <a:rPr lang="en-IN" i="0" dirty="0" smtClean="0"/>
+                        <a:rPr lang="en-IN" i="0" dirty="0"/>
                         <a:t>,d</a:t>
                       </a:r>
                       <a:r>
-                        <a:rPr lang="en-IN" i="0" baseline="-25000" dirty="0" smtClean="0"/>
+                        <a:rPr lang="en-IN" i="0" baseline="-25000" dirty="0"/>
                         <a:t>5</a:t>
                       </a:r>
                       <a:r>
-                        <a:rPr lang="en-IN" i="0" dirty="0" smtClean="0"/>
+                        <a:rPr lang="en-IN" i="0" dirty="0"/>
                         <a:t>,d</a:t>
                       </a:r>
                       <a:r>
-                        <a:rPr lang="en-IN" i="0" baseline="-25000" dirty="0" smtClean="0"/>
+                        <a:rPr lang="en-IN" i="0" baseline="-25000" dirty="0"/>
                         <a:t>6</a:t>
                       </a:r>
                       <a:r>
-                        <a:rPr lang="en-IN" i="0" dirty="0" smtClean="0"/>
+                        <a:rPr lang="en-IN" i="0" dirty="0"/>
                         <a:t>,d</a:t>
                       </a:r>
                       <a:r>
-                        <a:rPr lang="en-IN" i="0" baseline="-25000" dirty="0" smtClean="0"/>
+                        <a:rPr lang="en-IN" i="0" baseline="-25000" dirty="0"/>
                         <a:t>7</a:t>
                       </a:r>
                       <a:r>
-                        <a:rPr lang="en-IN" i="0" dirty="0" smtClean="0"/>
+                        <a:rPr lang="en-IN" i="0" dirty="0"/>
                         <a:t>,d</a:t>
                       </a:r>
                       <a:r>
-                        <a:rPr lang="en-IN" i="0" baseline="-25000" dirty="0" smtClean="0"/>
+                        <a:rPr lang="en-IN" i="0" baseline="-25000" dirty="0"/>
                         <a:t>9</a:t>
                       </a:r>
                     </a:p>
@@ -5900,14 +5690,13 @@
                     <a:p>
                       <a:pPr algn="ctr"/>
                       <a:r>
-                        <a:rPr lang="en-IN" i="0" dirty="0" smtClean="0"/>
+                        <a:rPr lang="en-IN" i="0" dirty="0"/>
                         <a:t>d</a:t>
                       </a:r>
                       <a:r>
-                        <a:rPr lang="en-IN" i="0" baseline="-25000" dirty="0" smtClean="0"/>
+                        <a:rPr lang="en-IN" i="0" baseline="-25000" dirty="0"/>
                         <a:t>8</a:t>
                       </a:r>
-                      <a:endParaRPr lang="en-IN" i="0" baseline="-25000" dirty="0"/>
                     </a:p>
                   </a:txBody>
                   <a:tcPr/>
@@ -5942,7 +5731,7 @@
                         <a:defRPr/>
                       </a:pPr>
                       <a:r>
-                        <a:rPr lang="en-IN" baseline="0" dirty="0" smtClean="0"/>
+                        <a:rPr lang="en-IN" baseline="0" dirty="0"/>
                         <a:t>10.</a:t>
                       </a:r>
                     </a:p>
@@ -5972,75 +5761,75 @@
                         <a:defRPr/>
                       </a:pPr>
                       <a:r>
-                        <a:rPr lang="en-IN" i="0" dirty="0" smtClean="0"/>
+                        <a:rPr lang="en-IN" i="0" dirty="0"/>
                         <a:t>d</a:t>
                       </a:r>
                       <a:r>
-                        <a:rPr lang="en-IN" i="0" baseline="-25000" dirty="0" smtClean="0"/>
+                        <a:rPr lang="en-IN" i="0" baseline="-25000" dirty="0"/>
                         <a:t>0</a:t>
                       </a:r>
                       <a:r>
-                        <a:rPr lang="en-IN" i="0" dirty="0" smtClean="0"/>
+                        <a:rPr lang="en-IN" i="0" dirty="0"/>
                         <a:t>,d</a:t>
                       </a:r>
                       <a:r>
-                        <a:rPr lang="en-IN" i="0" baseline="-25000" dirty="0" smtClean="0"/>
+                        <a:rPr lang="en-IN" i="0" baseline="-25000" dirty="0"/>
                         <a:t>1</a:t>
                       </a:r>
                       <a:r>
-                        <a:rPr lang="en-IN" i="0" dirty="0" smtClean="0"/>
+                        <a:rPr lang="en-IN" i="0" dirty="0"/>
                         <a:t>,d</a:t>
                       </a:r>
                       <a:r>
-                        <a:rPr lang="en-IN" i="0" baseline="-25000" dirty="0" smtClean="0"/>
+                        <a:rPr lang="en-IN" i="0" baseline="-25000" dirty="0"/>
                         <a:t>2</a:t>
                       </a:r>
                       <a:r>
-                        <a:rPr lang="en-IN" i="0" dirty="0" smtClean="0"/>
+                        <a:rPr lang="en-IN" i="0" dirty="0"/>
                         <a:t>,d</a:t>
                       </a:r>
                       <a:r>
-                        <a:rPr lang="en-IN" i="0" baseline="-25000" dirty="0" smtClean="0"/>
+                        <a:rPr lang="en-IN" i="0" baseline="-25000" dirty="0"/>
                         <a:t>3</a:t>
                       </a:r>
                       <a:r>
-                        <a:rPr lang="en-IN" i="0" dirty="0" smtClean="0"/>
+                        <a:rPr lang="en-IN" i="0" dirty="0"/>
                         <a:t>,d</a:t>
                       </a:r>
                       <a:r>
-                        <a:rPr lang="en-IN" i="0" baseline="-25000" dirty="0" smtClean="0"/>
+                        <a:rPr lang="en-IN" i="0" baseline="-25000" dirty="0"/>
                         <a:t>4</a:t>
                       </a:r>
                       <a:r>
-                        <a:rPr lang="en-IN" i="0" dirty="0" smtClean="0"/>
+                        <a:rPr lang="en-IN" i="0" dirty="0"/>
                         <a:t>,d</a:t>
                       </a:r>
                       <a:r>
-                        <a:rPr lang="en-IN" i="0" baseline="-25000" dirty="0" smtClean="0"/>
+                        <a:rPr lang="en-IN" i="0" baseline="-25000" dirty="0"/>
                         <a:t>5</a:t>
                       </a:r>
                       <a:r>
-                        <a:rPr lang="en-IN" i="0" dirty="0" smtClean="0"/>
+                        <a:rPr lang="en-IN" i="0" dirty="0"/>
                         <a:t>,d</a:t>
                       </a:r>
                       <a:r>
-                        <a:rPr lang="en-IN" i="0" baseline="-25000" dirty="0" smtClean="0"/>
+                        <a:rPr lang="en-IN" i="0" baseline="-25000" dirty="0"/>
                         <a:t>6</a:t>
                       </a:r>
                       <a:r>
-                        <a:rPr lang="en-IN" i="0" dirty="0" smtClean="0"/>
+                        <a:rPr lang="en-IN" i="0" dirty="0"/>
                         <a:t>,d</a:t>
                       </a:r>
                       <a:r>
-                        <a:rPr lang="en-IN" i="0" baseline="-25000" dirty="0" smtClean="0"/>
+                        <a:rPr lang="en-IN" i="0" baseline="-25000" dirty="0"/>
                         <a:t>7</a:t>
                       </a:r>
                       <a:r>
-                        <a:rPr lang="en-IN" i="0" dirty="0" smtClean="0"/>
+                        <a:rPr lang="en-IN" i="0" dirty="0"/>
                         <a:t>,d</a:t>
                       </a:r>
                       <a:r>
-                        <a:rPr lang="en-IN" i="0" baseline="-25000" dirty="0" smtClean="0"/>
+                        <a:rPr lang="en-IN" i="0" baseline="-25000" dirty="0"/>
                         <a:t>8</a:t>
                       </a:r>
                     </a:p>
@@ -6054,14 +5843,13 @@
                     <a:p>
                       <a:pPr algn="ctr"/>
                       <a:r>
-                        <a:rPr lang="en-IN" i="0" dirty="0" smtClean="0"/>
+                        <a:rPr lang="en-IN" i="0" dirty="0"/>
                         <a:t>d</a:t>
                       </a:r>
                       <a:r>
-                        <a:rPr lang="en-IN" i="0" baseline="-25000" dirty="0" smtClean="0"/>
+                        <a:rPr lang="en-IN" i="0" baseline="-25000" dirty="0"/>
                         <a:t>9</a:t>
                       </a:r>
-                      <a:endParaRPr lang="en-IN" i="0" baseline="-25000" dirty="0"/>
                     </a:p>
                   </a:txBody>
                   <a:tcPr/>
@@ -6086,21 +5874,6 @@
   <p:clrMapOvr>
     <a:masterClrMapping/>
   </p:clrMapOvr>
-  <mc:AlternateContent xmlns:mc="http://schemas.openxmlformats.org/markup-compatibility/2006" xmlns:p14="http://schemas.microsoft.com/office/powerpoint/2010/main">
-    <mc:Choice Requires="p14">
-      <p:transition spd="slow" p14:dur="2000"/>
-    </mc:Choice>
-    <mc:Fallback xmlns="">
-      <p:transition spd="slow"/>
-    </mc:Fallback>
-  </mc:AlternateContent>
-  <p:timing>
-    <p:tnLst>
-      <p:par>
-        <p:cTn id="1" dur="indefinite" restart="never" nodeType="tmRoot"/>
-      </p:par>
-    </p:tnLst>
-  </p:timing>
 </p:sld>
 </file>
 
@@ -6151,35 +5924,7 @@
                 <a:latin typeface="Times New Roman" panose="02020603050405020304" pitchFamily="18" charset="0"/>
                 <a:cs typeface="Times New Roman" panose="02020603050405020304" pitchFamily="18" charset="0"/>
               </a:rPr>
-              <a:t>The dataset have 76 raw attributes, </a:t>
-            </a:r>
-            <a:r>
-              <a:rPr lang="en-IN" sz="1800" dirty="0" smtClean="0">
-                <a:latin typeface="Times New Roman" panose="02020603050405020304" pitchFamily="18" charset="0"/>
-                <a:cs typeface="Times New Roman" panose="02020603050405020304" pitchFamily="18" charset="0"/>
-              </a:rPr>
-              <a:t>only </a:t>
-            </a:r>
-            <a:r>
-              <a:rPr lang="en-IN" sz="1800" dirty="0">
-                <a:latin typeface="Times New Roman" panose="02020603050405020304" pitchFamily="18" charset="0"/>
-                <a:cs typeface="Times New Roman" panose="02020603050405020304" pitchFamily="18" charset="0"/>
-              </a:rPr>
-              <a:t>of them are actually </a:t>
-            </a:r>
-            <a:r>
-              <a:rPr lang="en-IN" sz="1800" dirty="0" smtClean="0">
-                <a:latin typeface="Times New Roman" panose="02020603050405020304" pitchFamily="18" charset="0"/>
-                <a:cs typeface="Times New Roman" panose="02020603050405020304" pitchFamily="18" charset="0"/>
-              </a:rPr>
-              <a:t>used.</a:t>
-            </a:r>
-            <a:r>
-              <a:rPr lang="en-IN" sz="1800" dirty="0">
-                <a:latin typeface="Times New Roman" panose="02020603050405020304" pitchFamily="18" charset="0"/>
-                <a:cs typeface="Times New Roman" panose="02020603050405020304" pitchFamily="18" charset="0"/>
-              </a:rPr>
-              <a:t/>
+              <a:t>The dataset have 76 raw attributes, only of them are actually used.</a:t>
             </a:r>
             <a:br>
               <a:rPr lang="en-IN" sz="1800" dirty="0">
@@ -6192,26 +5937,8 @@
                 <a:latin typeface="Times New Roman" panose="02020603050405020304" pitchFamily="18" charset="0"/>
                 <a:cs typeface="Times New Roman" panose="02020603050405020304" pitchFamily="18" charset="0"/>
               </a:rPr>
-              <a:t>The attributes used </a:t>
-            </a:r>
-            <a:r>
-              <a:rPr lang="en-IN" sz="1800" dirty="0" smtClean="0">
-                <a:latin typeface="Times New Roman" panose="02020603050405020304" pitchFamily="18" charset="0"/>
-                <a:cs typeface="Times New Roman" panose="02020603050405020304" pitchFamily="18" charset="0"/>
-              </a:rPr>
-              <a:t>are </a:t>
-            </a:r>
-            <a:r>
-              <a:rPr lang="en-IN" sz="1800" dirty="0">
-                <a:latin typeface="Times New Roman" panose="02020603050405020304" pitchFamily="18" charset="0"/>
-                <a:cs typeface="Times New Roman" panose="02020603050405020304" pitchFamily="18" charset="0"/>
-              </a:rPr>
-              <a:t>: </a:t>
-            </a:r>
-            <a:endParaRPr lang="en-IN" sz="1800" dirty="0" smtClean="0">
-              <a:latin typeface="Times New Roman" panose="02020603050405020304" pitchFamily="18" charset="0"/>
-              <a:cs typeface="Times New Roman" panose="02020603050405020304" pitchFamily="18" charset="0"/>
-            </a:endParaRPr>
+              <a:t>The attributes used are : </a:t>
+            </a:r>
           </a:p>
           <a:p>
             <a:pPr lvl="0" algn="just">
@@ -6219,7 +5946,7 @@
               <a:buChar char="q"/>
             </a:pPr>
             <a:r>
-              <a:rPr lang="en-IN" sz="1800" dirty="0" smtClean="0">
+              <a:rPr lang="en-IN" sz="1800" dirty="0">
                 <a:latin typeface="Times New Roman" panose="02020603050405020304" pitchFamily="18" charset="0"/>
                 <a:cs typeface="Times New Roman" panose="02020603050405020304" pitchFamily="18" charset="0"/>
               </a:rPr>
@@ -6232,7 +5959,7 @@
               <a:buChar char="q"/>
             </a:pPr>
             <a:r>
-              <a:rPr lang="en-IN" sz="1800" dirty="0" smtClean="0">
+              <a:rPr lang="en-IN" sz="1800" dirty="0">
                 <a:latin typeface="Times New Roman" panose="02020603050405020304" pitchFamily="18" charset="0"/>
                 <a:cs typeface="Times New Roman" panose="02020603050405020304" pitchFamily="18" charset="0"/>
               </a:rPr>
@@ -6245,7 +5972,7 @@
               <a:buChar char="q"/>
             </a:pPr>
             <a:r>
-              <a:rPr lang="en-IN" sz="1800" dirty="0" smtClean="0">
+              <a:rPr lang="en-IN" sz="1800" dirty="0">
                 <a:latin typeface="Times New Roman" panose="02020603050405020304" pitchFamily="18" charset="0"/>
                 <a:cs typeface="Times New Roman" panose="02020603050405020304" pitchFamily="18" charset="0"/>
               </a:rPr>
@@ -6257,7 +5984,7 @@
               <a:buNone/>
             </a:pPr>
             <a:r>
-              <a:rPr lang="en-IN" sz="1800" dirty="0" smtClean="0">
+              <a:rPr lang="en-IN" sz="1800" dirty="0">
                 <a:latin typeface="Times New Roman" panose="02020603050405020304" pitchFamily="18" charset="0"/>
                 <a:cs typeface="Times New Roman" panose="02020603050405020304" pitchFamily="18" charset="0"/>
               </a:rPr>
@@ -6269,7 +5996,7 @@
               <a:buNone/>
             </a:pPr>
             <a:r>
-              <a:rPr lang="en-IN" sz="1800" dirty="0" smtClean="0">
+              <a:rPr lang="en-IN" sz="1800" dirty="0">
                 <a:latin typeface="Times New Roman" panose="02020603050405020304" pitchFamily="18" charset="0"/>
                 <a:cs typeface="Times New Roman" panose="02020603050405020304" pitchFamily="18" charset="0"/>
               </a:rPr>
@@ -6281,7 +6008,7 @@
               <a:buNone/>
             </a:pPr>
             <a:r>
-              <a:rPr lang="en-IN" sz="1800" dirty="0" smtClean="0">
+              <a:rPr lang="en-IN" sz="1800" dirty="0">
                 <a:latin typeface="Times New Roman" panose="02020603050405020304" pitchFamily="18" charset="0"/>
                 <a:cs typeface="Times New Roman" panose="02020603050405020304" pitchFamily="18" charset="0"/>
               </a:rPr>
@@ -6293,7 +6020,7 @@
               <a:buNone/>
             </a:pPr>
             <a:r>
-              <a:rPr lang="en-IN" sz="1800" dirty="0" smtClean="0">
+              <a:rPr lang="en-IN" sz="1800" dirty="0">
                 <a:latin typeface="Times New Roman" panose="02020603050405020304" pitchFamily="18" charset="0"/>
                 <a:cs typeface="Times New Roman" panose="02020603050405020304" pitchFamily="18" charset="0"/>
               </a:rPr>
@@ -6306,7 +6033,7 @@
               <a:buChar char="q"/>
             </a:pPr>
             <a:r>
-              <a:rPr lang="en-IN" sz="1800" dirty="0" smtClean="0">
+              <a:rPr lang="en-IN" sz="1800" dirty="0">
                 <a:latin typeface="Times New Roman" panose="02020603050405020304" pitchFamily="18" charset="0"/>
                 <a:cs typeface="Times New Roman" panose="02020603050405020304" pitchFamily="18" charset="0"/>
               </a:rPr>
@@ -6319,7 +6046,7 @@
               <a:buChar char="q"/>
             </a:pPr>
             <a:r>
-              <a:rPr lang="en-IN" sz="1800" dirty="0" smtClean="0">
+              <a:rPr lang="en-IN" sz="1800" dirty="0">
                 <a:latin typeface="Times New Roman" panose="02020603050405020304" pitchFamily="18" charset="0"/>
                 <a:cs typeface="Times New Roman" panose="02020603050405020304" pitchFamily="18" charset="0"/>
               </a:rPr>
@@ -6332,7 +6059,7 @@
               <a:buChar char="q"/>
             </a:pPr>
             <a:r>
-              <a:rPr lang="en-IN" sz="1800" dirty="0" smtClean="0">
+              <a:rPr lang="en-IN" sz="1800" dirty="0">
                 <a:latin typeface="Times New Roman" panose="02020603050405020304" pitchFamily="18" charset="0"/>
                 <a:cs typeface="Times New Roman" panose="02020603050405020304" pitchFamily="18" charset="0"/>
               </a:rPr>
@@ -6356,7 +6083,7 @@
             <a:pPr marL="0" lvl="0" indent="0" algn="just">
               <a:buNone/>
             </a:pPr>
-            <a:endParaRPr lang="en-IN" sz="1800" dirty="0" smtClean="0">
+            <a:endParaRPr lang="en-IN" sz="1800" dirty="0">
               <a:latin typeface="Times New Roman" panose="02020603050405020304" pitchFamily="18" charset="0"/>
               <a:cs typeface="Times New Roman" panose="02020603050405020304" pitchFamily="18" charset="0"/>
             </a:endParaRPr>
@@ -6393,16 +6120,12 @@
           <a:p>
             <a:pPr algn="ctr"/>
             <a:r>
-              <a:rPr lang="en-IN" sz="2400" b="1" dirty="0" smtClean="0">
+              <a:rPr lang="en-IN" sz="2400" b="1" dirty="0">
                 <a:latin typeface="Times New Roman" panose="02020603050405020304" pitchFamily="18" charset="0"/>
                 <a:cs typeface="Times New Roman" panose="02020603050405020304" pitchFamily="18" charset="0"/>
               </a:rPr>
               <a:t>ATTRIBUTES USED:</a:t>
             </a:r>
-            <a:endParaRPr lang="en-IN" sz="2400" b="1" dirty="0">
-              <a:latin typeface="Times New Roman" panose="02020603050405020304" pitchFamily="18" charset="0"/>
-              <a:cs typeface="Times New Roman" panose="02020603050405020304" pitchFamily="18" charset="0"/>
-            </a:endParaRPr>
           </a:p>
         </p:txBody>
       </p:sp>
@@ -6416,13 +6139,6 @@
   <p:clrMapOvr>
     <a:masterClrMapping/>
   </p:clrMapOvr>
-  <p:timing>
-    <p:tnLst>
-      <p:par>
-        <p:cTn id="1" dur="indefinite" restart="never" nodeType="tmRoot"/>
-      </p:par>
-    </p:tnLst>
-  </p:timing>
 </p:sld>
 </file>
 
@@ -6510,14 +6226,7 @@
                 <a:latin typeface="Times New Roman" panose="02020603050405020304" pitchFamily="18" charset="0"/>
                 <a:cs typeface="Times New Roman" panose="02020603050405020304" pitchFamily="18" charset="0"/>
               </a:rPr>
-              <a:t>	Value 2: showing probable or definite left ventricular hypertrophy by 		Estes' </a:t>
-            </a:r>
-            <a:r>
-              <a:rPr lang="en-IN" sz="1800" dirty="0" smtClean="0">
-                <a:latin typeface="Times New Roman" panose="02020603050405020304" pitchFamily="18" charset="0"/>
-                <a:cs typeface="Times New Roman" panose="02020603050405020304" pitchFamily="18" charset="0"/>
-              </a:rPr>
-              <a:t>criteria</a:t>
+              <a:t>	Value 2: showing probable or definite left ventricular hypertrophy by 		Estes' criteria</a:t>
             </a:r>
           </a:p>
           <a:p>
@@ -6526,18 +6235,11 @@
               <a:buChar char="q"/>
             </a:pPr>
             <a:r>
-              <a:rPr lang="en-IN" sz="1800" dirty="0" smtClean="0">
-                <a:latin typeface="Times New Roman" panose="02020603050405020304" pitchFamily="18" charset="0"/>
-                <a:cs typeface="Times New Roman" panose="02020603050405020304" pitchFamily="18" charset="0"/>
-              </a:rPr>
-              <a:t>Exang </a:t>
-            </a:r>
-            <a:r>
               <a:rPr lang="en-IN" sz="1800" dirty="0">
                 <a:latin typeface="Times New Roman" panose="02020603050405020304" pitchFamily="18" charset="0"/>
                 <a:cs typeface="Times New Roman" panose="02020603050405020304" pitchFamily="18" charset="0"/>
               </a:rPr>
-              <a:t>: exercise induced angina (1 = yes; 0 = no)</a:t>
+              <a:t>Exang : exercise induced angina (1 = yes; 0 = no)</a:t>
             </a:r>
           </a:p>
           <a:p>
@@ -6546,25 +6248,18 @@
               <a:buChar char="q"/>
             </a:pPr>
             <a:r>
-              <a:rPr lang="en-IN" sz="1800" dirty="0" err="1" smtClean="0">
+              <a:rPr lang="en-IN" sz="1800" dirty="0" err="1">
                 <a:latin typeface="Times New Roman" panose="02020603050405020304" pitchFamily="18" charset="0"/>
                 <a:cs typeface="Times New Roman" panose="02020603050405020304" pitchFamily="18" charset="0"/>
               </a:rPr>
               <a:t>Num</a:t>
             </a:r>
             <a:r>
-              <a:rPr lang="en-IN" sz="1800" dirty="0" smtClean="0">
-                <a:latin typeface="Times New Roman" panose="02020603050405020304" pitchFamily="18" charset="0"/>
-                <a:cs typeface="Times New Roman" panose="02020603050405020304" pitchFamily="18" charset="0"/>
-              </a:rPr>
-              <a:t> </a:t>
-            </a:r>
-            <a:r>
               <a:rPr lang="en-IN" sz="1800" dirty="0">
                 <a:latin typeface="Times New Roman" panose="02020603050405020304" pitchFamily="18" charset="0"/>
                 <a:cs typeface="Times New Roman" panose="02020603050405020304" pitchFamily="18" charset="0"/>
               </a:rPr>
-              <a:t>: diagnosis of heart disease (angiographic disease status)</a:t>
+              <a:t> : diagnosis of heart disease (angiographic disease status)</a:t>
             </a:r>
           </a:p>
           <a:p>
@@ -6572,18 +6267,11 @@
               <a:buNone/>
             </a:pPr>
             <a:r>
-              <a:rPr lang="en-IN" sz="1800" dirty="0" smtClean="0">
-                <a:latin typeface="Times New Roman" panose="02020603050405020304" pitchFamily="18" charset="0"/>
-                <a:cs typeface="Times New Roman" panose="02020603050405020304" pitchFamily="18" charset="0"/>
-              </a:rPr>
-              <a:t>	Value </a:t>
-            </a:r>
-            <a:r>
               <a:rPr lang="en-IN" sz="1800" dirty="0">
                 <a:latin typeface="Times New Roman" panose="02020603050405020304" pitchFamily="18" charset="0"/>
                 <a:cs typeface="Times New Roman" panose="02020603050405020304" pitchFamily="18" charset="0"/>
               </a:rPr>
-              <a:t>0: &lt; 50% diameter narrowing</a:t>
+              <a:t>	Value 0: &lt; 50% diameter narrowing</a:t>
             </a:r>
           </a:p>
           <a:p>
@@ -6591,18 +6279,11 @@
               <a:buNone/>
             </a:pPr>
             <a:r>
-              <a:rPr lang="en-IN" sz="1800" dirty="0" smtClean="0">
-                <a:latin typeface="Times New Roman" panose="02020603050405020304" pitchFamily="18" charset="0"/>
-                <a:cs typeface="Times New Roman" panose="02020603050405020304" pitchFamily="18" charset="0"/>
-              </a:rPr>
-              <a:t>	Value </a:t>
-            </a:r>
-            <a:r>
               <a:rPr lang="en-IN" sz="1800" dirty="0">
                 <a:latin typeface="Times New Roman" panose="02020603050405020304" pitchFamily="18" charset="0"/>
                 <a:cs typeface="Times New Roman" panose="02020603050405020304" pitchFamily="18" charset="0"/>
               </a:rPr>
-              <a:t>1: &gt; 50% diameter narrowing</a:t>
+              <a:t>	Value 1: &gt; 50% diameter narrowing</a:t>
             </a:r>
           </a:p>
           <a:p>
@@ -6620,13 +6301,6 @@
   <p:clrMapOvr>
     <a:masterClrMapping/>
   </p:clrMapOvr>
-  <p:timing>
-    <p:tnLst>
-      <p:par>
-        <p:cTn id="1" dur="indefinite" restart="never" nodeType="tmRoot"/>
-      </p:par>
-    </p:tnLst>
-  </p:timing>
 </p:sld>
 </file>
 
@@ -6671,16 +6345,12 @@
           <a:p>
             <a:pPr algn="ctr"/>
             <a:r>
-              <a:rPr lang="en-US" sz="2400" b="1" dirty="0" smtClean="0">
+              <a:rPr lang="en-US" sz="2400" b="1" dirty="0">
                 <a:latin typeface="Times New Roman" panose="02020603050405020304" pitchFamily="18" charset="0"/>
                 <a:cs typeface="Times New Roman" panose="02020603050405020304" pitchFamily="18" charset="0"/>
               </a:rPr>
               <a:t>RESULTS</a:t>
             </a:r>
-            <a:endParaRPr lang="en-US" sz="2400" b="1" dirty="0">
-              <a:latin typeface="Times New Roman" panose="02020603050405020304" pitchFamily="18" charset="0"/>
-              <a:cs typeface="Times New Roman" panose="02020603050405020304" pitchFamily="18" charset="0"/>
-            </a:endParaRPr>
           </a:p>
         </p:txBody>
       </p:sp>
@@ -6694,13 +6364,6 @@
   <p:clrMapOvr>
     <a:masterClrMapping/>
   </p:clrMapOvr>
-  <p:timing>
-    <p:tnLst>
-      <p:par>
-        <p:cTn id="1" dur="indefinite" restart="never" nodeType="tmRoot"/>
-      </p:par>
-    </p:tnLst>
-  </p:timing>
 </p:sld>
 </file>
 
@@ -6745,16 +6408,12 @@
           <a:p>
             <a:pPr algn="ctr"/>
             <a:r>
-              <a:rPr lang="en-US" sz="2400" b="1" dirty="0" smtClean="0">
+              <a:rPr lang="en-US" sz="2400" b="1" dirty="0">
                 <a:latin typeface="Times New Roman" panose="02020603050405020304" pitchFamily="18" charset="0"/>
                 <a:cs typeface="Times New Roman" panose="02020603050405020304" pitchFamily="18" charset="0"/>
               </a:rPr>
               <a:t>LINEAR DEPENDENCY:</a:t>
             </a:r>
-            <a:endParaRPr lang="en-US" sz="2400" b="1" dirty="0">
-              <a:latin typeface="Times New Roman" panose="02020603050405020304" pitchFamily="18" charset="0"/>
-              <a:cs typeface="Times New Roman" panose="02020603050405020304" pitchFamily="18" charset="0"/>
-            </a:endParaRPr>
           </a:p>
         </p:txBody>
       </p:sp>
@@ -6786,19 +6445,8 @@
                 <a:latin typeface="Times New Roman" panose="02020603050405020304" pitchFamily="18" charset="0"/>
                 <a:cs typeface="Times New Roman" panose="02020603050405020304" pitchFamily="18" charset="0"/>
               </a:rPr>
-              <a:t>Fig 8: </a:t>
-            </a:r>
-            <a:r>
-              <a:rPr lang="en-US" dirty="0" smtClean="0">
-                <a:latin typeface="Times New Roman" panose="02020603050405020304" pitchFamily="18" charset="0"/>
-                <a:cs typeface="Times New Roman" panose="02020603050405020304" pitchFamily="18" charset="0"/>
-              </a:rPr>
-              <a:t>Comparison of Linear Regression with Logistic Regression</a:t>
-            </a:r>
-            <a:endParaRPr lang="en-US" dirty="0">
-              <a:latin typeface="Times New Roman" panose="02020603050405020304" pitchFamily="18" charset="0"/>
-              <a:cs typeface="Times New Roman" panose="02020603050405020304" pitchFamily="18" charset="0"/>
-            </a:endParaRPr>
+              <a:t>Fig 8: Comparison of Linear Regression with Logistic Regression</a:t>
+            </a:r>
           </a:p>
         </p:txBody>
       </p:sp>
@@ -6875,13 +6523,6 @@
   <p:clrMapOvr>
     <a:masterClrMapping/>
   </p:clrMapOvr>
-  <p:timing>
-    <p:tnLst>
-      <p:par>
-        <p:cTn id="1" dur="indefinite" restart="never" nodeType="tmRoot"/>
-      </p:par>
-    </p:tnLst>
-  </p:timing>
 </p:sld>
 </file>
 
@@ -6926,16 +6567,12 @@
           <a:p>
             <a:pPr algn="ctr"/>
             <a:r>
-              <a:rPr lang="en-US" sz="2400" b="1" dirty="0" smtClean="0">
+              <a:rPr lang="en-US" sz="2400" b="1" dirty="0">
                 <a:latin typeface="Times New Roman" panose="02020603050405020304" pitchFamily="18" charset="0"/>
                 <a:cs typeface="Times New Roman" panose="02020603050405020304" pitchFamily="18" charset="0"/>
               </a:rPr>
               <a:t>LINEAR DEPENDENCY:</a:t>
             </a:r>
-            <a:endParaRPr lang="en-US" sz="2400" b="1" dirty="0">
-              <a:latin typeface="Times New Roman" panose="02020603050405020304" pitchFamily="18" charset="0"/>
-              <a:cs typeface="Times New Roman" panose="02020603050405020304" pitchFamily="18" charset="0"/>
-            </a:endParaRPr>
           </a:p>
         </p:txBody>
       </p:sp>
@@ -6967,19 +6604,8 @@
                 <a:latin typeface="Times New Roman" panose="02020603050405020304" pitchFamily="18" charset="0"/>
                 <a:cs typeface="Times New Roman" panose="02020603050405020304" pitchFamily="18" charset="0"/>
               </a:rPr>
-              <a:t>Fig 8: </a:t>
-            </a:r>
-            <a:r>
-              <a:rPr lang="en-US" dirty="0" smtClean="0">
-                <a:latin typeface="Times New Roman" panose="02020603050405020304" pitchFamily="18" charset="0"/>
-                <a:cs typeface="Times New Roman" panose="02020603050405020304" pitchFamily="18" charset="0"/>
-              </a:rPr>
-              <a:t>Comparison of Linear Regression, Logistic Regression and SVM showing decrease in accuracy</a:t>
-            </a:r>
-            <a:endParaRPr lang="en-US" dirty="0">
-              <a:latin typeface="Times New Roman" panose="02020603050405020304" pitchFamily="18" charset="0"/>
-              <a:cs typeface="Times New Roman" panose="02020603050405020304" pitchFamily="18" charset="0"/>
-            </a:endParaRPr>
+              <a:t>Fig 8: Comparison of Linear Regression, Logistic Regression and SVM showing decrease in accuracy</a:t>
+            </a:r>
           </a:p>
         </p:txBody>
       </p:sp>
@@ -7086,13 +6712,6 @@
   <p:clrMapOvr>
     <a:masterClrMapping/>
   </p:clrMapOvr>
-  <p:timing>
-    <p:tnLst>
-      <p:par>
-        <p:cTn id="1" dur="indefinite" restart="never" nodeType="tmRoot"/>
-      </p:par>
-    </p:tnLst>
-  </p:timing>
 </p:sld>
 </file>
 
@@ -7137,16 +6756,12 @@
           <a:p>
             <a:pPr algn="ctr"/>
             <a:r>
-              <a:rPr lang="en-US" sz="2400" b="1" dirty="0" smtClean="0">
+              <a:rPr lang="en-US" sz="2400" b="1" dirty="0">
                 <a:latin typeface="Times New Roman" panose="02020603050405020304" pitchFamily="18" charset="0"/>
                 <a:cs typeface="Times New Roman" panose="02020603050405020304" pitchFamily="18" charset="0"/>
               </a:rPr>
               <a:t>DECISION TREE:</a:t>
             </a:r>
-            <a:endParaRPr lang="en-US" sz="2400" b="1" dirty="0">
-              <a:latin typeface="Times New Roman" panose="02020603050405020304" pitchFamily="18" charset="0"/>
-              <a:cs typeface="Times New Roman" panose="02020603050405020304" pitchFamily="18" charset="0"/>
-            </a:endParaRPr>
           </a:p>
         </p:txBody>
       </p:sp>
@@ -7178,19 +6793,8 @@
                 <a:latin typeface="Times New Roman" panose="02020603050405020304" pitchFamily="18" charset="0"/>
                 <a:cs typeface="Times New Roman" panose="02020603050405020304" pitchFamily="18" charset="0"/>
               </a:rPr>
-              <a:t>Fig 9: Accuracy obtained by varying </a:t>
-            </a:r>
-            <a:r>
-              <a:rPr lang="en-US" dirty="0" smtClean="0">
-                <a:latin typeface="Times New Roman" panose="02020603050405020304" pitchFamily="18" charset="0"/>
-                <a:cs typeface="Times New Roman" panose="02020603050405020304" pitchFamily="18" charset="0"/>
-              </a:rPr>
-              <a:t>parameters in Decision Tree</a:t>
-            </a:r>
-            <a:endParaRPr lang="en-US" dirty="0">
-              <a:latin typeface="Times New Roman" panose="02020603050405020304" pitchFamily="18" charset="0"/>
-              <a:cs typeface="Times New Roman" panose="02020603050405020304" pitchFamily="18" charset="0"/>
-            </a:endParaRPr>
+              <a:t>Fig 9: Accuracy obtained by varying parameters in Decision Tree</a:t>
+            </a:r>
           </a:p>
         </p:txBody>
       </p:sp>
@@ -7237,13 +6841,6 @@
   <p:clrMapOvr>
     <a:masterClrMapping/>
   </p:clrMapOvr>
-  <p:timing>
-    <p:tnLst>
-      <p:par>
-        <p:cTn id="1" dur="indefinite" restart="never" nodeType="tmRoot"/>
-      </p:par>
-    </p:tnLst>
-  </p:timing>
 </p:sld>
 </file>
 
@@ -7288,16 +6885,12 @@
           <a:p>
             <a:pPr algn="ctr"/>
             <a:r>
-              <a:rPr lang="en-US" sz="2400" b="1" dirty="0" smtClean="0">
+              <a:rPr lang="en-US" sz="2400" b="1" dirty="0">
                 <a:latin typeface="Times New Roman" panose="02020603050405020304" pitchFamily="18" charset="0"/>
                 <a:cs typeface="Times New Roman" panose="02020603050405020304" pitchFamily="18" charset="0"/>
               </a:rPr>
               <a:t>RANDOM FOREST:</a:t>
             </a:r>
-            <a:endParaRPr lang="en-US" sz="2400" b="1" dirty="0">
-              <a:latin typeface="Times New Roman" panose="02020603050405020304" pitchFamily="18" charset="0"/>
-              <a:cs typeface="Times New Roman" panose="02020603050405020304" pitchFamily="18" charset="0"/>
-            </a:endParaRPr>
           </a:p>
         </p:txBody>
       </p:sp>
@@ -7377,13 +6970,6 @@
   <p:clrMapOvr>
     <a:masterClrMapping/>
   </p:clrMapOvr>
-  <p:timing>
-    <p:tnLst>
-      <p:par>
-        <p:cTn id="1" dur="indefinite" restart="never" nodeType="tmRoot"/>
-      </p:par>
-    </p:tnLst>
-  </p:timing>
 </p:sld>
 </file>
 
@@ -7428,16 +7014,12 @@
           <a:p>
             <a:pPr algn="ctr"/>
             <a:r>
-              <a:rPr lang="en-US" sz="2400" b="1" dirty="0" smtClean="0">
+              <a:rPr lang="en-US" sz="2400" b="1" dirty="0">
                 <a:latin typeface="Times New Roman" panose="02020603050405020304" pitchFamily="18" charset="0"/>
                 <a:cs typeface="Times New Roman" panose="02020603050405020304" pitchFamily="18" charset="0"/>
               </a:rPr>
               <a:t>COMPARISON:</a:t>
             </a:r>
-            <a:endParaRPr lang="en-US" sz="2400" b="1" dirty="0">
-              <a:latin typeface="Times New Roman" panose="02020603050405020304" pitchFamily="18" charset="0"/>
-              <a:cs typeface="Times New Roman" panose="02020603050405020304" pitchFamily="18" charset="0"/>
-            </a:endParaRPr>
           </a:p>
         </p:txBody>
       </p:sp>
@@ -7523,21 +7105,7 @@
                 <a:latin typeface="Times New Roman" panose="02020603050405020304" pitchFamily="18" charset="0"/>
                 <a:cs typeface="Times New Roman" panose="02020603050405020304" pitchFamily="18" charset="0"/>
               </a:rPr>
-              <a:t>Fig </a:t>
-            </a:r>
-            <a:r>
-              <a:rPr lang="en-US" dirty="0" smtClean="0">
-                <a:latin typeface="Times New Roman" panose="02020603050405020304" pitchFamily="18" charset="0"/>
-                <a:cs typeface="Times New Roman" panose="02020603050405020304" pitchFamily="18" charset="0"/>
-              </a:rPr>
-              <a:t>11: </a:t>
-            </a:r>
-            <a:r>
-              <a:rPr lang="en-US" dirty="0">
-                <a:latin typeface="Times New Roman" panose="02020603050405020304" pitchFamily="18" charset="0"/>
-                <a:cs typeface="Times New Roman" panose="02020603050405020304" pitchFamily="18" charset="0"/>
-              </a:rPr>
-              <a:t>Comparison of result with different validation</a:t>
+              <a:t>Fig 11: Comparison of result with different validation</a:t>
             </a:r>
           </a:p>
           <a:p>
@@ -7562,13 +7130,6 @@
   <p:clrMapOvr>
     <a:masterClrMapping/>
   </p:clrMapOvr>
-  <p:timing>
-    <p:tnLst>
-      <p:par>
-        <p:cTn id="1" dur="indefinite" restart="never" nodeType="tmRoot"/>
-      </p:par>
-    </p:tnLst>
-  </p:timing>
 </p:sld>
 </file>
 
@@ -7613,16 +7174,12 @@
           <a:p>
             <a:pPr algn="ctr"/>
             <a:r>
-              <a:rPr lang="en-US" sz="2400" b="1" dirty="0" smtClean="0">
+              <a:rPr lang="en-US" sz="2400" b="1" dirty="0">
                 <a:latin typeface="Times New Roman" panose="02020603050405020304" pitchFamily="18" charset="0"/>
                 <a:cs typeface="Times New Roman" panose="02020603050405020304" pitchFamily="18" charset="0"/>
               </a:rPr>
               <a:t>TABLE OF CONTENTS:</a:t>
             </a:r>
-            <a:endParaRPr lang="en-US" sz="2400" b="1" dirty="0">
-              <a:latin typeface="Times New Roman" panose="02020603050405020304" pitchFamily="18" charset="0"/>
-              <a:cs typeface="Times New Roman" panose="02020603050405020304" pitchFamily="18" charset="0"/>
-            </a:endParaRPr>
           </a:p>
         </p:txBody>
       </p:sp>
@@ -7674,16 +7231,12 @@
                     <a:p>
                       <a:pPr algn="ctr"/>
                       <a:r>
-                        <a:rPr lang="en-US" b="1" dirty="0" smtClean="0">
+                        <a:rPr lang="en-US" b="1" dirty="0">
                           <a:latin typeface="Times New Roman" panose="02020603050405020304" pitchFamily="18" charset="0"/>
                           <a:cs typeface="Times New Roman" panose="02020603050405020304" pitchFamily="18" charset="0"/>
                         </a:rPr>
                         <a:t>S. No.</a:t>
                       </a:r>
-                      <a:endParaRPr lang="en-US" b="1" dirty="0">
-                        <a:latin typeface="Times New Roman" panose="02020603050405020304" pitchFamily="18" charset="0"/>
-                        <a:cs typeface="Times New Roman" panose="02020603050405020304" pitchFamily="18" charset="0"/>
-                      </a:endParaRPr>
                     </a:p>
                   </a:txBody>
                   <a:tcPr/>
@@ -7695,16 +7248,12 @@
                     <a:p>
                       <a:pPr algn="ctr"/>
                       <a:r>
-                        <a:rPr lang="en-US" b="1" dirty="0" smtClean="0">
+                        <a:rPr lang="en-US" b="1" dirty="0">
                           <a:latin typeface="Times New Roman" panose="02020603050405020304" pitchFamily="18" charset="0"/>
                           <a:cs typeface="Times New Roman" panose="02020603050405020304" pitchFamily="18" charset="0"/>
                         </a:rPr>
                         <a:t>CONTENT</a:t>
                       </a:r>
-                      <a:endParaRPr lang="en-US" b="1" dirty="0">
-                        <a:latin typeface="Times New Roman" panose="02020603050405020304" pitchFamily="18" charset="0"/>
-                        <a:cs typeface="Times New Roman" panose="02020603050405020304" pitchFamily="18" charset="0"/>
-                      </a:endParaRPr>
                     </a:p>
                   </a:txBody>
                   <a:tcPr/>
@@ -7723,16 +7272,12 @@
                     <a:p>
                       <a:pPr algn="ctr"/>
                       <a:r>
-                        <a:rPr lang="en-US" b="1" dirty="0" smtClean="0">
+                        <a:rPr lang="en-US" b="1" dirty="0">
                           <a:latin typeface="Times New Roman" panose="02020603050405020304" pitchFamily="18" charset="0"/>
                           <a:cs typeface="Times New Roman" panose="02020603050405020304" pitchFamily="18" charset="0"/>
                         </a:rPr>
                         <a:t>1.</a:t>
                       </a:r>
-                      <a:endParaRPr lang="en-US" b="1" dirty="0">
-                        <a:latin typeface="Times New Roman" panose="02020603050405020304" pitchFamily="18" charset="0"/>
-                        <a:cs typeface="Times New Roman" panose="02020603050405020304" pitchFamily="18" charset="0"/>
-                      </a:endParaRPr>
                     </a:p>
                   </a:txBody>
                   <a:tcPr/>
@@ -7760,7 +7305,7 @@
                         <a:defRPr/>
                       </a:pPr>
                       <a:r>
-                        <a:rPr lang="en-US" sz="1800" dirty="0" smtClean="0">
+                        <a:rPr lang="en-US" sz="1800" dirty="0">
                           <a:latin typeface="Times New Roman" panose="02020603050405020304" pitchFamily="18" charset="0"/>
                           <a:cs typeface="Times New Roman" panose="02020603050405020304" pitchFamily="18" charset="0"/>
                         </a:rPr>
@@ -7784,16 +7329,12 @@
                     <a:p>
                       <a:pPr algn="ctr"/>
                       <a:r>
-                        <a:rPr lang="en-US" b="1" dirty="0" smtClean="0">
+                        <a:rPr lang="en-US" b="1" dirty="0">
                           <a:latin typeface="Times New Roman" panose="02020603050405020304" pitchFamily="18" charset="0"/>
                           <a:cs typeface="Times New Roman" panose="02020603050405020304" pitchFamily="18" charset="0"/>
                         </a:rPr>
                         <a:t>2.</a:t>
                       </a:r>
-                      <a:endParaRPr lang="en-US" b="1" dirty="0">
-                        <a:latin typeface="Times New Roman" panose="02020603050405020304" pitchFamily="18" charset="0"/>
-                        <a:cs typeface="Times New Roman" panose="02020603050405020304" pitchFamily="18" charset="0"/>
-                      </a:endParaRPr>
                     </a:p>
                   </a:txBody>
                   <a:tcPr/>
@@ -7821,7 +7362,7 @@
                         <a:defRPr/>
                       </a:pPr>
                       <a:r>
-                        <a:rPr lang="en-US" sz="1800" dirty="0" smtClean="0">
+                        <a:rPr lang="en-US" sz="1800" dirty="0">
                           <a:latin typeface="Times New Roman" panose="02020603050405020304" pitchFamily="18" charset="0"/>
                           <a:cs typeface="Times New Roman" panose="02020603050405020304" pitchFamily="18" charset="0"/>
                         </a:rPr>
@@ -7845,16 +7386,12 @@
                     <a:p>
                       <a:pPr algn="ctr"/>
                       <a:r>
-                        <a:rPr lang="en-US" b="1" dirty="0" smtClean="0">
+                        <a:rPr lang="en-US" b="1" dirty="0">
                           <a:latin typeface="Times New Roman" panose="02020603050405020304" pitchFamily="18" charset="0"/>
                           <a:cs typeface="Times New Roman" panose="02020603050405020304" pitchFamily="18" charset="0"/>
                         </a:rPr>
                         <a:t>3.</a:t>
                       </a:r>
-                      <a:endParaRPr lang="en-US" b="1" dirty="0">
-                        <a:latin typeface="Times New Roman" panose="02020603050405020304" pitchFamily="18" charset="0"/>
-                        <a:cs typeface="Times New Roman" panose="02020603050405020304" pitchFamily="18" charset="0"/>
-                      </a:endParaRPr>
                     </a:p>
                   </a:txBody>
                   <a:tcPr/>
@@ -7882,7 +7419,7 @@
                         <a:defRPr/>
                       </a:pPr>
                       <a:r>
-                        <a:rPr lang="en-US" sz="1800" dirty="0" smtClean="0">
+                        <a:rPr lang="en-US" sz="1800" dirty="0">
                           <a:latin typeface="Times New Roman" panose="02020603050405020304" pitchFamily="18" charset="0"/>
                           <a:cs typeface="Times New Roman" panose="02020603050405020304" pitchFamily="18" charset="0"/>
                         </a:rPr>
@@ -7906,16 +7443,12 @@
                     <a:p>
                       <a:pPr algn="ctr"/>
                       <a:r>
-                        <a:rPr lang="en-US" b="1" dirty="0" smtClean="0">
+                        <a:rPr lang="en-US" b="1" dirty="0">
                           <a:latin typeface="Times New Roman" panose="02020603050405020304" pitchFamily="18" charset="0"/>
                           <a:cs typeface="Times New Roman" panose="02020603050405020304" pitchFamily="18" charset="0"/>
                         </a:rPr>
                         <a:t>4.</a:t>
                       </a:r>
-                      <a:endParaRPr lang="en-US" b="1" dirty="0">
-                        <a:latin typeface="Times New Roman" panose="02020603050405020304" pitchFamily="18" charset="0"/>
-                        <a:cs typeface="Times New Roman" panose="02020603050405020304" pitchFamily="18" charset="0"/>
-                      </a:endParaRPr>
                     </a:p>
                   </a:txBody>
                   <a:tcPr/>
@@ -7943,7 +7476,7 @@
                         <a:defRPr/>
                       </a:pPr>
                       <a:r>
-                        <a:rPr lang="en-US" sz="1800" dirty="0" smtClean="0">
+                        <a:rPr lang="en-US" sz="1800" dirty="0">
                           <a:latin typeface="Times New Roman" panose="02020603050405020304" pitchFamily="18" charset="0"/>
                           <a:cs typeface="Times New Roman" panose="02020603050405020304" pitchFamily="18" charset="0"/>
                         </a:rPr>
@@ -7967,16 +7500,12 @@
                     <a:p>
                       <a:pPr algn="ctr"/>
                       <a:r>
-                        <a:rPr lang="en-US" b="1" dirty="0" smtClean="0">
+                        <a:rPr lang="en-US" b="1" dirty="0">
                           <a:latin typeface="Times New Roman" panose="02020603050405020304" pitchFamily="18" charset="0"/>
                           <a:cs typeface="Times New Roman" panose="02020603050405020304" pitchFamily="18" charset="0"/>
                         </a:rPr>
                         <a:t>5.</a:t>
                       </a:r>
-                      <a:endParaRPr lang="en-US" b="1" dirty="0">
-                        <a:latin typeface="Times New Roman" panose="02020603050405020304" pitchFamily="18" charset="0"/>
-                        <a:cs typeface="Times New Roman" panose="02020603050405020304" pitchFamily="18" charset="0"/>
-                      </a:endParaRPr>
                     </a:p>
                   </a:txBody>
                   <a:tcPr/>
@@ -8004,7 +7533,7 @@
                         <a:defRPr/>
                       </a:pPr>
                       <a:r>
-                        <a:rPr lang="en-US" sz="1800" dirty="0" smtClean="0">
+                        <a:rPr lang="en-US" sz="1800" dirty="0">
                           <a:latin typeface="Times New Roman" panose="02020603050405020304" pitchFamily="18" charset="0"/>
                           <a:cs typeface="Times New Roman" panose="02020603050405020304" pitchFamily="18" charset="0"/>
                         </a:rPr>
@@ -8028,16 +7557,12 @@
                     <a:p>
                       <a:pPr algn="ctr"/>
                       <a:r>
-                        <a:rPr lang="en-US" b="1" dirty="0" smtClean="0">
+                        <a:rPr lang="en-US" b="1" dirty="0">
                           <a:latin typeface="Times New Roman" panose="02020603050405020304" pitchFamily="18" charset="0"/>
                           <a:cs typeface="Times New Roman" panose="02020603050405020304" pitchFamily="18" charset="0"/>
                         </a:rPr>
                         <a:t>6.</a:t>
                       </a:r>
-                      <a:endParaRPr lang="en-US" b="1" dirty="0">
-                        <a:latin typeface="Times New Roman" panose="02020603050405020304" pitchFamily="18" charset="0"/>
-                        <a:cs typeface="Times New Roman" panose="02020603050405020304" pitchFamily="18" charset="0"/>
-                      </a:endParaRPr>
                     </a:p>
                   </a:txBody>
                   <a:tcPr/>
@@ -8065,7 +7590,7 @@
                         <a:defRPr/>
                       </a:pPr>
                       <a:r>
-                        <a:rPr lang="en-US" sz="1800" dirty="0" smtClean="0">
+                        <a:rPr lang="en-US" sz="1800" dirty="0">
                           <a:latin typeface="Times New Roman" panose="02020603050405020304" pitchFamily="18" charset="0"/>
                           <a:cs typeface="Times New Roman" panose="02020603050405020304" pitchFamily="18" charset="0"/>
                         </a:rPr>
@@ -8089,16 +7614,12 @@
                     <a:p>
                       <a:pPr algn="ctr"/>
                       <a:r>
-                        <a:rPr lang="en-US" b="1" dirty="0" smtClean="0">
+                        <a:rPr lang="en-US" b="1" dirty="0">
                           <a:latin typeface="Times New Roman" panose="02020603050405020304" pitchFamily="18" charset="0"/>
                           <a:cs typeface="Times New Roman" panose="02020603050405020304" pitchFamily="18" charset="0"/>
                         </a:rPr>
                         <a:t>7.</a:t>
                       </a:r>
-                      <a:endParaRPr lang="en-US" b="1" dirty="0">
-                        <a:latin typeface="Times New Roman" panose="02020603050405020304" pitchFamily="18" charset="0"/>
-                        <a:cs typeface="Times New Roman" panose="02020603050405020304" pitchFamily="18" charset="0"/>
-                      </a:endParaRPr>
                     </a:p>
                   </a:txBody>
                   <a:tcPr/>
@@ -8126,7 +7647,7 @@
                         <a:defRPr/>
                       </a:pPr>
                       <a:r>
-                        <a:rPr lang="en-IN" sz="1800" dirty="0" smtClean="0">
+                        <a:rPr lang="en-IN" sz="1800" dirty="0">
                           <a:latin typeface="Times New Roman" panose="02020603050405020304" pitchFamily="18" charset="0"/>
                           <a:cs typeface="Times New Roman" panose="02020603050405020304" pitchFamily="18" charset="0"/>
                         </a:rPr>
@@ -8150,16 +7671,12 @@
                     <a:p>
                       <a:pPr algn="ctr"/>
                       <a:r>
-                        <a:rPr lang="en-US" b="1" dirty="0" smtClean="0">
+                        <a:rPr lang="en-US" b="1" dirty="0">
                           <a:latin typeface="Times New Roman" panose="02020603050405020304" pitchFamily="18" charset="0"/>
                           <a:cs typeface="Times New Roman" panose="02020603050405020304" pitchFamily="18" charset="0"/>
                         </a:rPr>
                         <a:t>8.</a:t>
                       </a:r>
-                      <a:endParaRPr lang="en-US" b="1" dirty="0">
-                        <a:latin typeface="Times New Roman" panose="02020603050405020304" pitchFamily="18" charset="0"/>
-                        <a:cs typeface="Times New Roman" panose="02020603050405020304" pitchFamily="18" charset="0"/>
-                      </a:endParaRPr>
                     </a:p>
                   </a:txBody>
                   <a:tcPr/>
@@ -8187,13 +7704,13 @@
                         <a:defRPr/>
                       </a:pPr>
                       <a:r>
-                        <a:rPr lang="en-IN" sz="1800" dirty="0" smtClean="0">
+                        <a:rPr lang="en-IN" sz="1800" dirty="0">
                           <a:latin typeface="Times New Roman" panose="02020603050405020304" pitchFamily="18" charset="0"/>
                           <a:cs typeface="Times New Roman" panose="02020603050405020304" pitchFamily="18" charset="0"/>
                         </a:rPr>
                         <a:t>CONCLUSION</a:t>
                       </a:r>
-                      <a:endParaRPr lang="en-US" sz="1800" dirty="0" smtClean="0">
+                      <a:endParaRPr lang="en-US" sz="1800" dirty="0">
                         <a:latin typeface="Times New Roman" panose="02020603050405020304" pitchFamily="18" charset="0"/>
                         <a:cs typeface="Times New Roman" panose="02020603050405020304" pitchFamily="18" charset="0"/>
                       </a:endParaRPr>
@@ -8221,13 +7738,6 @@
   <p:clrMapOvr>
     <a:masterClrMapping/>
   </p:clrMapOvr>
-  <p:timing>
-    <p:tnLst>
-      <p:par>
-        <p:cTn id="1" dur="indefinite" restart="never" nodeType="tmRoot"/>
-      </p:par>
-    </p:tnLst>
-  </p:timing>
 </p:sld>
 </file>
 
@@ -8272,23 +7782,19 @@
           <a:p>
             <a:pPr algn="ctr"/>
             <a:r>
-              <a:rPr lang="en-IN" sz="2400" b="1" dirty="0" smtClean="0">
+              <a:rPr lang="en-IN" sz="2400" b="1" dirty="0">
                 <a:latin typeface="Times New Roman" panose="02020603050405020304" pitchFamily="18" charset="0"/>
                 <a:cs typeface="Times New Roman" panose="02020603050405020304" pitchFamily="18" charset="0"/>
               </a:rPr>
               <a:t>CONCLUSION</a:t>
             </a:r>
             <a:r>
-              <a:rPr lang="en-US" sz="2400" b="1" dirty="0" smtClean="0">
+              <a:rPr lang="en-US" sz="2400" b="1" dirty="0">
                 <a:latin typeface="Times New Roman" panose="02020603050405020304" pitchFamily="18" charset="0"/>
                 <a:cs typeface="Times New Roman" panose="02020603050405020304" pitchFamily="18" charset="0"/>
               </a:rPr>
               <a:t>:</a:t>
             </a:r>
-            <a:endParaRPr lang="en-US" sz="2400" b="1" dirty="0">
-              <a:latin typeface="Times New Roman" panose="02020603050405020304" pitchFamily="18" charset="0"/>
-              <a:cs typeface="Times New Roman" panose="02020603050405020304" pitchFamily="18" charset="0"/>
-            </a:endParaRPr>
           </a:p>
         </p:txBody>
       </p:sp>
@@ -8319,7 +7825,7 @@
               <a:buChar char="q"/>
             </a:pPr>
             <a:r>
-              <a:rPr lang="en-US" sz="1800" dirty="0" smtClean="0">
+              <a:rPr lang="en-US" sz="1800" dirty="0">
                 <a:latin typeface="Times New Roman" panose="02020603050405020304" pitchFamily="18" charset="0"/>
                 <a:cs typeface="Times New Roman" panose="02020603050405020304" pitchFamily="18" charset="0"/>
               </a:rPr>
@@ -8330,7 +7836,7 @@
             <a:pPr marL="0" indent="0" algn="just">
               <a:buNone/>
             </a:pPr>
-            <a:endParaRPr lang="en-US" sz="1800" dirty="0" smtClean="0">
+            <a:endParaRPr lang="en-US" sz="1800" dirty="0">
               <a:latin typeface="Times New Roman" panose="02020603050405020304" pitchFamily="18" charset="0"/>
               <a:cs typeface="Times New Roman" panose="02020603050405020304" pitchFamily="18" charset="0"/>
             </a:endParaRPr>
@@ -8341,7 +7847,7 @@
               <a:buChar char="q"/>
             </a:pPr>
             <a:r>
-              <a:rPr lang="en-US" sz="1800" dirty="0" smtClean="0">
+              <a:rPr lang="en-US" sz="1800" dirty="0">
                 <a:latin typeface="Times New Roman" panose="02020603050405020304" pitchFamily="18" charset="0"/>
                 <a:cs typeface="Times New Roman" panose="02020603050405020304" pitchFamily="18" charset="0"/>
               </a:rPr>
@@ -8352,7 +7858,7 @@
             <a:pPr marL="0" indent="0" algn="just">
               <a:buNone/>
             </a:pPr>
-            <a:endParaRPr lang="en-US" sz="1800" dirty="0" smtClean="0">
+            <a:endParaRPr lang="en-US" sz="1800" dirty="0">
               <a:latin typeface="Times New Roman" panose="02020603050405020304" pitchFamily="18" charset="0"/>
               <a:cs typeface="Times New Roman" panose="02020603050405020304" pitchFamily="18" charset="0"/>
             </a:endParaRPr>
@@ -8363,7 +7869,7 @@
               <a:buChar char="q"/>
             </a:pPr>
             <a:r>
-              <a:rPr lang="en-US" sz="1800" dirty="0" smtClean="0">
+              <a:rPr lang="en-US" sz="1800" dirty="0">
                 <a:latin typeface="Times New Roman" panose="02020603050405020304" pitchFamily="18" charset="0"/>
                 <a:cs typeface="Times New Roman" panose="02020603050405020304" pitchFamily="18" charset="0"/>
               </a:rPr>
@@ -8375,7 +7881,7 @@
               <a:buFont typeface="Wingdings" panose="05000000000000000000" pitchFamily="2" charset="2"/>
               <a:buChar char="q"/>
             </a:pPr>
-            <a:endParaRPr lang="en-US" sz="1800" dirty="0" smtClean="0">
+            <a:endParaRPr lang="en-US" sz="1800" dirty="0">
               <a:latin typeface="Times New Roman" panose="02020603050405020304" pitchFamily="18" charset="0"/>
               <a:cs typeface="Times New Roman" panose="02020603050405020304" pitchFamily="18" charset="0"/>
             </a:endParaRPr>
@@ -8386,7 +7892,7 @@
               <a:buChar char="q"/>
             </a:pPr>
             <a:r>
-              <a:rPr lang="en-US" sz="1800" dirty="0" smtClean="0">
+              <a:rPr lang="en-US" sz="1800" dirty="0">
                 <a:latin typeface="Times New Roman" panose="02020603050405020304" pitchFamily="18" charset="0"/>
                 <a:cs typeface="Times New Roman" panose="02020603050405020304" pitchFamily="18" charset="0"/>
               </a:rPr>
@@ -8398,7 +7904,7 @@
               <a:buFont typeface="Wingdings" panose="05000000000000000000" pitchFamily="2" charset="2"/>
               <a:buChar char="q"/>
             </a:pPr>
-            <a:endParaRPr lang="en-US" sz="1800" dirty="0" smtClean="0">
+            <a:endParaRPr lang="en-US" sz="1800" dirty="0">
               <a:latin typeface="Times New Roman" panose="02020603050405020304" pitchFamily="18" charset="0"/>
               <a:cs typeface="Times New Roman" panose="02020603050405020304" pitchFamily="18" charset="0"/>
             </a:endParaRPr>
@@ -8409,7 +7915,7 @@
               <a:buChar char="q"/>
             </a:pPr>
             <a:r>
-              <a:rPr lang="en-US" sz="1800" dirty="0" smtClean="0">
+              <a:rPr lang="en-US" sz="1800" dirty="0">
                 <a:latin typeface="Times New Roman" panose="02020603050405020304" pitchFamily="18" charset="0"/>
                 <a:cs typeface="Times New Roman" panose="02020603050405020304" pitchFamily="18" charset="0"/>
               </a:rPr>
@@ -8421,7 +7927,7 @@
               <a:buFont typeface="Wingdings" panose="05000000000000000000" pitchFamily="2" charset="2"/>
               <a:buChar char="q"/>
             </a:pPr>
-            <a:endParaRPr lang="en-US" sz="1800" dirty="0" smtClean="0">
+            <a:endParaRPr lang="en-US" sz="1800" dirty="0">
               <a:latin typeface="Times New Roman" panose="02020603050405020304" pitchFamily="18" charset="0"/>
               <a:cs typeface="Times New Roman" panose="02020603050405020304" pitchFamily="18" charset="0"/>
             </a:endParaRPr>
@@ -8432,16 +7938,12 @@
               <a:buChar char="q"/>
             </a:pPr>
             <a:r>
-              <a:rPr lang="en-US" sz="1800" dirty="0" smtClean="0">
+              <a:rPr lang="en-US" sz="1800" dirty="0">
                 <a:latin typeface="Times New Roman" panose="02020603050405020304" pitchFamily="18" charset="0"/>
                 <a:cs typeface="Times New Roman" panose="02020603050405020304" pitchFamily="18" charset="0"/>
               </a:rPr>
               <a:t> We can use data warehouses in hospital so that the amount of data increases and a greater accuracy could be achieved.</a:t>
             </a:r>
-            <a:endParaRPr lang="en-US" sz="1800" dirty="0">
-              <a:latin typeface="Times New Roman" panose="02020603050405020304" pitchFamily="18" charset="0"/>
-              <a:cs typeface="Times New Roman" panose="02020603050405020304" pitchFamily="18" charset="0"/>
-            </a:endParaRPr>
           </a:p>
         </p:txBody>
       </p:sp>
@@ -8455,13 +7957,6 @@
   <p:clrMapOvr>
     <a:masterClrMapping/>
   </p:clrMapOvr>
-  <p:timing>
-    <p:tnLst>
-      <p:par>
-        <p:cTn id="1" dur="indefinite" restart="never" nodeType="tmRoot"/>
-      </p:par>
-    </p:tnLst>
-  </p:timing>
 </p:sld>
 </file>
 
@@ -8524,13 +8019,6 @@
   <p:clrMapOvr>
     <a:masterClrMapping/>
   </p:clrMapOvr>
-  <p:timing>
-    <p:tnLst>
-      <p:par>
-        <p:cTn id="1" dur="indefinite" restart="never" nodeType="tmRoot"/>
-      </p:par>
-    </p:tnLst>
-  </p:timing>
 </p:sld>
 </file>
 
@@ -8630,117 +8118,7 @@
                 <a:latin typeface="Times New Roman" panose="02020603050405020304" pitchFamily="18" charset="0"/>
                 <a:cs typeface="Times New Roman" panose="02020603050405020304" pitchFamily="18" charset="0"/>
               </a:rPr>
-              <a:t>Machine learning can be used to predict the </a:t>
-            </a:r>
-            <a:r>
-              <a:rPr lang="en-US" sz="7200" dirty="0" smtClean="0">
-                <a:latin typeface="Times New Roman" panose="02020603050405020304" pitchFamily="18" charset="0"/>
-                <a:cs typeface="Times New Roman" panose="02020603050405020304" pitchFamily="18" charset="0"/>
-              </a:rPr>
-              <a:t>Heart Disease</a:t>
-            </a:r>
-            <a:r>
-              <a:rPr lang="en-US" sz="7200" dirty="0">
-                <a:latin typeface="Times New Roman" panose="02020603050405020304" pitchFamily="18" charset="0"/>
-                <a:cs typeface="Times New Roman" panose="02020603050405020304" pitchFamily="18" charset="0"/>
-              </a:rPr>
-              <a:t>.</a:t>
-            </a:r>
-          </a:p>
-          <a:p>
-            <a:pPr marL="0" indent="0" algn="just">
-              <a:lnSpc>
-                <a:spcPct val="120000"/>
-              </a:lnSpc>
-              <a:buNone/>
-            </a:pPr>
-            <a:endParaRPr lang="en-US" sz="7200" dirty="0" smtClean="0">
-              <a:latin typeface="Times New Roman" panose="02020603050405020304" pitchFamily="18" charset="0"/>
-              <a:cs typeface="Times New Roman" panose="02020603050405020304" pitchFamily="18" charset="0"/>
-            </a:endParaRPr>
-          </a:p>
-          <a:p>
-            <a:pPr algn="just">
-              <a:lnSpc>
-                <a:spcPct val="120000"/>
-              </a:lnSpc>
-              <a:buFont typeface="Wingdings" panose="05000000000000000000" pitchFamily="2" charset="2"/>
-              <a:buChar char="q"/>
-            </a:pPr>
-            <a:r>
-              <a:rPr lang="en-US" sz="7200" dirty="0" smtClean="0">
-                <a:latin typeface="Times New Roman" panose="02020603050405020304" pitchFamily="18" charset="0"/>
-                <a:cs typeface="Times New Roman" panose="02020603050405020304" pitchFamily="18" charset="0"/>
-              </a:rPr>
-              <a:t>Heart Disease dataset has some non-linear tendency.</a:t>
-            </a:r>
-          </a:p>
-          <a:p>
-            <a:pPr marL="0" indent="0" algn="just">
-              <a:lnSpc>
-                <a:spcPct val="120000"/>
-              </a:lnSpc>
-              <a:buNone/>
-            </a:pPr>
-            <a:endParaRPr lang="en-US" sz="7200" dirty="0" smtClean="0">
-              <a:latin typeface="Times New Roman" panose="02020603050405020304" pitchFamily="18" charset="0"/>
-              <a:cs typeface="Times New Roman" panose="02020603050405020304" pitchFamily="18" charset="0"/>
-            </a:endParaRPr>
-          </a:p>
-          <a:p>
-            <a:pPr algn="just">
-              <a:lnSpc>
-                <a:spcPct val="120000"/>
-              </a:lnSpc>
-              <a:buFont typeface="Wingdings" panose="05000000000000000000" pitchFamily="2" charset="2"/>
-              <a:buChar char="q"/>
-            </a:pPr>
-            <a:r>
-              <a:rPr lang="en-US" sz="7200" dirty="0" smtClean="0">
-                <a:latin typeface="Times New Roman" panose="02020603050405020304" pitchFamily="18" charset="0"/>
-                <a:cs typeface="Times New Roman" panose="02020603050405020304" pitchFamily="18" charset="0"/>
-              </a:rPr>
-              <a:t>Improvement on Heart Disease Prediction technique by correctly adjusting the Random Forest Machine Learning Model (fetching 85.81% accuracy).</a:t>
-            </a:r>
-            <a:endParaRPr lang="en-US" sz="7200" dirty="0">
-              <a:latin typeface="Times New Roman" panose="02020603050405020304" pitchFamily="18" charset="0"/>
-              <a:cs typeface="Times New Roman" panose="02020603050405020304" pitchFamily="18" charset="0"/>
-            </a:endParaRPr>
-          </a:p>
-          <a:p>
-            <a:pPr algn="just">
-              <a:lnSpc>
-                <a:spcPct val="120000"/>
-              </a:lnSpc>
-              <a:buFont typeface="Wingdings" panose="05000000000000000000" pitchFamily="2" charset="2"/>
-              <a:buChar char="q"/>
-            </a:pPr>
-            <a:endParaRPr lang="en-US" sz="7200" dirty="0" smtClean="0">
-              <a:latin typeface="Times New Roman" panose="02020603050405020304" pitchFamily="18" charset="0"/>
-              <a:cs typeface="Times New Roman" panose="02020603050405020304" pitchFamily="18" charset="0"/>
-            </a:endParaRPr>
-          </a:p>
-          <a:p>
-            <a:pPr algn="just">
-              <a:lnSpc>
-                <a:spcPct val="120000"/>
-              </a:lnSpc>
-              <a:buFont typeface="Wingdings" panose="05000000000000000000" pitchFamily="2" charset="2"/>
-              <a:buChar char="q"/>
-            </a:pPr>
-            <a:r>
-              <a:rPr lang="en-US" sz="7200" dirty="0" smtClean="0">
-                <a:latin typeface="Times New Roman" panose="02020603050405020304" pitchFamily="18" charset="0"/>
-                <a:cs typeface="Times New Roman" panose="02020603050405020304" pitchFamily="18" charset="0"/>
-              </a:rPr>
-              <a:t>Health </a:t>
-            </a:r>
-            <a:r>
-              <a:rPr lang="en-US" sz="7200" dirty="0">
-                <a:latin typeface="Times New Roman" panose="02020603050405020304" pitchFamily="18" charset="0"/>
-                <a:cs typeface="Times New Roman" panose="02020603050405020304" pitchFamily="18" charset="0"/>
-              </a:rPr>
-              <a:t>care data contains hidden information which is useful for making effective decisions.</a:t>
+              <a:t>Machine learning can be used to predict the Heart Disease.</a:t>
             </a:r>
           </a:p>
           <a:p>
@@ -8768,6 +8146,91 @@
                 <a:latin typeface="Times New Roman" panose="02020603050405020304" pitchFamily="18" charset="0"/>
                 <a:cs typeface="Times New Roman" panose="02020603050405020304" pitchFamily="18" charset="0"/>
               </a:rPr>
+              <a:t>Heart Disease dataset has some non-linear tendency.</a:t>
+            </a:r>
+          </a:p>
+          <a:p>
+            <a:pPr marL="0" indent="0" algn="just">
+              <a:lnSpc>
+                <a:spcPct val="120000"/>
+              </a:lnSpc>
+              <a:buNone/>
+            </a:pPr>
+            <a:endParaRPr lang="en-US" sz="7200" dirty="0">
+              <a:latin typeface="Times New Roman" panose="02020603050405020304" pitchFamily="18" charset="0"/>
+              <a:cs typeface="Times New Roman" panose="02020603050405020304" pitchFamily="18" charset="0"/>
+            </a:endParaRPr>
+          </a:p>
+          <a:p>
+            <a:pPr algn="just">
+              <a:lnSpc>
+                <a:spcPct val="120000"/>
+              </a:lnSpc>
+              <a:buFont typeface="Wingdings" panose="05000000000000000000" pitchFamily="2" charset="2"/>
+              <a:buChar char="q"/>
+            </a:pPr>
+            <a:r>
+              <a:rPr lang="en-US" sz="7200" dirty="0">
+                <a:latin typeface="Times New Roman" panose="02020603050405020304" pitchFamily="18" charset="0"/>
+                <a:cs typeface="Times New Roman" panose="02020603050405020304" pitchFamily="18" charset="0"/>
+              </a:rPr>
+              <a:t>Improvement on Heart Disease Prediction technique by correctly adjusting the Random Forest Machine Learning Model (fetching 85.81% accuracy).</a:t>
+            </a:r>
+          </a:p>
+          <a:p>
+            <a:pPr algn="just">
+              <a:lnSpc>
+                <a:spcPct val="120000"/>
+              </a:lnSpc>
+              <a:buFont typeface="Wingdings" panose="05000000000000000000" pitchFamily="2" charset="2"/>
+              <a:buChar char="q"/>
+            </a:pPr>
+            <a:endParaRPr lang="en-US" sz="7200" dirty="0">
+              <a:latin typeface="Times New Roman" panose="02020603050405020304" pitchFamily="18" charset="0"/>
+              <a:cs typeface="Times New Roman" panose="02020603050405020304" pitchFamily="18" charset="0"/>
+            </a:endParaRPr>
+          </a:p>
+          <a:p>
+            <a:pPr algn="just">
+              <a:lnSpc>
+                <a:spcPct val="120000"/>
+              </a:lnSpc>
+              <a:buFont typeface="Wingdings" panose="05000000000000000000" pitchFamily="2" charset="2"/>
+              <a:buChar char="q"/>
+            </a:pPr>
+            <a:r>
+              <a:rPr lang="en-US" sz="7200" dirty="0">
+                <a:latin typeface="Times New Roman" panose="02020603050405020304" pitchFamily="18" charset="0"/>
+                <a:cs typeface="Times New Roman" panose="02020603050405020304" pitchFamily="18" charset="0"/>
+              </a:rPr>
+              <a:t>Health care data contains hidden information which is useful for making effective decisions.</a:t>
+            </a:r>
+          </a:p>
+          <a:p>
+            <a:pPr marL="0" indent="0" algn="just">
+              <a:lnSpc>
+                <a:spcPct val="120000"/>
+              </a:lnSpc>
+              <a:buNone/>
+            </a:pPr>
+            <a:endParaRPr lang="en-US" sz="7200" dirty="0">
+              <a:latin typeface="Times New Roman" panose="02020603050405020304" pitchFamily="18" charset="0"/>
+              <a:cs typeface="Times New Roman" panose="02020603050405020304" pitchFamily="18" charset="0"/>
+            </a:endParaRPr>
+          </a:p>
+          <a:p>
+            <a:pPr algn="just">
+              <a:lnSpc>
+                <a:spcPct val="120000"/>
+              </a:lnSpc>
+              <a:buFont typeface="Wingdings" panose="05000000000000000000" pitchFamily="2" charset="2"/>
+              <a:buChar char="q"/>
+            </a:pPr>
+            <a:r>
+              <a:rPr lang="en-US" sz="7200" dirty="0">
+                <a:latin typeface="Times New Roman" panose="02020603050405020304" pitchFamily="18" charset="0"/>
+                <a:cs typeface="Times New Roman" panose="02020603050405020304" pitchFamily="18" charset="0"/>
+              </a:rPr>
               <a:t>This can help patients in getting a quick diagnosis with a lot less cost.</a:t>
             </a:r>
           </a:p>
@@ -8783,13 +8246,6 @@
   <p:clrMapOvr>
     <a:masterClrMapping/>
   </p:clrMapOvr>
-  <p:timing>
-    <p:tnLst>
-      <p:par>
-        <p:cTn id="1" dur="indefinite" restart="never" nodeType="tmRoot"/>
-      </p:par>
-    </p:tnLst>
-  </p:timing>
 </p:sld>
 </file>
 
@@ -8912,11 +8368,35 @@
                     <a:p>
                       <a:pPr algn="ctr"/>
                       <a:r>
-                        <a:rPr lang="en-US" sz="1500" dirty="0" smtClean="0">
+                        <a:rPr lang="en-US" sz="1500" dirty="0">
                           <a:latin typeface="Times New Roman" panose="02020603050405020304" pitchFamily="18" charset="0"/>
                           <a:cs typeface="Times New Roman" panose="02020603050405020304" pitchFamily="18" charset="0"/>
                         </a:rPr>
                         <a:t>S.No.</a:t>
+                      </a:r>
+                    </a:p>
+                  </a:txBody>
+                  <a:tcPr marL="68580" marR="68580" marT="34291" marB="34291" anchor="ctr"/>
+                </a:tc>
+                <a:tc>
+                  <a:txBody>
+                    <a:bodyPr/>
+                    <a:lstStyle/>
+                    <a:p>
+                      <a:pPr algn="ctr"/>
+                      <a:r>
+                        <a:rPr lang="en-US" sz="1500" dirty="0">
+                          <a:latin typeface="Times New Roman" panose="02020603050405020304" pitchFamily="18" charset="0"/>
+                          <a:cs typeface="Times New Roman" panose="02020603050405020304" pitchFamily="18" charset="0"/>
+                        </a:rPr>
+                        <a:t>Name</a:t>
+                      </a:r>
+                      <a:r>
+                        <a:rPr lang="en-US" sz="1500" baseline="0" dirty="0">
+                          <a:latin typeface="Times New Roman" panose="02020603050405020304" pitchFamily="18" charset="0"/>
+                          <a:cs typeface="Times New Roman" panose="02020603050405020304" pitchFamily="18" charset="0"/>
+                        </a:rPr>
+                        <a:t> of Paper</a:t>
                       </a:r>
                       <a:endParaRPr lang="en-US" sz="1500" dirty="0">
                         <a:latin typeface="Times New Roman" panose="02020603050405020304" pitchFamily="18" charset="0"/>
@@ -8933,23 +8413,13 @@
                     <a:p>
                       <a:pPr algn="ctr"/>
                       <a:r>
-                        <a:rPr lang="en-US" sz="1500" dirty="0" smtClean="0">
+                        <a:rPr lang="en-US" sz="1500" dirty="0">
                           <a:latin typeface="Times New Roman" panose="02020603050405020304" pitchFamily="18" charset="0"/>
+                          <a:ea typeface="Tahoma" panose="020B0604030504040204" pitchFamily="34" charset="0"/>
                           <a:cs typeface="Times New Roman" panose="02020603050405020304" pitchFamily="18" charset="0"/>
                         </a:rPr>
-                        <a:t>Name</a:t>
-                      </a:r>
-                      <a:r>
-                        <a:rPr lang="en-US" sz="1500" baseline="0" dirty="0" smtClean="0">
-                          <a:latin typeface="Times New Roman" panose="02020603050405020304" pitchFamily="18" charset="0"/>
-                          <a:cs typeface="Times New Roman" panose="02020603050405020304" pitchFamily="18" charset="0"/>
-                        </a:rPr>
-                        <a:t> of Paper</a:t>
-                      </a:r>
-                      <a:endParaRPr lang="en-US" sz="1500" dirty="0">
-                        <a:latin typeface="Times New Roman" panose="02020603050405020304" pitchFamily="18" charset="0"/>
-                        <a:cs typeface="Times New Roman" panose="02020603050405020304" pitchFamily="18" charset="0"/>
-                      </a:endParaRPr>
+                        <a:t>Author</a:t>
+                      </a:r>
                     </a:p>
                   </a:txBody>
                   <a:tcPr marL="68580" marR="68580" marT="34291" marB="34291" anchor="ctr"/>
@@ -8961,12 +8431,11 @@
                     <a:p>
                       <a:pPr algn="ctr"/>
                       <a:r>
-                        <a:rPr lang="en-US" sz="1500" dirty="0" smtClean="0">
+                        <a:rPr lang="en-US" sz="1500" dirty="0">
                           <a:latin typeface="Times New Roman" panose="02020603050405020304" pitchFamily="18" charset="0"/>
-                          <a:ea typeface="Tahoma" panose="020B0604030504040204" pitchFamily="34" charset="0"/>
                           <a:cs typeface="Times New Roman" panose="02020603050405020304" pitchFamily="18" charset="0"/>
                         </a:rPr>
-                        <a:t>Author</a:t>
+                        <a:t>Methodology</a:t>
                       </a:r>
                       <a:endParaRPr lang="en-US" sz="1500" dirty="0">
                         <a:latin typeface="Times New Roman" panose="02020603050405020304" pitchFamily="18" charset="0"/>
@@ -8984,29 +8453,7 @@
                     <a:p>
                       <a:pPr algn="ctr"/>
                       <a:r>
-                        <a:rPr lang="en-US" sz="1500" dirty="0" smtClean="0">
-                          <a:latin typeface="Times New Roman" panose="02020603050405020304" pitchFamily="18" charset="0"/>
-                          <a:cs typeface="Times New Roman" panose="02020603050405020304" pitchFamily="18" charset="0"/>
-                        </a:rPr>
-                        <a:t>Methodology</a:t>
-                      </a:r>
-                      <a:endParaRPr lang="en-US" sz="1500" dirty="0">
-                        <a:latin typeface="Times New Roman" panose="02020603050405020304" pitchFamily="18" charset="0"/>
-                        <a:ea typeface="Tahoma" panose="020B0604030504040204" pitchFamily="34" charset="0"/>
-                        <a:cs typeface="Times New Roman" panose="02020603050405020304" pitchFamily="18" charset="0"/>
-                      </a:endParaRPr>
-                    </a:p>
-                  </a:txBody>
-                  <a:tcPr marL="68580" marR="68580" marT="34291" marB="34291" anchor="ctr"/>
-                </a:tc>
-                <a:tc>
-                  <a:txBody>
-                    <a:bodyPr/>
-                    <a:lstStyle/>
-                    <a:p>
-                      <a:pPr algn="ctr"/>
-                      <a:r>
-                        <a:rPr lang="en-US" sz="1500" baseline="0" dirty="0" smtClean="0">
+                        <a:rPr lang="en-US" sz="1500" baseline="0" dirty="0">
                           <a:latin typeface="Times New Roman" panose="02020603050405020304" pitchFamily="18" charset="0"/>
                           <a:cs typeface="Times New Roman" panose="02020603050405020304" pitchFamily="18" charset="0"/>
                         </a:rPr>
@@ -9034,11 +8481,89 @@
                     <a:p>
                       <a:pPr algn="ctr"/>
                       <a:r>
-                        <a:rPr lang="en-US" sz="1500" dirty="0" smtClean="0">
+                        <a:rPr lang="en-US" sz="1500" dirty="0">
                           <a:latin typeface="Times New Roman" panose="02020603050405020304" pitchFamily="18" charset="0"/>
                           <a:cs typeface="Times New Roman" panose="02020603050405020304" pitchFamily="18" charset="0"/>
                         </a:rPr>
                         <a:t>1.</a:t>
+                      </a:r>
+                    </a:p>
+                  </a:txBody>
+                  <a:tcPr marL="68580" marR="68580" marT="34291" marB="34291" anchor="ctr"/>
+                </a:tc>
+                <a:tc>
+                  <a:txBody>
+                    <a:bodyPr/>
+                    <a:lstStyle/>
+                    <a:p>
+                      <a:pPr algn="ctr"/>
+                      <a:r>
+                        <a:rPr lang="en-US" sz="1500" dirty="0">
+                          <a:latin typeface="Times New Roman" panose="02020603050405020304" pitchFamily="18" charset="0"/>
+                          <a:cs typeface="Times New Roman" panose="02020603050405020304" pitchFamily="18" charset="0"/>
+                        </a:rPr>
+                        <a:t>An Artificial Neural Network Model for Neonatal Disease Diagnosis </a:t>
+                      </a:r>
+                    </a:p>
+                  </a:txBody>
+                  <a:tcPr marL="68580" marR="68580" marT="34291" marB="34291" anchor="ctr"/>
+                </a:tc>
+                <a:tc>
+                  <a:txBody>
+                    <a:bodyPr/>
+                    <a:lstStyle/>
+                    <a:p>
+                      <a:pPr algn="ctr"/>
+                      <a:r>
+                        <a:rPr lang="en-US" sz="1500" dirty="0">
+                          <a:latin typeface="Times New Roman" panose="02020603050405020304" pitchFamily="18" charset="0"/>
+                          <a:cs typeface="Times New Roman" panose="02020603050405020304" pitchFamily="18" charset="0"/>
+                        </a:rPr>
+                        <a:t>Dilip Roy Chowdhury,</a:t>
+                      </a:r>
+                    </a:p>
+                    <a:p>
+                      <a:pPr algn="ctr"/>
+                      <a:r>
+                        <a:rPr lang="en-US" sz="1500" dirty="0">
+                          <a:latin typeface="Times New Roman" panose="02020603050405020304" pitchFamily="18" charset="0"/>
+                          <a:cs typeface="Times New Roman" panose="02020603050405020304" pitchFamily="18" charset="0"/>
+                        </a:rPr>
+                        <a:t>Mridula Chatterjee,</a:t>
+                      </a:r>
+                    </a:p>
+                    <a:p>
+                      <a:pPr algn="ctr"/>
+                      <a:r>
+                        <a:rPr lang="en-US" sz="1500" dirty="0">
+                          <a:latin typeface="Times New Roman" panose="02020603050405020304" pitchFamily="18" charset="0"/>
+                          <a:cs typeface="Times New Roman" panose="02020603050405020304" pitchFamily="18" charset="0"/>
+                        </a:rPr>
+                        <a:t>R.K. Samanta</a:t>
+                      </a:r>
+                    </a:p>
+                  </a:txBody>
+                  <a:tcPr marL="68580" marR="68580" marT="34291" marB="34291" anchor="ctr"/>
+                </a:tc>
+                <a:tc>
+                  <a:txBody>
+                    <a:bodyPr/>
+                    <a:lstStyle/>
+                    <a:p>
+                      <a:pPr algn="ctr"/>
+                      <a:r>
+                        <a:rPr lang="en-US" sz="1500" dirty="0">
+                          <a:latin typeface="Times New Roman" panose="02020603050405020304" pitchFamily="18" charset="0"/>
+                          <a:cs typeface="Times New Roman" panose="02020603050405020304" pitchFamily="18" charset="0"/>
+                        </a:rPr>
+                        <a:t>Multi</a:t>
+                      </a:r>
+                      <a:r>
+                        <a:rPr lang="en-US" sz="1500" baseline="0" dirty="0">
+                          <a:latin typeface="Times New Roman" panose="02020603050405020304" pitchFamily="18" charset="0"/>
+                          <a:cs typeface="Times New Roman" panose="02020603050405020304" pitchFamily="18" charset="0"/>
+                        </a:rPr>
+                        <a:t>-Layered Perceptron</a:t>
                       </a:r>
                       <a:endParaRPr lang="en-US" sz="1500" dirty="0">
                         <a:latin typeface="Times New Roman" panose="02020603050405020304" pitchFamily="18" charset="0"/>
@@ -9055,100 +8580,14 @@
                     <a:p>
                       <a:pPr algn="ctr"/>
                       <a:r>
-                        <a:rPr lang="en-US" sz="1500" dirty="0" smtClean="0">
-                          <a:latin typeface="Times New Roman" panose="02020603050405020304" pitchFamily="18" charset="0"/>
-                          <a:cs typeface="Times New Roman" panose="02020603050405020304" pitchFamily="18" charset="0"/>
-                        </a:rPr>
-                        <a:t>An Artificial Neural Network Model for Neonatal Disease Diagnosis </a:t>
-                      </a:r>
-                    </a:p>
-                  </a:txBody>
-                  <a:tcPr marL="68580" marR="68580" marT="34291" marB="34291" anchor="ctr"/>
-                </a:tc>
-                <a:tc>
-                  <a:txBody>
-                    <a:bodyPr/>
-                    <a:lstStyle/>
-                    <a:p>
-                      <a:pPr algn="ctr"/>
-                      <a:r>
-                        <a:rPr lang="en-US" sz="1500" dirty="0" smtClean="0">
-                          <a:latin typeface="Times New Roman" panose="02020603050405020304" pitchFamily="18" charset="0"/>
-                          <a:cs typeface="Times New Roman" panose="02020603050405020304" pitchFamily="18" charset="0"/>
-                        </a:rPr>
-                        <a:t>Dilip Roy Chowdhury,</a:t>
-                      </a:r>
-                    </a:p>
-                    <a:p>
-                      <a:pPr algn="ctr"/>
-                      <a:r>
-                        <a:rPr lang="en-US" sz="1500" dirty="0" smtClean="0">
-                          <a:latin typeface="Times New Roman" panose="02020603050405020304" pitchFamily="18" charset="0"/>
-                          <a:cs typeface="Times New Roman" panose="02020603050405020304" pitchFamily="18" charset="0"/>
-                        </a:rPr>
-                        <a:t>Mridula Chatterjee,</a:t>
-                      </a:r>
-                    </a:p>
-                    <a:p>
-                      <a:pPr algn="ctr"/>
-                      <a:r>
-                        <a:rPr lang="en-US" sz="1500" dirty="0" smtClean="0">
-                          <a:latin typeface="Times New Roman" panose="02020603050405020304" pitchFamily="18" charset="0"/>
-                          <a:cs typeface="Times New Roman" panose="02020603050405020304" pitchFamily="18" charset="0"/>
-                        </a:rPr>
-                        <a:t>R.K. Samanta</a:t>
-                      </a:r>
-                      <a:endParaRPr lang="en-US" sz="1500" dirty="0">
-                        <a:latin typeface="Times New Roman" panose="02020603050405020304" pitchFamily="18" charset="0"/>
-                        <a:cs typeface="Times New Roman" panose="02020603050405020304" pitchFamily="18" charset="0"/>
-                      </a:endParaRPr>
-                    </a:p>
-                  </a:txBody>
-                  <a:tcPr marL="68580" marR="68580" marT="34291" marB="34291" anchor="ctr"/>
-                </a:tc>
-                <a:tc>
-                  <a:txBody>
-                    <a:bodyPr/>
-                    <a:lstStyle/>
-                    <a:p>
-                      <a:pPr algn="ctr"/>
-                      <a:r>
-                        <a:rPr lang="en-US" sz="1500" dirty="0" smtClean="0">
-                          <a:latin typeface="Times New Roman" panose="02020603050405020304" pitchFamily="18" charset="0"/>
-                          <a:cs typeface="Times New Roman" panose="02020603050405020304" pitchFamily="18" charset="0"/>
-                        </a:rPr>
-                        <a:t>Multi</a:t>
-                      </a:r>
-                      <a:r>
-                        <a:rPr lang="en-US" sz="1500" baseline="0" dirty="0" smtClean="0">
-                          <a:latin typeface="Times New Roman" panose="02020603050405020304" pitchFamily="18" charset="0"/>
-                          <a:cs typeface="Times New Roman" panose="02020603050405020304" pitchFamily="18" charset="0"/>
-                        </a:rPr>
-                        <a:t>-Layered Perceptron</a:t>
-                      </a:r>
-                      <a:endParaRPr lang="en-US" sz="1500" dirty="0">
-                        <a:latin typeface="Times New Roman" panose="02020603050405020304" pitchFamily="18" charset="0"/>
-                        <a:cs typeface="Times New Roman" panose="02020603050405020304" pitchFamily="18" charset="0"/>
-                      </a:endParaRPr>
-                    </a:p>
-                  </a:txBody>
-                  <a:tcPr marL="68580" marR="68580" marT="34291" marB="34291" anchor="ctr"/>
-                </a:tc>
-                <a:tc>
-                  <a:txBody>
-                    <a:bodyPr/>
-                    <a:lstStyle/>
-                    <a:p>
-                      <a:pPr algn="ctr"/>
-                      <a:r>
-                        <a:rPr lang="en-US" sz="1500" dirty="0" smtClean="0">
+                        <a:rPr lang="en-US" sz="1500" dirty="0">
                           <a:latin typeface="Times New Roman" panose="02020603050405020304" pitchFamily="18" charset="0"/>
                           <a:cs typeface="Times New Roman" panose="02020603050405020304" pitchFamily="18" charset="0"/>
                         </a:rPr>
                         <a:t>They</a:t>
                       </a:r>
                       <a:r>
-                        <a:rPr lang="en-US" sz="1500" baseline="0" dirty="0" smtClean="0">
+                        <a:rPr lang="en-US" sz="1500" baseline="0" dirty="0">
                           <a:latin typeface="Times New Roman" panose="02020603050405020304" pitchFamily="18" charset="0"/>
                           <a:cs typeface="Times New Roman" panose="02020603050405020304" pitchFamily="18" charset="0"/>
                         </a:rPr>
@@ -9176,16 +8615,12 @@
                     <a:p>
                       <a:pPr algn="ctr"/>
                       <a:r>
-                        <a:rPr lang="en-US" sz="1500" dirty="0" smtClean="0">
+                        <a:rPr lang="en-US" sz="1500" dirty="0">
                           <a:latin typeface="Times New Roman" panose="02020603050405020304" pitchFamily="18" charset="0"/>
                           <a:cs typeface="Times New Roman" panose="02020603050405020304" pitchFamily="18" charset="0"/>
                         </a:rPr>
                         <a:t>2.</a:t>
                       </a:r>
-                      <a:endParaRPr lang="en-US" sz="1500" dirty="0">
-                        <a:latin typeface="Times New Roman" panose="02020603050405020304" pitchFamily="18" charset="0"/>
-                        <a:cs typeface="Times New Roman" panose="02020603050405020304" pitchFamily="18" charset="0"/>
-                      </a:endParaRPr>
                     </a:p>
                   </a:txBody>
                   <a:tcPr marL="68580" marR="68580" marT="34291" marB="34291" anchor="ctr"/>
@@ -9213,7 +8648,7 @@
                         <a:defRPr/>
                       </a:pPr>
                       <a:r>
-                        <a:rPr lang="en-US" sz="1500" dirty="0" smtClean="0">
+                        <a:rPr lang="en-US" sz="1500" dirty="0">
                           <a:latin typeface="Times New Roman" panose="02020603050405020304" pitchFamily="18" charset="0"/>
                           <a:cs typeface="Times New Roman" panose="02020603050405020304" pitchFamily="18" charset="0"/>
                         </a:rPr>
@@ -9230,7 +8665,7 @@
                     <a:p>
                       <a:pPr algn="ctr"/>
                       <a:r>
-                        <a:rPr lang="en-US" sz="1500" dirty="0" smtClean="0">
+                        <a:rPr lang="en-US" sz="1500" dirty="0">
                           <a:latin typeface="Times New Roman" panose="02020603050405020304" pitchFamily="18" charset="0"/>
                           <a:cs typeface="Times New Roman" panose="02020603050405020304" pitchFamily="18" charset="0"/>
                         </a:rPr>
@@ -9240,11 +8675,45 @@
                     <a:p>
                       <a:pPr algn="ctr"/>
                       <a:r>
-                        <a:rPr lang="en-US" sz="1500" dirty="0" smtClean="0">
+                        <a:rPr lang="en-US" sz="1500" dirty="0">
                           <a:latin typeface="Times New Roman" panose="02020603050405020304" pitchFamily="18" charset="0"/>
                           <a:cs typeface="Times New Roman" panose="02020603050405020304" pitchFamily="18" charset="0"/>
                         </a:rPr>
                         <a:t>Sunila Godara</a:t>
+                      </a:r>
+                    </a:p>
+                  </a:txBody>
+                  <a:tcPr marL="68580" marR="68580" marT="34291" marB="34291" anchor="ctr"/>
+                </a:tc>
+                <a:tc>
+                  <a:txBody>
+                    <a:bodyPr/>
+                    <a:lstStyle/>
+                    <a:p>
+                      <a:pPr algn="ctr"/>
+                      <a:r>
+                        <a:rPr lang="en-US" sz="1500" dirty="0">
+                          <a:latin typeface="Times New Roman" panose="02020603050405020304" pitchFamily="18" charset="0"/>
+                          <a:cs typeface="Times New Roman" panose="02020603050405020304" pitchFamily="18" charset="0"/>
+                        </a:rPr>
+                        <a:t>Decision</a:t>
+                      </a:r>
+                      <a:r>
+                        <a:rPr lang="en-US" sz="1500" baseline="0" dirty="0">
+                          <a:latin typeface="Times New Roman" panose="02020603050405020304" pitchFamily="18" charset="0"/>
+                          <a:cs typeface="Times New Roman" panose="02020603050405020304" pitchFamily="18" charset="0"/>
+                        </a:rPr>
+                        <a:t> Tree,</a:t>
+                      </a:r>
+                    </a:p>
+                    <a:p>
+                      <a:pPr algn="ctr"/>
+                      <a:r>
+                        <a:rPr lang="en-US" sz="1500" baseline="0" dirty="0">
+                          <a:latin typeface="Times New Roman" panose="02020603050405020304" pitchFamily="18" charset="0"/>
+                          <a:cs typeface="Times New Roman" panose="02020603050405020304" pitchFamily="18" charset="0"/>
+                        </a:rPr>
+                        <a:t>Artificial Neural Network</a:t>
                       </a:r>
                       <a:endParaRPr lang="en-US" sz="1500" dirty="0">
                         <a:latin typeface="Times New Roman" panose="02020603050405020304" pitchFamily="18" charset="0"/>
@@ -9261,52 +8730,14 @@
                     <a:p>
                       <a:pPr algn="ctr"/>
                       <a:r>
-                        <a:rPr lang="en-US" sz="1500" dirty="0" smtClean="0">
-                          <a:latin typeface="Times New Roman" panose="02020603050405020304" pitchFamily="18" charset="0"/>
-                          <a:cs typeface="Times New Roman" panose="02020603050405020304" pitchFamily="18" charset="0"/>
-                        </a:rPr>
-                        <a:t>Decision</a:t>
-                      </a:r>
-                      <a:r>
-                        <a:rPr lang="en-US" sz="1500" baseline="0" dirty="0" smtClean="0">
-                          <a:latin typeface="Times New Roman" panose="02020603050405020304" pitchFamily="18" charset="0"/>
-                          <a:cs typeface="Times New Roman" panose="02020603050405020304" pitchFamily="18" charset="0"/>
-                        </a:rPr>
-                        <a:t> Tree,</a:t>
-                      </a:r>
-                    </a:p>
-                    <a:p>
-                      <a:pPr algn="ctr"/>
-                      <a:r>
-                        <a:rPr lang="en-US" sz="1500" baseline="0" dirty="0" smtClean="0">
-                          <a:latin typeface="Times New Roman" panose="02020603050405020304" pitchFamily="18" charset="0"/>
-                          <a:cs typeface="Times New Roman" panose="02020603050405020304" pitchFamily="18" charset="0"/>
-                        </a:rPr>
-                        <a:t>Artificial Neural Network</a:t>
-                      </a:r>
-                      <a:endParaRPr lang="en-US" sz="1500" dirty="0">
-                        <a:latin typeface="Times New Roman" panose="02020603050405020304" pitchFamily="18" charset="0"/>
-                        <a:cs typeface="Times New Roman" panose="02020603050405020304" pitchFamily="18" charset="0"/>
-                      </a:endParaRPr>
-                    </a:p>
-                  </a:txBody>
-                  <a:tcPr marL="68580" marR="68580" marT="34291" marB="34291" anchor="ctr"/>
-                </a:tc>
-                <a:tc>
-                  <a:txBody>
-                    <a:bodyPr/>
-                    <a:lstStyle/>
-                    <a:p>
-                      <a:pPr algn="ctr"/>
-                      <a:r>
-                        <a:rPr lang="en-US" sz="1500" dirty="0" smtClean="0">
+                        <a:rPr lang="en-US" sz="1500" dirty="0">
                           <a:latin typeface="Times New Roman" panose="02020603050405020304" pitchFamily="18" charset="0"/>
                           <a:cs typeface="Times New Roman" panose="02020603050405020304" pitchFamily="18" charset="0"/>
                         </a:rPr>
                         <a:t>Accuracy</a:t>
                       </a:r>
                       <a:r>
-                        <a:rPr lang="en-US" sz="1500" baseline="0" dirty="0" smtClean="0">
+                        <a:rPr lang="en-US" sz="1500" baseline="0" dirty="0">
                           <a:latin typeface="Times New Roman" panose="02020603050405020304" pitchFamily="18" charset="0"/>
                           <a:cs typeface="Times New Roman" panose="02020603050405020304" pitchFamily="18" charset="0"/>
                         </a:rPr>
@@ -9334,11 +8765,35 @@
                     <a:p>
                       <a:pPr algn="ctr"/>
                       <a:r>
-                        <a:rPr lang="en-US" sz="1500" dirty="0" smtClean="0">
+                        <a:rPr lang="en-US" sz="1500" dirty="0">
                           <a:latin typeface="Times New Roman" panose="02020603050405020304" pitchFamily="18" charset="0"/>
                           <a:cs typeface="Times New Roman" panose="02020603050405020304" pitchFamily="18" charset="0"/>
                         </a:rPr>
                         <a:t>3.</a:t>
+                      </a:r>
+                    </a:p>
+                  </a:txBody>
+                  <a:tcPr marL="68580" marR="68580" marT="34291" marB="34291" anchor="ctr"/>
+                </a:tc>
+                <a:tc>
+                  <a:txBody>
+                    <a:bodyPr/>
+                    <a:lstStyle/>
+                    <a:p>
+                      <a:pPr algn="ctr"/>
+                      <a:r>
+                        <a:rPr lang="en-US" sz="1500" dirty="0">
+                          <a:latin typeface="Times New Roman" panose="02020603050405020304" pitchFamily="18" charset="0"/>
+                          <a:cs typeface="Times New Roman" panose="02020603050405020304" pitchFamily="18" charset="0"/>
+                        </a:rPr>
+                        <a:t>Decision</a:t>
+                      </a:r>
+                      <a:r>
+                        <a:rPr lang="en-US" sz="1500" baseline="0" dirty="0">
+                          <a:latin typeface="Times New Roman" panose="02020603050405020304" pitchFamily="18" charset="0"/>
+                          <a:cs typeface="Times New Roman" panose="02020603050405020304" pitchFamily="18" charset="0"/>
+                        </a:rPr>
+                        <a:t> Support System for Heart Disease Diagnosis using Neural Network</a:t>
                       </a:r>
                       <a:endParaRPr lang="en-US" sz="1500" dirty="0">
                         <a:latin typeface="Times New Roman" panose="02020603050405020304" pitchFamily="18" charset="0"/>
@@ -9355,23 +8810,32 @@
                     <a:p>
                       <a:pPr algn="ctr"/>
                       <a:r>
-                        <a:rPr lang="en-US" sz="1500" dirty="0" smtClean="0">
+                        <a:rPr lang="en-US" sz="1500" dirty="0">
                           <a:latin typeface="Times New Roman" panose="02020603050405020304" pitchFamily="18" charset="0"/>
                           <a:cs typeface="Times New Roman" panose="02020603050405020304" pitchFamily="18" charset="0"/>
                         </a:rPr>
-                        <a:t>Decision</a:t>
-                      </a:r>
-                      <a:r>
-                        <a:rPr lang="en-US" sz="1500" baseline="0" dirty="0" smtClean="0">
+                        <a:t>Niti Guru,</a:t>
+                      </a:r>
+                    </a:p>
+                    <a:p>
+                      <a:pPr algn="ctr"/>
+                      <a:r>
+                        <a:rPr lang="en-US" sz="1500" dirty="0">
                           <a:latin typeface="Times New Roman" panose="02020603050405020304" pitchFamily="18" charset="0"/>
                           <a:cs typeface="Times New Roman" panose="02020603050405020304" pitchFamily="18" charset="0"/>
                         </a:rPr>
-                        <a:t> Support System for Heart Disease Diagnosis using Neural Network</a:t>
-                      </a:r>
-                      <a:endParaRPr lang="en-US" sz="1500" dirty="0">
-                        <a:latin typeface="Times New Roman" panose="02020603050405020304" pitchFamily="18" charset="0"/>
-                        <a:cs typeface="Times New Roman" panose="02020603050405020304" pitchFamily="18" charset="0"/>
-                      </a:endParaRPr>
+                        <a:t>Anil Dahiya,</a:t>
+                      </a:r>
+                    </a:p>
+                    <a:p>
+                      <a:pPr algn="ctr"/>
+                      <a:r>
+                        <a:rPr lang="en-US" sz="1500" dirty="0">
+                          <a:latin typeface="Times New Roman" panose="02020603050405020304" pitchFamily="18" charset="0"/>
+                          <a:cs typeface="Times New Roman" panose="02020603050405020304" pitchFamily="18" charset="0"/>
+                        </a:rPr>
+                        <a:t>Navin Rajpal</a:t>
+                      </a:r>
                     </a:p>
                   </a:txBody>
                   <a:tcPr marL="68580" marR="68580" marT="34291" marB="34291" anchor="ctr"/>
@@ -9383,36 +8847,12 @@
                     <a:p>
                       <a:pPr algn="ctr"/>
                       <a:r>
-                        <a:rPr lang="en-US" sz="1500" dirty="0" smtClean="0">
+                        <a:rPr lang="en-US" sz="1500" dirty="0">
                           <a:latin typeface="Times New Roman" panose="02020603050405020304" pitchFamily="18" charset="0"/>
                           <a:cs typeface="Times New Roman" panose="02020603050405020304" pitchFamily="18" charset="0"/>
                         </a:rPr>
-                        <a:t>Niti Guru,</a:t>
-                      </a:r>
-                    </a:p>
-                    <a:p>
-                      <a:pPr algn="ctr"/>
-                      <a:r>
-                        <a:rPr lang="en-US" sz="1500" dirty="0" smtClean="0">
-                          <a:latin typeface="Times New Roman" panose="02020603050405020304" pitchFamily="18" charset="0"/>
-                          <a:cs typeface="Times New Roman" panose="02020603050405020304" pitchFamily="18" charset="0"/>
-                        </a:rPr>
-                        <a:t>Anil Dahiya,</a:t>
-                      </a:r>
-                    </a:p>
-                    <a:p>
-                      <a:pPr algn="ctr"/>
-                      <a:r>
-                        <a:rPr lang="en-US" sz="1500" dirty="0" smtClean="0">
-                          <a:latin typeface="Times New Roman" panose="02020603050405020304" pitchFamily="18" charset="0"/>
-                          <a:cs typeface="Times New Roman" panose="02020603050405020304" pitchFamily="18" charset="0"/>
-                        </a:rPr>
-                        <a:t>Navin Rajpal</a:t>
-                      </a:r>
-                      <a:endParaRPr lang="en-US" sz="1500" dirty="0">
-                        <a:latin typeface="Times New Roman" panose="02020603050405020304" pitchFamily="18" charset="0"/>
-                        <a:cs typeface="Times New Roman" panose="02020603050405020304" pitchFamily="18" charset="0"/>
-                      </a:endParaRPr>
+                        <a:t>Neural Network</a:t>
+                      </a:r>
                     </a:p>
                   </a:txBody>
                   <a:tcPr marL="68580" marR="68580" marT="34291" marB="34291" anchor="ctr"/>
@@ -9424,35 +8864,14 @@
                     <a:p>
                       <a:pPr algn="ctr"/>
                       <a:r>
-                        <a:rPr lang="en-US" sz="1500" dirty="0" smtClean="0">
-                          <a:latin typeface="Times New Roman" panose="02020603050405020304" pitchFamily="18" charset="0"/>
-                          <a:cs typeface="Times New Roman" panose="02020603050405020304" pitchFamily="18" charset="0"/>
-                        </a:rPr>
-                        <a:t>Neural Network</a:t>
-                      </a:r>
-                      <a:endParaRPr lang="en-US" sz="1500" dirty="0">
-                        <a:latin typeface="Times New Roman" panose="02020603050405020304" pitchFamily="18" charset="0"/>
-                        <a:cs typeface="Times New Roman" panose="02020603050405020304" pitchFamily="18" charset="0"/>
-                      </a:endParaRPr>
-                    </a:p>
-                  </a:txBody>
-                  <a:tcPr marL="68580" marR="68580" marT="34291" marB="34291" anchor="ctr"/>
-                </a:tc>
-                <a:tc>
-                  <a:txBody>
-                    <a:bodyPr/>
-                    <a:lstStyle/>
-                    <a:p>
-                      <a:pPr algn="ctr"/>
-                      <a:r>
-                        <a:rPr lang="en-US" sz="1500" dirty="0" smtClean="0">
+                        <a:rPr lang="en-US" sz="1500" dirty="0">
                           <a:latin typeface="Times New Roman" panose="02020603050405020304" pitchFamily="18" charset="0"/>
                           <a:cs typeface="Times New Roman" panose="02020603050405020304" pitchFamily="18" charset="0"/>
                         </a:rPr>
                         <a:t>Only</a:t>
                       </a:r>
                       <a:r>
-                        <a:rPr lang="en-US" sz="1500" baseline="0" dirty="0" smtClean="0">
+                        <a:rPr lang="en-US" sz="1500" baseline="0" dirty="0">
                           <a:latin typeface="Times New Roman" panose="02020603050405020304" pitchFamily="18" charset="0"/>
                           <a:cs typeface="Times New Roman" panose="02020603050405020304" pitchFamily="18" charset="0"/>
                         </a:rPr>
@@ -9503,19 +8922,8 @@
                 <a:latin typeface="Times New Roman" panose="02020603050405020304" pitchFamily="18" charset="0"/>
                 <a:cs typeface="Times New Roman" panose="02020603050405020304" pitchFamily="18" charset="0"/>
               </a:rPr>
-              <a:t>e</a:t>
-            </a:r>
-            <a:r>
-              <a:rPr lang="en-IN" dirty="0" smtClean="0">
-                <a:latin typeface="Times New Roman" panose="02020603050405020304" pitchFamily="18" charset="0"/>
-                <a:cs typeface="Times New Roman" panose="02020603050405020304" pitchFamily="18" charset="0"/>
-              </a:rPr>
-              <a:t>tc.</a:t>
-            </a:r>
-            <a:endParaRPr lang="en-IN" dirty="0">
-              <a:latin typeface="Times New Roman" panose="02020603050405020304" pitchFamily="18" charset="0"/>
-              <a:cs typeface="Times New Roman" panose="02020603050405020304" pitchFamily="18" charset="0"/>
-            </a:endParaRPr>
+              <a:t>etc.</a:t>
+            </a:r>
           </a:p>
         </p:txBody>
       </p:sp>
@@ -9529,21 +8937,6 @@
   <p:clrMapOvr>
     <a:masterClrMapping/>
   </p:clrMapOvr>
-  <mc:AlternateContent xmlns:mc="http://schemas.openxmlformats.org/markup-compatibility/2006" xmlns:p14="http://schemas.microsoft.com/office/powerpoint/2010/main">
-    <mc:Choice Requires="p14">
-      <p:transition spd="slow" p14:dur="2000"/>
-    </mc:Choice>
-    <mc:Fallback xmlns="">
-      <p:transition spd="slow"/>
-    </mc:Fallback>
-  </mc:AlternateContent>
-  <p:timing>
-    <p:tnLst>
-      <p:par>
-        <p:cTn id="1" dur="indefinite" restart="never" nodeType="tmRoot"/>
-      </p:par>
-    </p:tnLst>
-  </p:timing>
 </p:sld>
 </file>
 
@@ -9694,7 +9087,7 @@
             <a:pPr marL="0" indent="0">
               <a:buNone/>
             </a:pPr>
-            <a:endParaRPr lang="en-US" dirty="0" smtClean="0"/>
+            <a:endParaRPr lang="en-US" dirty="0"/>
           </a:p>
           <a:p>
             <a:pPr marL="0" indent="0">
@@ -9732,33 +9125,8 @@
                 <a:latin typeface="Times New Roman" panose="02020603050405020304" pitchFamily="18" charset="0"/>
                 <a:cs typeface="Times New Roman" panose="02020603050405020304" pitchFamily="18" charset="0"/>
               </a:rPr>
-              <a:t>“To build a Heart Disease prediction system to overcome the shortcomings of the </a:t>
-            </a:r>
-            <a:r>
-              <a:rPr lang="en-US" b="1" dirty="0" smtClean="0">
-                <a:latin typeface="Times New Roman" panose="02020603050405020304" pitchFamily="18" charset="0"/>
-                <a:cs typeface="Times New Roman" panose="02020603050405020304" pitchFamily="18" charset="0"/>
-              </a:rPr>
-              <a:t>prior </a:t>
-            </a:r>
-            <a:r>
-              <a:rPr lang="en-US" b="1" dirty="0">
-                <a:latin typeface="Times New Roman" panose="02020603050405020304" pitchFamily="18" charset="0"/>
-                <a:cs typeface="Times New Roman" panose="02020603050405020304" pitchFamily="18" charset="0"/>
-              </a:rPr>
-              <a:t>Heart Disease detection </a:t>
-            </a:r>
-            <a:r>
-              <a:rPr lang="en-US" b="1" dirty="0" smtClean="0">
-                <a:latin typeface="Times New Roman" panose="02020603050405020304" pitchFamily="18" charset="0"/>
-                <a:cs typeface="Times New Roman" panose="02020603050405020304" pitchFamily="18" charset="0"/>
-              </a:rPr>
-              <a:t>techniques.”</a:t>
-            </a:r>
-            <a:endParaRPr lang="en-US" b="1" dirty="0">
-              <a:latin typeface="Times New Roman" panose="02020603050405020304" pitchFamily="18" charset="0"/>
-              <a:cs typeface="Times New Roman" panose="02020603050405020304" pitchFamily="18" charset="0"/>
-            </a:endParaRPr>
+              <a:t>“To build a Heart Disease prediction system to overcome the shortcomings of the prior Heart Disease detection techniques.”</a:t>
+            </a:r>
           </a:p>
         </p:txBody>
       </p:sp>
@@ -9772,13 +9140,6 @@
   <p:clrMapOvr>
     <a:masterClrMapping/>
   </p:clrMapOvr>
-  <p:timing>
-    <p:tnLst>
-      <p:par>
-        <p:cTn id="1" dur="indefinite" restart="never" nodeType="tmRoot"/>
-      </p:par>
-    </p:tnLst>
-  </p:timing>
 </p:sld>
 </file>
 
@@ -9823,16 +9184,12 @@
           <a:p>
             <a:pPr algn="ctr"/>
             <a:r>
-              <a:rPr lang="en-US" sz="2400" b="1" dirty="0" smtClean="0">
+              <a:rPr lang="en-US" sz="2400" b="1" dirty="0">
                 <a:latin typeface="Times New Roman" panose="02020603050405020304" pitchFamily="18" charset="0"/>
                 <a:cs typeface="Times New Roman" panose="02020603050405020304" pitchFamily="18" charset="0"/>
               </a:rPr>
               <a:t>SOLUTION STRATEGY:</a:t>
             </a:r>
-            <a:endParaRPr lang="en-US" sz="2400" b="1" dirty="0">
-              <a:latin typeface="Times New Roman" panose="02020603050405020304" pitchFamily="18" charset="0"/>
-              <a:cs typeface="Times New Roman" panose="02020603050405020304" pitchFamily="18" charset="0"/>
-            </a:endParaRPr>
           </a:p>
         </p:txBody>
       </p:sp>
@@ -9863,7 +9220,7 @@
               <a:buChar char="q"/>
             </a:pPr>
             <a:r>
-              <a:rPr lang="en-US" sz="1800" dirty="0" smtClean="0">
+              <a:rPr lang="en-US" sz="1800" dirty="0">
                 <a:latin typeface="Times New Roman" panose="02020603050405020304" pitchFamily="18" charset="0"/>
                 <a:cs typeface="Times New Roman" panose="02020603050405020304" pitchFamily="18" charset="0"/>
               </a:rPr>
@@ -9874,7 +9231,7 @@
             <a:pPr marL="0" indent="0">
               <a:buNone/>
             </a:pPr>
-            <a:endParaRPr lang="en-US" sz="1800" dirty="0" smtClean="0">
+            <a:endParaRPr lang="en-US" sz="1800" dirty="0">
               <a:latin typeface="Times New Roman" panose="02020603050405020304" pitchFamily="18" charset="0"/>
               <a:cs typeface="Times New Roman" panose="02020603050405020304" pitchFamily="18" charset="0"/>
             </a:endParaRPr>
@@ -9885,7 +9242,7 @@
               <a:buChar char="q"/>
             </a:pPr>
             <a:r>
-              <a:rPr lang="en-US" sz="1800" dirty="0" smtClean="0">
+              <a:rPr lang="en-US" sz="1800" dirty="0">
                 <a:latin typeface="Times New Roman" panose="02020603050405020304" pitchFamily="18" charset="0"/>
                 <a:cs typeface="Times New Roman" panose="02020603050405020304" pitchFamily="18" charset="0"/>
               </a:rPr>
@@ -9896,7 +9253,7 @@
             <a:pPr marL="0" indent="0">
               <a:buNone/>
             </a:pPr>
-            <a:endParaRPr lang="en-US" sz="1800" dirty="0" smtClean="0">
+            <a:endParaRPr lang="en-US" sz="1800" dirty="0">
               <a:latin typeface="Times New Roman" panose="02020603050405020304" pitchFamily="18" charset="0"/>
               <a:cs typeface="Times New Roman" panose="02020603050405020304" pitchFamily="18" charset="0"/>
             </a:endParaRPr>
@@ -9907,7 +9264,7 @@
               <a:buChar char="q"/>
             </a:pPr>
             <a:r>
-              <a:rPr lang="en-US" sz="1800" dirty="0" smtClean="0">
+              <a:rPr lang="en-US" sz="1800" dirty="0">
                 <a:latin typeface="Times New Roman" panose="02020603050405020304" pitchFamily="18" charset="0"/>
                 <a:cs typeface="Times New Roman" panose="02020603050405020304" pitchFamily="18" charset="0"/>
               </a:rPr>
@@ -9918,7 +9275,7 @@
             <a:pPr marL="0" indent="0">
               <a:buNone/>
             </a:pPr>
-            <a:endParaRPr lang="en-US" sz="1800" dirty="0" smtClean="0">
+            <a:endParaRPr lang="en-US" sz="1800" dirty="0">
               <a:latin typeface="Times New Roman" panose="02020603050405020304" pitchFamily="18" charset="0"/>
               <a:cs typeface="Times New Roman" panose="02020603050405020304" pitchFamily="18" charset="0"/>
             </a:endParaRPr>
@@ -9929,7 +9286,7 @@
               <a:buChar char="q"/>
             </a:pPr>
             <a:r>
-              <a:rPr lang="en-US" sz="1800" dirty="0" smtClean="0">
+              <a:rPr lang="en-US" sz="1800" dirty="0">
                 <a:latin typeface="Times New Roman" panose="02020603050405020304" pitchFamily="18" charset="0"/>
                 <a:cs typeface="Times New Roman" panose="02020603050405020304" pitchFamily="18" charset="0"/>
               </a:rPr>
@@ -9940,7 +9297,7 @@
             <a:pPr marL="0" indent="0">
               <a:buNone/>
             </a:pPr>
-            <a:endParaRPr lang="en-US" sz="1800" dirty="0" smtClean="0">
+            <a:endParaRPr lang="en-US" sz="1800" dirty="0">
               <a:latin typeface="Times New Roman" panose="02020603050405020304" pitchFamily="18" charset="0"/>
               <a:cs typeface="Times New Roman" panose="02020603050405020304" pitchFamily="18" charset="0"/>
             </a:endParaRPr>
@@ -9951,16 +9308,12 @@
               <a:buChar char="q"/>
             </a:pPr>
             <a:r>
-              <a:rPr lang="en-US" sz="1800" dirty="0" smtClean="0">
+              <a:rPr lang="en-US" sz="1800" dirty="0">
                 <a:latin typeface="Times New Roman" panose="02020603050405020304" pitchFamily="18" charset="0"/>
                 <a:cs typeface="Times New Roman" panose="02020603050405020304" pitchFamily="18" charset="0"/>
               </a:rPr>
               <a:t>Cross-validate the algorithms accuracy.</a:t>
             </a:r>
-            <a:endParaRPr lang="en-US" sz="1800" dirty="0">
-              <a:latin typeface="Times New Roman" panose="02020603050405020304" pitchFamily="18" charset="0"/>
-              <a:cs typeface="Times New Roman" panose="02020603050405020304" pitchFamily="18" charset="0"/>
-            </a:endParaRPr>
           </a:p>
         </p:txBody>
       </p:sp>
@@ -9974,13 +9327,6 @@
   <p:clrMapOvr>
     <a:masterClrMapping/>
   </p:clrMapOvr>
-  <p:timing>
-    <p:tnLst>
-      <p:par>
-        <p:cTn id="1" dur="indefinite" restart="never" nodeType="tmRoot"/>
-      </p:par>
-    </p:tnLst>
-  </p:timing>
 </p:sld>
 </file>
 
@@ -10023,16 +9369,12 @@
           <a:p>
             <a:pPr algn="ctr"/>
             <a:r>
-              <a:rPr lang="en-IN" sz="2400" b="1" dirty="0" smtClean="0">
+              <a:rPr lang="en-IN" sz="2400" b="1" dirty="0">
                 <a:latin typeface="Times New Roman" panose="02020603050405020304" pitchFamily="18" charset="0"/>
                 <a:cs typeface="Times New Roman" panose="02020603050405020304" pitchFamily="18" charset="0"/>
               </a:rPr>
               <a:t>METHODOLOGY:</a:t>
             </a:r>
-            <a:endParaRPr lang="en-IN" sz="2400" b="1" dirty="0">
-              <a:latin typeface="Times New Roman" panose="02020603050405020304" pitchFamily="18" charset="0"/>
-              <a:cs typeface="Times New Roman" panose="02020603050405020304" pitchFamily="18" charset="0"/>
-            </a:endParaRPr>
           </a:p>
         </p:txBody>
       </p:sp>
@@ -10062,7 +9404,7 @@
               <a:buNone/>
             </a:pPr>
             <a:r>
-              <a:rPr lang="en-IN" sz="1800" dirty="0" smtClean="0">
+              <a:rPr lang="en-IN" sz="1800" dirty="0">
                 <a:latin typeface="Times New Roman" panose="02020603050405020304" pitchFamily="18" charset="0"/>
                 <a:cs typeface="Times New Roman" panose="02020603050405020304" pitchFamily="18" charset="0"/>
               </a:rPr>
@@ -10075,7 +9417,7 @@
               <a:buChar char="q"/>
             </a:pPr>
             <a:r>
-              <a:rPr lang="en-IN" sz="1800" dirty="0" smtClean="0">
+              <a:rPr lang="en-IN" sz="1800" dirty="0">
                 <a:latin typeface="Times New Roman" panose="02020603050405020304" pitchFamily="18" charset="0"/>
                 <a:cs typeface="Times New Roman" panose="02020603050405020304" pitchFamily="18" charset="0"/>
               </a:rPr>
@@ -10088,7 +9430,7 @@
               <a:buChar char="q"/>
             </a:pPr>
             <a:r>
-              <a:rPr lang="en-IN" sz="1800" dirty="0" smtClean="0">
+              <a:rPr lang="en-IN" sz="1800" dirty="0">
                 <a:latin typeface="Times New Roman" panose="02020603050405020304" pitchFamily="18" charset="0"/>
                 <a:cs typeface="Times New Roman" panose="02020603050405020304" pitchFamily="18" charset="0"/>
               </a:rPr>
@@ -10101,7 +9443,7 @@
               <a:buChar char="q"/>
             </a:pPr>
             <a:r>
-              <a:rPr lang="en-IN" sz="1800" dirty="0" smtClean="0">
+              <a:rPr lang="en-IN" sz="1800" dirty="0">
                 <a:latin typeface="Times New Roman" panose="02020603050405020304" pitchFamily="18" charset="0"/>
                 <a:cs typeface="Times New Roman" panose="02020603050405020304" pitchFamily="18" charset="0"/>
               </a:rPr>
@@ -10114,7 +9456,7 @@
               <a:buChar char="q"/>
             </a:pPr>
             <a:r>
-              <a:rPr lang="en-IN" sz="1800" dirty="0" smtClean="0">
+              <a:rPr lang="en-IN" sz="1800" dirty="0">
                 <a:latin typeface="Times New Roman" panose="02020603050405020304" pitchFamily="18" charset="0"/>
                 <a:cs typeface="Times New Roman" panose="02020603050405020304" pitchFamily="18" charset="0"/>
               </a:rPr>
@@ -10127,16 +9469,12 @@
               <a:buChar char="q"/>
             </a:pPr>
             <a:r>
-              <a:rPr lang="en-IN" sz="1800" dirty="0" smtClean="0">
+              <a:rPr lang="en-IN" sz="1800" dirty="0">
                 <a:latin typeface="Times New Roman" panose="02020603050405020304" pitchFamily="18" charset="0"/>
                 <a:cs typeface="Times New Roman" panose="02020603050405020304" pitchFamily="18" charset="0"/>
               </a:rPr>
               <a:t> Random Forest</a:t>
             </a:r>
-            <a:endParaRPr lang="en-IN" sz="1800" dirty="0">
-              <a:latin typeface="Times New Roman" panose="02020603050405020304" pitchFamily="18" charset="0"/>
-              <a:cs typeface="Times New Roman" panose="02020603050405020304" pitchFamily="18" charset="0"/>
-            </a:endParaRPr>
           </a:p>
           <a:p>
             <a:pPr marL="0" indent="0">
@@ -10152,7 +9490,7 @@
               <a:buNone/>
             </a:pPr>
             <a:r>
-              <a:rPr lang="en-IN" sz="1800" dirty="0" smtClean="0">
+              <a:rPr lang="en-IN" sz="1800" dirty="0">
                 <a:latin typeface="Times New Roman" panose="02020603050405020304" pitchFamily="18" charset="0"/>
                 <a:cs typeface="Times New Roman" panose="02020603050405020304" pitchFamily="18" charset="0"/>
               </a:rPr>
@@ -10165,7 +9503,7 @@
               <a:buChar char="q"/>
             </a:pPr>
             <a:r>
-              <a:rPr lang="en-IN" sz="1800" dirty="0" smtClean="0">
+              <a:rPr lang="en-IN" sz="1800" dirty="0">
                 <a:latin typeface="Times New Roman" panose="02020603050405020304" pitchFamily="18" charset="0"/>
                 <a:cs typeface="Times New Roman" panose="02020603050405020304" pitchFamily="18" charset="0"/>
               </a:rPr>
@@ -10178,7 +9516,7 @@
               <a:buChar char="q"/>
             </a:pPr>
             <a:r>
-              <a:rPr lang="en-IN" sz="1800" dirty="0" smtClean="0">
+              <a:rPr lang="en-IN" sz="1800" dirty="0">
                 <a:latin typeface="Times New Roman" panose="02020603050405020304" pitchFamily="18" charset="0"/>
                 <a:cs typeface="Times New Roman" panose="02020603050405020304" pitchFamily="18" charset="0"/>
               </a:rPr>
@@ -10191,7 +9529,7 @@
               <a:buChar char="q"/>
             </a:pPr>
             <a:r>
-              <a:rPr lang="en-IN" sz="1800" dirty="0" smtClean="0">
+              <a:rPr lang="en-IN" sz="1800" dirty="0">
                 <a:latin typeface="Times New Roman" panose="02020603050405020304" pitchFamily="18" charset="0"/>
                 <a:cs typeface="Times New Roman" panose="02020603050405020304" pitchFamily="18" charset="0"/>
               </a:rPr>
@@ -10213,13 +9551,6 @@
   <p:clrMapOvr>
     <a:masterClrMapping/>
   </p:clrMapOvr>
-  <p:timing>
-    <p:tnLst>
-      <p:par>
-        <p:cTn id="1" dur="indefinite" restart="never" nodeType="tmRoot"/>
-      </p:par>
-    </p:tnLst>
-  </p:timing>
 </p:sld>
 </file>
 
@@ -10264,16 +9595,12 @@
           <a:p>
             <a:pPr algn="ctr"/>
             <a:r>
-              <a:rPr lang="en-US" sz="2400" b="1" dirty="0" smtClean="0">
+              <a:rPr lang="en-US" sz="2400" b="1" dirty="0">
                 <a:latin typeface="Times New Roman" panose="02020603050405020304" pitchFamily="18" charset="0"/>
                 <a:cs typeface="Times New Roman" panose="02020603050405020304" pitchFamily="18" charset="0"/>
               </a:rPr>
               <a:t>IMPLEMENTATION:</a:t>
             </a:r>
-            <a:endParaRPr lang="en-US" sz="2400" b="1" dirty="0">
-              <a:latin typeface="Times New Roman" panose="02020603050405020304" pitchFamily="18" charset="0"/>
-              <a:cs typeface="Times New Roman" panose="02020603050405020304" pitchFamily="18" charset="0"/>
-            </a:endParaRPr>
           </a:p>
         </p:txBody>
       </p:sp>
@@ -10414,13 +9741,8 @@
                 <a:pPr algn="ctr"/>
                 <a:r>
                   <a:rPr lang="en-US" sz="1351" dirty="0"/>
-                  <a:t>Get </a:t>
+                  <a:t>Get dataset</a:t>
                 </a:r>
-                <a:r>
-                  <a:rPr lang="en-US" sz="1351" dirty="0" smtClean="0"/>
-                  <a:t>dataset</a:t>
-                </a:r>
-                <a:endParaRPr lang="en-US" sz="1351" dirty="0"/>
               </a:p>
             </p:txBody>
           </p:sp>
@@ -11404,13 +10726,6 @@
   <p:clrMapOvr>
     <a:masterClrMapping/>
   </p:clrMapOvr>
-  <p:timing>
-    <p:tnLst>
-      <p:par>
-        <p:cTn id="1" dur="indefinite" restart="never" nodeType="tmRoot"/>
-      </p:par>
-    </p:tnLst>
-  </p:timing>
 </p:sld>
 </file>
 
@@ -11450,16 +10765,12 @@
           <a:p>
             <a:pPr algn="ctr"/>
             <a:r>
-              <a:rPr lang="en-IN" sz="2400" b="1" dirty="0" smtClean="0">
+              <a:rPr lang="en-IN" sz="2400" b="1" dirty="0">
                 <a:latin typeface="Times New Roman" panose="02020603050405020304" pitchFamily="18" charset="0"/>
                 <a:cs typeface="Times New Roman" panose="02020603050405020304" pitchFamily="18" charset="0"/>
               </a:rPr>
               <a:t>IMPLEMENTATION DETAILS (steps):-</a:t>
             </a:r>
-            <a:endParaRPr lang="en-IN" sz="2400" b="1" dirty="0">
-              <a:latin typeface="Times New Roman" panose="02020603050405020304" pitchFamily="18" charset="0"/>
-              <a:cs typeface="Times New Roman" panose="02020603050405020304" pitchFamily="18" charset="0"/>
-            </a:endParaRPr>
           </a:p>
         </p:txBody>
       </p:sp>
@@ -11488,7 +10799,7 @@
               <a:buAutoNum type="arabicPeriod"/>
             </a:pPr>
             <a:r>
-              <a:rPr lang="en-US" sz="1800" dirty="0" smtClean="0">
+              <a:rPr lang="en-US" sz="1800" dirty="0">
                 <a:solidFill>
                   <a:prstClr val="black"/>
                 </a:solidFill>
@@ -11504,16 +10815,6 @@
               <a:buAutoNum type="arabicPeriod"/>
             </a:pPr>
             <a:r>
-              <a:rPr lang="en-US" sz="1800" dirty="0" smtClean="0">
-                <a:solidFill>
-                  <a:prstClr val="black"/>
-                </a:solidFill>
-                <a:latin typeface="Times New Roman" panose="02020603050405020304" pitchFamily="18" charset="0"/>
-                <a:cs typeface="Times New Roman" panose="02020603050405020304" pitchFamily="18" charset="0"/>
-              </a:rPr>
-              <a:t>Collect </a:t>
-            </a:r>
-            <a:r>
               <a:rPr lang="en-US" sz="1800" dirty="0">
                 <a:solidFill>
                   <a:prstClr val="black"/>
@@ -11521,25 +10822,8 @@
                 <a:latin typeface="Times New Roman" panose="02020603050405020304" pitchFamily="18" charset="0"/>
                 <a:cs typeface="Times New Roman" panose="02020603050405020304" pitchFamily="18" charset="0"/>
               </a:rPr>
-              <a:t>the </a:t>
-            </a:r>
-            <a:r>
-              <a:rPr lang="en-US" sz="1800" dirty="0" smtClean="0">
-                <a:solidFill>
-                  <a:prstClr val="black"/>
-                </a:solidFill>
-                <a:latin typeface="Times New Roman" panose="02020603050405020304" pitchFamily="18" charset="0"/>
-                <a:cs typeface="Times New Roman" panose="02020603050405020304" pitchFamily="18" charset="0"/>
-              </a:rPr>
-              <a:t>dataset. </a:t>
-            </a:r>
-            <a:endParaRPr lang="en-US" sz="1800" dirty="0">
-              <a:solidFill>
-                <a:prstClr val="black"/>
-              </a:solidFill>
-              <a:latin typeface="Times New Roman" panose="02020603050405020304" pitchFamily="18" charset="0"/>
-              <a:cs typeface="Times New Roman" panose="02020603050405020304" pitchFamily="18" charset="0"/>
-            </a:endParaRPr>
+              <a:t>Collect the dataset. </a:t>
+            </a:r>
           </a:p>
           <a:p>
             <a:pPr marL="342900" lvl="0" indent="-342900">
@@ -11610,16 +10894,6 @@
               <a:buNone/>
             </a:pPr>
             <a:r>
-              <a:rPr lang="en-US" sz="1800" dirty="0" smtClean="0">
-                <a:solidFill>
-                  <a:prstClr val="black"/>
-                </a:solidFill>
-                <a:latin typeface="Times New Roman" panose="02020603050405020304" pitchFamily="18" charset="0"/>
-                <a:cs typeface="Times New Roman" panose="02020603050405020304" pitchFamily="18" charset="0"/>
-              </a:rPr>
-              <a:t>	6.1.  Create </a:t>
-            </a:r>
-            <a:r>
               <a:rPr lang="en-US" sz="1800" dirty="0">
                 <a:solidFill>
                   <a:prstClr val="black"/>
@@ -11627,23 +10901,13 @@
                 <a:latin typeface="Times New Roman" panose="02020603050405020304" pitchFamily="18" charset="0"/>
                 <a:cs typeface="Times New Roman" panose="02020603050405020304" pitchFamily="18" charset="0"/>
               </a:rPr>
-              <a:t>training set and testing set using 10-fold cross-validation.</a:t>
+              <a:t>	6.1.  Create training set and testing set using 10-fold cross-validation.</a:t>
             </a:r>
           </a:p>
           <a:p>
             <a:pPr marL="0" lvl="0" indent="0">
               <a:buNone/>
             </a:pPr>
-            <a:r>
-              <a:rPr lang="en-US" sz="1800" dirty="0" smtClean="0">
-                <a:solidFill>
-                  <a:prstClr val="black"/>
-                </a:solidFill>
-                <a:latin typeface="Times New Roman" panose="02020603050405020304" pitchFamily="18" charset="0"/>
-                <a:cs typeface="Times New Roman" panose="02020603050405020304" pitchFamily="18" charset="0"/>
-              </a:rPr>
-              <a:t>	6.2.  Apply </a:t>
-            </a:r>
             <a:r>
               <a:rPr lang="en-US" sz="1800" dirty="0">
                 <a:solidFill>
@@ -11652,23 +10916,13 @@
                 <a:latin typeface="Times New Roman" panose="02020603050405020304" pitchFamily="18" charset="0"/>
                 <a:cs typeface="Times New Roman" panose="02020603050405020304" pitchFamily="18" charset="0"/>
               </a:rPr>
-              <a:t>supervised learning algorithm. </a:t>
+              <a:t>	6.2.  Apply supervised learning algorithm. </a:t>
             </a:r>
           </a:p>
           <a:p>
             <a:pPr marL="0" lvl="0" indent="0">
               <a:buNone/>
             </a:pPr>
-            <a:r>
-              <a:rPr lang="en-US" sz="1800" dirty="0" smtClean="0">
-                <a:solidFill>
-                  <a:prstClr val="black"/>
-                </a:solidFill>
-                <a:latin typeface="Times New Roman" panose="02020603050405020304" pitchFamily="18" charset="0"/>
-                <a:cs typeface="Times New Roman" panose="02020603050405020304" pitchFamily="18" charset="0"/>
-              </a:rPr>
-              <a:t>	</a:t>
-            </a:r>
             <a:r>
               <a:rPr lang="en-US" sz="1800" dirty="0">
                 <a:solidFill>
@@ -11677,18 +10931,13 @@
                 <a:latin typeface="Times New Roman" panose="02020603050405020304" pitchFamily="18" charset="0"/>
                 <a:cs typeface="Times New Roman" panose="02020603050405020304" pitchFamily="18" charset="0"/>
               </a:rPr>
-              <a:t>6</a:t>
-            </a:r>
-            <a:r>
-              <a:rPr lang="en-US" sz="1800" dirty="0" smtClean="0">
-                <a:solidFill>
-                  <a:prstClr val="black"/>
-                </a:solidFill>
-                <a:latin typeface="Times New Roman" panose="02020603050405020304" pitchFamily="18" charset="0"/>
-                <a:cs typeface="Times New Roman" panose="02020603050405020304" pitchFamily="18" charset="0"/>
-              </a:rPr>
-              <a:t>.3   Do </a:t>
-            </a:r>
+              <a:t>	6.3   Do testing using the test set.</a:t>
+            </a:r>
+          </a:p>
+          <a:p>
+            <a:pPr marL="0" lvl="0" indent="0">
+              <a:buNone/>
+            </a:pPr>
             <a:r>
               <a:rPr lang="en-US" sz="1800" dirty="0">
                 <a:solidFill>
@@ -11697,32 +10946,7 @@
                 <a:latin typeface="Times New Roman" panose="02020603050405020304" pitchFamily="18" charset="0"/>
                 <a:cs typeface="Times New Roman" panose="02020603050405020304" pitchFamily="18" charset="0"/>
               </a:rPr>
-              <a:t>testing using the test set.</a:t>
-            </a:r>
-          </a:p>
-          <a:p>
-            <a:pPr marL="0" lvl="0" indent="0">
-              <a:buNone/>
-            </a:pPr>
-            <a:r>
-              <a:rPr lang="en-US" sz="1800" dirty="0" smtClean="0">
-                <a:solidFill>
-                  <a:prstClr val="black"/>
-                </a:solidFill>
-                <a:latin typeface="Times New Roman" panose="02020603050405020304" pitchFamily="18" charset="0"/>
-                <a:cs typeface="Times New Roman" panose="02020603050405020304" pitchFamily="18" charset="0"/>
-              </a:rPr>
-              <a:t>	6.4.  Show </a:t>
-            </a:r>
-            <a:r>
-              <a:rPr lang="en-US" sz="1800" dirty="0">
-                <a:solidFill>
-                  <a:prstClr val="black"/>
-                </a:solidFill>
-                <a:latin typeface="Times New Roman" panose="02020603050405020304" pitchFamily="18" charset="0"/>
-                <a:cs typeface="Times New Roman" panose="02020603050405020304" pitchFamily="18" charset="0"/>
-              </a:rPr>
-              <a:t>the accuracy.</a:t>
+              <a:t>	6.4.  Show the accuracy.</a:t>
             </a:r>
           </a:p>
           <a:p>
@@ -11730,16 +10954,12 @@
               <a:buNone/>
             </a:pPr>
             <a:r>
-              <a:rPr lang="en-IN" sz="1800" dirty="0" smtClean="0">
+              <a:rPr lang="en-IN" sz="1800" dirty="0">
                 <a:latin typeface="Times New Roman" panose="02020603050405020304" pitchFamily="18" charset="0"/>
                 <a:cs typeface="Times New Roman" panose="02020603050405020304" pitchFamily="18" charset="0"/>
               </a:rPr>
               <a:t>7.   Stop</a:t>
             </a:r>
-            <a:endParaRPr lang="en-IN" sz="1800" dirty="0">
-              <a:latin typeface="Times New Roman" panose="02020603050405020304" pitchFamily="18" charset="0"/>
-              <a:cs typeface="Times New Roman" panose="02020603050405020304" pitchFamily="18" charset="0"/>
-            </a:endParaRPr>
           </a:p>
         </p:txBody>
       </p:sp>
@@ -11753,13 +10973,6 @@
   <p:clrMapOvr>
     <a:masterClrMapping/>
   </p:clrMapOvr>
-  <p:timing>
-    <p:tnLst>
-      <p:par>
-        <p:cTn id="1" dur="indefinite" restart="never" nodeType="tmRoot"/>
-      </p:par>
-    </p:tnLst>
-  </p:timing>
 </p:sld>
 </file>
 
